--- a/teamProj/slides.pptx
+++ b/teamProj/slides.pptx
@@ -4,9 +4,19 @@
   <p:sldMasterIdLst>
     <p:sldMasterId id="2147483648" r:id="rId1"/>
   </p:sldMasterIdLst>
+  <p:notesMasterIdLst>
+    <p:notesMasterId r:id="rId11"/>
+  </p:notesMasterIdLst>
   <p:sldIdLst>
     <p:sldId id="256" r:id="rId2"/>
-    <p:sldId id="257" r:id="rId3"/>
+    <p:sldId id="258" r:id="rId3"/>
+    <p:sldId id="259" r:id="rId4"/>
+    <p:sldId id="260" r:id="rId5"/>
+    <p:sldId id="261" r:id="rId6"/>
+    <p:sldId id="262" r:id="rId7"/>
+    <p:sldId id="263" r:id="rId8"/>
+    <p:sldId id="264" r:id="rId9"/>
+    <p:sldId id="265" r:id="rId10"/>
   </p:sldIdLst>
   <p:sldSz cx="9144000" cy="6858000" type="screen4x3"/>
   <p:notesSz cx="6858000" cy="9144000"/>
@@ -108,6 +118,1264 @@
 </p:presentation>
 </file>
 
+<file path=ppt/notesMasters/notesMaster1.xml><?xml version="1.0" encoding="utf-8"?>
+<p:notesMaster xmlns:a="http://schemas.openxmlformats.org/drawingml/2006/main" xmlns:r="http://schemas.openxmlformats.org/officeDocument/2006/relationships" xmlns:p="http://schemas.openxmlformats.org/presentationml/2006/main">
+  <p:cSld>
+    <p:bg>
+      <p:bgRef idx="1001">
+        <a:schemeClr val="bg1"/>
+      </p:bgRef>
+    </p:bg>
+    <p:spTree>
+      <p:nvGrpSpPr>
+        <p:cNvPr id="1" name=""/>
+        <p:cNvGrpSpPr/>
+        <p:nvPr/>
+      </p:nvGrpSpPr>
+      <p:grpSpPr>
+        <a:xfrm>
+          <a:off x="0" y="0"/>
+          <a:ext cx="0" cy="0"/>
+          <a:chOff x="0" y="0"/>
+          <a:chExt cx="0" cy="0"/>
+        </a:xfrm>
+      </p:grpSpPr>
+      <p:sp>
+        <p:nvSpPr>
+          <p:cNvPr id="2" name="Header Placeholder 1"/>
+          <p:cNvSpPr>
+            <a:spLocks noGrp="1"/>
+          </p:cNvSpPr>
+          <p:nvPr>
+            <p:ph type="hdr" sz="quarter"/>
+          </p:nvPr>
+        </p:nvSpPr>
+        <p:spPr>
+          <a:xfrm>
+            <a:off x="0" y="0"/>
+            <a:ext cx="2971800" cy="457200"/>
+          </a:xfrm>
+          <a:prstGeom prst="rect">
+            <a:avLst/>
+          </a:prstGeom>
+        </p:spPr>
+        <p:txBody>
+          <a:bodyPr vert="horz" lIns="91440" tIns="45720" rIns="91440" bIns="45720" rtlCol="0"/>
+          <a:lstStyle>
+            <a:lvl1pPr algn="l">
+              <a:defRPr sz="1200"/>
+            </a:lvl1pPr>
+          </a:lstStyle>
+          <a:p>
+            <a:endParaRPr lang="en-US"/>
+          </a:p>
+        </p:txBody>
+      </p:sp>
+      <p:sp>
+        <p:nvSpPr>
+          <p:cNvPr id="3" name="Date Placeholder 2"/>
+          <p:cNvSpPr>
+            <a:spLocks noGrp="1"/>
+          </p:cNvSpPr>
+          <p:nvPr>
+            <p:ph type="dt" idx="1"/>
+          </p:nvPr>
+        </p:nvSpPr>
+        <p:spPr>
+          <a:xfrm>
+            <a:off x="3884613" y="0"/>
+            <a:ext cx="2971800" cy="457200"/>
+          </a:xfrm>
+          <a:prstGeom prst="rect">
+            <a:avLst/>
+          </a:prstGeom>
+        </p:spPr>
+        <p:txBody>
+          <a:bodyPr vert="horz" lIns="91440" tIns="45720" rIns="91440" bIns="45720" rtlCol="0"/>
+          <a:lstStyle>
+            <a:lvl1pPr algn="r">
+              <a:defRPr sz="1200"/>
+            </a:lvl1pPr>
+          </a:lstStyle>
+          <a:p>
+            <a:fld id="{75862928-B471-4252-8FDB-190DFBD60404}" type="datetimeFigureOut">
+              <a:rPr lang="en-US" smtClean="0"/>
+              <a:t>4/16/2018</a:t>
+            </a:fld>
+            <a:endParaRPr lang="en-US"/>
+          </a:p>
+        </p:txBody>
+      </p:sp>
+      <p:sp>
+        <p:nvSpPr>
+          <p:cNvPr id="4" name="Slide Image Placeholder 3"/>
+          <p:cNvSpPr>
+            <a:spLocks noGrp="1" noRot="1" noChangeAspect="1"/>
+          </p:cNvSpPr>
+          <p:nvPr>
+            <p:ph type="sldImg" idx="2"/>
+          </p:nvPr>
+        </p:nvSpPr>
+        <p:spPr>
+          <a:xfrm>
+            <a:off x="1143000" y="685800"/>
+            <a:ext cx="4572000" cy="3429000"/>
+          </a:xfrm>
+          <a:prstGeom prst="rect">
+            <a:avLst/>
+          </a:prstGeom>
+          <a:noFill/>
+          <a:ln w="12700">
+            <a:solidFill>
+              <a:prstClr val="black"/>
+            </a:solidFill>
+          </a:ln>
+        </p:spPr>
+        <p:txBody>
+          <a:bodyPr vert="horz" lIns="91440" tIns="45720" rIns="91440" bIns="45720" rtlCol="0" anchor="ctr"/>
+          <a:lstStyle/>
+          <a:p>
+            <a:endParaRPr lang="en-US"/>
+          </a:p>
+        </p:txBody>
+      </p:sp>
+      <p:sp>
+        <p:nvSpPr>
+          <p:cNvPr id="5" name="Notes Placeholder 4"/>
+          <p:cNvSpPr>
+            <a:spLocks noGrp="1"/>
+          </p:cNvSpPr>
+          <p:nvPr>
+            <p:ph type="body" sz="quarter" idx="3"/>
+          </p:nvPr>
+        </p:nvSpPr>
+        <p:spPr>
+          <a:xfrm>
+            <a:off x="685800" y="4343400"/>
+            <a:ext cx="5486400" cy="4114800"/>
+          </a:xfrm>
+          <a:prstGeom prst="rect">
+            <a:avLst/>
+          </a:prstGeom>
+        </p:spPr>
+        <p:txBody>
+          <a:bodyPr vert="horz" lIns="91440" tIns="45720" rIns="91440" bIns="45720" rtlCol="0"/>
+          <a:lstStyle/>
+          <a:p>
+            <a:pPr lvl="0"/>
+            <a:r>
+              <a:rPr lang="en-US" smtClean="0"/>
+              <a:t>Click to edit Master text styles</a:t>
+            </a:r>
+          </a:p>
+          <a:p>
+            <a:pPr lvl="1"/>
+            <a:r>
+              <a:rPr lang="en-US" smtClean="0"/>
+              <a:t>Second level</a:t>
+            </a:r>
+          </a:p>
+          <a:p>
+            <a:pPr lvl="2"/>
+            <a:r>
+              <a:rPr lang="en-US" smtClean="0"/>
+              <a:t>Third level</a:t>
+            </a:r>
+          </a:p>
+          <a:p>
+            <a:pPr lvl="3"/>
+            <a:r>
+              <a:rPr lang="en-US" smtClean="0"/>
+              <a:t>Fourth level</a:t>
+            </a:r>
+          </a:p>
+          <a:p>
+            <a:pPr lvl="4"/>
+            <a:r>
+              <a:rPr lang="en-US" smtClean="0"/>
+              <a:t>Fifth level</a:t>
+            </a:r>
+            <a:endParaRPr lang="en-US"/>
+          </a:p>
+        </p:txBody>
+      </p:sp>
+      <p:sp>
+        <p:nvSpPr>
+          <p:cNvPr id="6" name="Footer Placeholder 5"/>
+          <p:cNvSpPr>
+            <a:spLocks noGrp="1"/>
+          </p:cNvSpPr>
+          <p:nvPr>
+            <p:ph type="ftr" sz="quarter" idx="4"/>
+          </p:nvPr>
+        </p:nvSpPr>
+        <p:spPr>
+          <a:xfrm>
+            <a:off x="0" y="8685213"/>
+            <a:ext cx="2971800" cy="457200"/>
+          </a:xfrm>
+          <a:prstGeom prst="rect">
+            <a:avLst/>
+          </a:prstGeom>
+        </p:spPr>
+        <p:txBody>
+          <a:bodyPr vert="horz" lIns="91440" tIns="45720" rIns="91440" bIns="45720" rtlCol="0" anchor="b"/>
+          <a:lstStyle>
+            <a:lvl1pPr algn="l">
+              <a:defRPr sz="1200"/>
+            </a:lvl1pPr>
+          </a:lstStyle>
+          <a:p>
+            <a:endParaRPr lang="en-US"/>
+          </a:p>
+        </p:txBody>
+      </p:sp>
+      <p:sp>
+        <p:nvSpPr>
+          <p:cNvPr id="7" name="Slide Number Placeholder 6"/>
+          <p:cNvSpPr>
+            <a:spLocks noGrp="1"/>
+          </p:cNvSpPr>
+          <p:nvPr>
+            <p:ph type="sldNum" sz="quarter" idx="5"/>
+          </p:nvPr>
+        </p:nvSpPr>
+        <p:spPr>
+          <a:xfrm>
+            <a:off x="3884613" y="8685213"/>
+            <a:ext cx="2971800" cy="457200"/>
+          </a:xfrm>
+          <a:prstGeom prst="rect">
+            <a:avLst/>
+          </a:prstGeom>
+        </p:spPr>
+        <p:txBody>
+          <a:bodyPr vert="horz" lIns="91440" tIns="45720" rIns="91440" bIns="45720" rtlCol="0" anchor="b"/>
+          <a:lstStyle>
+            <a:lvl1pPr algn="r">
+              <a:defRPr sz="1200"/>
+            </a:lvl1pPr>
+          </a:lstStyle>
+          <a:p>
+            <a:fld id="{48F5F6DF-9BE4-4641-AC70-C633D8EF56D7}" type="slidenum">
+              <a:rPr lang="en-US" smtClean="0"/>
+              <a:t>‹#›</a:t>
+            </a:fld>
+            <a:endParaRPr lang="en-US"/>
+          </a:p>
+        </p:txBody>
+      </p:sp>
+    </p:spTree>
+    <p:extLst>
+      <p:ext uri="{BB962C8B-B14F-4D97-AF65-F5344CB8AC3E}">
+        <p14:creationId xmlns:p14="http://schemas.microsoft.com/office/powerpoint/2010/main" val="3408895960"/>
+      </p:ext>
+    </p:extLst>
+  </p:cSld>
+  <p:clrMap bg1="lt1" tx1="dk1" bg2="lt2" tx2="dk2" accent1="accent1" accent2="accent2" accent3="accent3" accent4="accent4" accent5="accent5" accent6="accent6" hlink="hlink" folHlink="folHlink"/>
+  <p:notesStyle>
+    <a:lvl1pPr marL="0" algn="l" defTabSz="914400" rtl="0" eaLnBrk="1" latinLnBrk="0" hangingPunct="1">
+      <a:defRPr sz="1200" kern="1200">
+        <a:solidFill>
+          <a:schemeClr val="tx1"/>
+        </a:solidFill>
+        <a:latin typeface="+mn-lt"/>
+        <a:ea typeface="+mn-ea"/>
+        <a:cs typeface="+mn-cs"/>
+      </a:defRPr>
+    </a:lvl1pPr>
+    <a:lvl2pPr marL="457200" algn="l" defTabSz="914400" rtl="0" eaLnBrk="1" latinLnBrk="0" hangingPunct="1">
+      <a:defRPr sz="1200" kern="1200">
+        <a:solidFill>
+          <a:schemeClr val="tx1"/>
+        </a:solidFill>
+        <a:latin typeface="+mn-lt"/>
+        <a:ea typeface="+mn-ea"/>
+        <a:cs typeface="+mn-cs"/>
+      </a:defRPr>
+    </a:lvl2pPr>
+    <a:lvl3pPr marL="914400" algn="l" defTabSz="914400" rtl="0" eaLnBrk="1" latinLnBrk="0" hangingPunct="1">
+      <a:defRPr sz="1200" kern="1200">
+        <a:solidFill>
+          <a:schemeClr val="tx1"/>
+        </a:solidFill>
+        <a:latin typeface="+mn-lt"/>
+        <a:ea typeface="+mn-ea"/>
+        <a:cs typeface="+mn-cs"/>
+      </a:defRPr>
+    </a:lvl3pPr>
+    <a:lvl4pPr marL="1371600" algn="l" defTabSz="914400" rtl="0" eaLnBrk="1" latinLnBrk="0" hangingPunct="1">
+      <a:defRPr sz="1200" kern="1200">
+        <a:solidFill>
+          <a:schemeClr val="tx1"/>
+        </a:solidFill>
+        <a:latin typeface="+mn-lt"/>
+        <a:ea typeface="+mn-ea"/>
+        <a:cs typeface="+mn-cs"/>
+      </a:defRPr>
+    </a:lvl4pPr>
+    <a:lvl5pPr marL="1828800" algn="l" defTabSz="914400" rtl="0" eaLnBrk="1" latinLnBrk="0" hangingPunct="1">
+      <a:defRPr sz="1200" kern="1200">
+        <a:solidFill>
+          <a:schemeClr val="tx1"/>
+        </a:solidFill>
+        <a:latin typeface="+mn-lt"/>
+        <a:ea typeface="+mn-ea"/>
+        <a:cs typeface="+mn-cs"/>
+      </a:defRPr>
+    </a:lvl5pPr>
+    <a:lvl6pPr marL="2286000" algn="l" defTabSz="914400" rtl="0" eaLnBrk="1" latinLnBrk="0" hangingPunct="1">
+      <a:defRPr sz="1200" kern="1200">
+        <a:solidFill>
+          <a:schemeClr val="tx1"/>
+        </a:solidFill>
+        <a:latin typeface="+mn-lt"/>
+        <a:ea typeface="+mn-ea"/>
+        <a:cs typeface="+mn-cs"/>
+      </a:defRPr>
+    </a:lvl6pPr>
+    <a:lvl7pPr marL="2743200" algn="l" defTabSz="914400" rtl="0" eaLnBrk="1" latinLnBrk="0" hangingPunct="1">
+      <a:defRPr sz="1200" kern="1200">
+        <a:solidFill>
+          <a:schemeClr val="tx1"/>
+        </a:solidFill>
+        <a:latin typeface="+mn-lt"/>
+        <a:ea typeface="+mn-ea"/>
+        <a:cs typeface="+mn-cs"/>
+      </a:defRPr>
+    </a:lvl7pPr>
+    <a:lvl8pPr marL="3200400" algn="l" defTabSz="914400" rtl="0" eaLnBrk="1" latinLnBrk="0" hangingPunct="1">
+      <a:defRPr sz="1200" kern="1200">
+        <a:solidFill>
+          <a:schemeClr val="tx1"/>
+        </a:solidFill>
+        <a:latin typeface="+mn-lt"/>
+        <a:ea typeface="+mn-ea"/>
+        <a:cs typeface="+mn-cs"/>
+      </a:defRPr>
+    </a:lvl8pPr>
+    <a:lvl9pPr marL="3657600" algn="l" defTabSz="914400" rtl="0" eaLnBrk="1" latinLnBrk="0" hangingPunct="1">
+      <a:defRPr sz="1200" kern="1200">
+        <a:solidFill>
+          <a:schemeClr val="tx1"/>
+        </a:solidFill>
+        <a:latin typeface="+mn-lt"/>
+        <a:ea typeface="+mn-ea"/>
+        <a:cs typeface="+mn-cs"/>
+      </a:defRPr>
+    </a:lvl9pPr>
+  </p:notesStyle>
+</p:notesMaster>
+</file>
+
+<file path=ppt/notesSlides/notesSlide1.xml><?xml version="1.0" encoding="utf-8"?>
+<p:notes xmlns:a="http://schemas.openxmlformats.org/drawingml/2006/main" xmlns:r="http://schemas.openxmlformats.org/officeDocument/2006/relationships" xmlns:p="http://schemas.openxmlformats.org/presentationml/2006/main">
+  <p:cSld>
+    <p:spTree>
+      <p:nvGrpSpPr>
+        <p:cNvPr id="1" name=""/>
+        <p:cNvGrpSpPr/>
+        <p:nvPr/>
+      </p:nvGrpSpPr>
+      <p:grpSpPr>
+        <a:xfrm>
+          <a:off x="0" y="0"/>
+          <a:ext cx="0" cy="0"/>
+          <a:chOff x="0" y="0"/>
+          <a:chExt cx="0" cy="0"/>
+        </a:xfrm>
+      </p:grpSpPr>
+      <p:sp>
+        <p:nvSpPr>
+          <p:cNvPr id="2" name="Slide Image Placeholder 1"/>
+          <p:cNvSpPr>
+            <a:spLocks noGrp="1" noRot="1" noChangeAspect="1"/>
+          </p:cNvSpPr>
+          <p:nvPr>
+            <p:ph type="sldImg"/>
+          </p:nvPr>
+        </p:nvSpPr>
+        <p:spPr/>
+      </p:sp>
+      <p:sp>
+        <p:nvSpPr>
+          <p:cNvPr id="3" name="Notes Placeholder 2"/>
+          <p:cNvSpPr>
+            <a:spLocks noGrp="1"/>
+          </p:cNvSpPr>
+          <p:nvPr>
+            <p:ph type="body" idx="1"/>
+          </p:nvPr>
+        </p:nvSpPr>
+        <p:spPr/>
+        <p:txBody>
+          <a:bodyPr/>
+          <a:lstStyle/>
+          <a:p>
+            <a:pPr marL="171450" indent="-171450">
+              <a:buFontTx/>
+              <a:buChar char="-"/>
+            </a:pPr>
+            <a:r>
+              <a:rPr lang="en-US" baseline="0" dirty="0" smtClean="0"/>
+              <a:t>Project to </a:t>
+            </a:r>
+            <a:r>
+              <a:rPr lang="en-US" sz="1200" kern="1200" dirty="0" smtClean="0">
+                <a:solidFill>
+                  <a:schemeClr val="tx1"/>
+                </a:solidFill>
+                <a:effectLst/>
+                <a:latin typeface="+mn-lt"/>
+                <a:ea typeface="+mn-ea"/>
+                <a:cs typeface="+mn-cs"/>
+              </a:rPr>
+              <a:t>program basic telephony in every language that will run on our Unix system and compare the result</a:t>
+            </a:r>
+          </a:p>
+          <a:p>
+            <a:pPr marL="171450" indent="-171450">
+              <a:buFontTx/>
+              <a:buChar char="-"/>
+            </a:pPr>
+            <a:r>
+              <a:rPr lang="en-US" sz="1200" kern="1200" dirty="0" smtClean="0">
+                <a:solidFill>
+                  <a:schemeClr val="tx1"/>
+                </a:solidFill>
+                <a:effectLst/>
+                <a:latin typeface="+mn-lt"/>
+                <a:ea typeface="+mn-ea"/>
+                <a:cs typeface="+mn-cs"/>
+              </a:rPr>
+              <a:t>Conclusion:</a:t>
+            </a:r>
+          </a:p>
+          <a:p>
+            <a:pPr marL="628650" lvl="1" indent="-171450">
+              <a:buFontTx/>
+              <a:buChar char="-"/>
+            </a:pPr>
+            <a:r>
+              <a:rPr lang="en-US" sz="1200" kern="1200" dirty="0" smtClean="0">
+                <a:solidFill>
+                  <a:schemeClr val="tx1"/>
+                </a:solidFill>
+                <a:effectLst/>
+                <a:latin typeface="+mn-lt"/>
+                <a:ea typeface="+mn-ea"/>
+                <a:cs typeface="+mn-cs"/>
+              </a:rPr>
+              <a:t>Small languages desirable</a:t>
+            </a:r>
+          </a:p>
+          <a:p>
+            <a:pPr marL="628650" lvl="1" indent="-171450">
+              <a:buFontTx/>
+              <a:buChar char="-"/>
+            </a:pPr>
+            <a:r>
+              <a:rPr lang="en-US" sz="1200" kern="1200" dirty="0" smtClean="0">
+                <a:solidFill>
+                  <a:schemeClr val="tx1"/>
+                </a:solidFill>
+                <a:effectLst/>
+                <a:latin typeface="+mn-lt"/>
+                <a:ea typeface="+mn-ea"/>
+                <a:cs typeface="+mn-cs"/>
+              </a:rPr>
+              <a:t>Functional programming</a:t>
+            </a:r>
+            <a:r>
+              <a:rPr lang="en-US" sz="1200" kern="1200" baseline="0" dirty="0" smtClean="0">
+                <a:solidFill>
+                  <a:schemeClr val="tx1"/>
+                </a:solidFill>
+                <a:effectLst/>
+                <a:latin typeface="+mn-lt"/>
+                <a:ea typeface="+mn-ea"/>
+                <a:cs typeface="+mn-cs"/>
+              </a:rPr>
+              <a:t> liked but “t</a:t>
+            </a:r>
+            <a:r>
+              <a:rPr lang="en-US" sz="1200" kern="1200" dirty="0" smtClean="0">
+                <a:solidFill>
+                  <a:schemeClr val="tx1"/>
+                </a:solidFill>
+                <a:effectLst/>
+                <a:latin typeface="+mn-lt"/>
+                <a:ea typeface="+mn-ea"/>
+                <a:cs typeface="+mn-cs"/>
+              </a:rPr>
+              <a:t>he absence of variables which are updated means that the exchange database has to be passed around as function arguments which is a bit awkward”</a:t>
+            </a:r>
+          </a:p>
+          <a:p>
+            <a:pPr marL="628650" lvl="1" indent="-171450">
+              <a:buFontTx/>
+              <a:buChar char="-"/>
+            </a:pPr>
+            <a:r>
+              <a:rPr lang="en-US" dirty="0" smtClean="0"/>
+              <a:t>Logic programming was best in terms of elegance</a:t>
+            </a:r>
+          </a:p>
+          <a:p>
+            <a:pPr marL="628650" lvl="1" indent="-171450">
+              <a:buFontTx/>
+              <a:buChar char="-"/>
+            </a:pPr>
+            <a:r>
+              <a:rPr lang="en-US" sz="1200" kern="1200" dirty="0" smtClean="0">
+                <a:solidFill>
+                  <a:schemeClr val="tx1"/>
+                </a:solidFill>
+                <a:effectLst/>
+                <a:latin typeface="+mn-lt"/>
+                <a:ea typeface="+mn-ea"/>
+                <a:cs typeface="+mn-cs"/>
+              </a:rPr>
+              <a:t>Concurrency was</a:t>
+            </a:r>
+            <a:r>
+              <a:rPr lang="en-US" sz="1200" kern="1200" baseline="0" dirty="0" smtClean="0">
+                <a:solidFill>
+                  <a:schemeClr val="tx1"/>
+                </a:solidFill>
+                <a:effectLst/>
+                <a:latin typeface="+mn-lt"/>
+                <a:ea typeface="+mn-ea"/>
+                <a:cs typeface="+mn-cs"/>
+              </a:rPr>
+              <a:t> essential to problem set</a:t>
+            </a:r>
+          </a:p>
+          <a:p>
+            <a:pPr marL="457200" lvl="1" indent="0">
+              <a:buFontTx/>
+              <a:buNone/>
+            </a:pPr>
+            <a:endParaRPr lang="en-US" sz="1200" kern="1200" baseline="0" dirty="0" smtClean="0">
+              <a:solidFill>
+                <a:schemeClr val="tx1"/>
+              </a:solidFill>
+              <a:effectLst/>
+              <a:latin typeface="+mn-lt"/>
+              <a:ea typeface="+mn-ea"/>
+              <a:cs typeface="+mn-cs"/>
+            </a:endParaRPr>
+          </a:p>
+          <a:p>
+            <a:r>
+              <a:rPr lang="en-US" smtClean="0"/>
+              <a:t>- </a:t>
+            </a:r>
+            <a:endParaRPr lang="en-US" dirty="0"/>
+          </a:p>
+        </p:txBody>
+      </p:sp>
+      <p:sp>
+        <p:nvSpPr>
+          <p:cNvPr id="4" name="Slide Number Placeholder 3"/>
+          <p:cNvSpPr>
+            <a:spLocks noGrp="1"/>
+          </p:cNvSpPr>
+          <p:nvPr>
+            <p:ph type="sldNum" sz="quarter" idx="10"/>
+          </p:nvPr>
+        </p:nvSpPr>
+        <p:spPr/>
+        <p:txBody>
+          <a:bodyPr/>
+          <a:lstStyle/>
+          <a:p>
+            <a:fld id="{48F5F6DF-9BE4-4641-AC70-C633D8EF56D7}" type="slidenum">
+              <a:rPr lang="en-US" smtClean="0"/>
+              <a:t>5</a:t>
+            </a:fld>
+            <a:endParaRPr lang="en-US"/>
+          </a:p>
+        </p:txBody>
+      </p:sp>
+    </p:spTree>
+    <p:extLst>
+      <p:ext uri="{BB962C8B-B14F-4D97-AF65-F5344CB8AC3E}">
+        <p14:creationId xmlns:p14="http://schemas.microsoft.com/office/powerpoint/2010/main" val="3050551614"/>
+      </p:ext>
+    </p:extLst>
+  </p:cSld>
+  <p:clrMapOvr>
+    <a:masterClrMapping/>
+  </p:clrMapOvr>
+</p:notes>
+</file>
+
+<file path=ppt/notesSlides/notesSlide2.xml><?xml version="1.0" encoding="utf-8"?>
+<p:notes xmlns:a="http://schemas.openxmlformats.org/drawingml/2006/main" xmlns:r="http://schemas.openxmlformats.org/officeDocument/2006/relationships" xmlns:p="http://schemas.openxmlformats.org/presentationml/2006/main">
+  <p:cSld>
+    <p:spTree>
+      <p:nvGrpSpPr>
+        <p:cNvPr id="1" name=""/>
+        <p:cNvGrpSpPr/>
+        <p:nvPr/>
+      </p:nvGrpSpPr>
+      <p:grpSpPr>
+        <a:xfrm>
+          <a:off x="0" y="0"/>
+          <a:ext cx="0" cy="0"/>
+          <a:chOff x="0" y="0"/>
+          <a:chExt cx="0" cy="0"/>
+        </a:xfrm>
+      </p:grpSpPr>
+      <p:sp>
+        <p:nvSpPr>
+          <p:cNvPr id="2" name="Slide Image Placeholder 1"/>
+          <p:cNvSpPr>
+            <a:spLocks noGrp="1" noRot="1" noChangeAspect="1"/>
+          </p:cNvSpPr>
+          <p:nvPr>
+            <p:ph type="sldImg"/>
+          </p:nvPr>
+        </p:nvSpPr>
+        <p:spPr/>
+      </p:sp>
+      <p:sp>
+        <p:nvSpPr>
+          <p:cNvPr id="3" name="Notes Placeholder 2"/>
+          <p:cNvSpPr>
+            <a:spLocks noGrp="1"/>
+          </p:cNvSpPr>
+          <p:nvPr>
+            <p:ph type="body" idx="1"/>
+          </p:nvPr>
+        </p:nvSpPr>
+        <p:spPr/>
+        <p:txBody>
+          <a:bodyPr/>
+          <a:lstStyle/>
+          <a:p>
+            <a:pPr marL="171450" indent="-171450">
+              <a:buFontTx/>
+              <a:buChar char="-"/>
+            </a:pPr>
+            <a:r>
+              <a:rPr lang="en-US" dirty="0" smtClean="0"/>
+              <a:t>In-order</a:t>
+            </a:r>
+            <a:r>
+              <a:rPr lang="en-US" baseline="0" dirty="0" smtClean="0"/>
+              <a:t> message handling added too much complexity</a:t>
+            </a:r>
+          </a:p>
+          <a:p>
+            <a:pPr marL="171450" indent="-171450">
+              <a:buFontTx/>
+              <a:buChar char="-"/>
+            </a:pPr>
+            <a:r>
+              <a:rPr lang="en-US" baseline="0" dirty="0" smtClean="0"/>
+              <a:t>Fault-tolerant systems need at least two computers; involves more than merely protecting from program exceptions</a:t>
+            </a:r>
+          </a:p>
+          <a:p>
+            <a:pPr marL="171450" indent="-171450">
+              <a:buFontTx/>
+              <a:buChar char="-"/>
+            </a:pPr>
+            <a:r>
+              <a:rPr lang="en-US" baseline="0" dirty="0" smtClean="0"/>
+              <a:t>All detail in message passing extracted to “process”</a:t>
+            </a:r>
+          </a:p>
+          <a:p>
+            <a:pPr marL="171450" indent="-171450">
+              <a:buFontTx/>
+              <a:buChar char="-"/>
+            </a:pPr>
+            <a:r>
+              <a:rPr lang="en-US" baseline="0" dirty="0" smtClean="0"/>
+              <a:t>Message model does not depend on knowing if sending process is really another machine or just another software process; uniform handling</a:t>
+            </a:r>
+          </a:p>
+          <a:p>
+            <a:pPr marL="171450" indent="-171450">
+              <a:buFontTx/>
+              <a:buChar char="-"/>
+            </a:pPr>
+            <a:r>
+              <a:rPr lang="en-US" baseline="0" dirty="0" smtClean="0"/>
+              <a:t>Linking idea based on mechanical telecomm switches. If an input goes to ground, all resources released</a:t>
+            </a:r>
+          </a:p>
+          <a:p>
+            <a:pPr marL="171450" indent="-171450">
+              <a:buFontTx/>
+              <a:buChar char="-"/>
+            </a:pPr>
+            <a:r>
+              <a:rPr lang="en-US" baseline="0" dirty="0" smtClean="0"/>
+              <a:t>Mounting dependencies made using pipes for message passing too complicated</a:t>
+            </a:r>
+          </a:p>
+          <a:p>
+            <a:pPr marL="171450" indent="-171450">
+              <a:buFontTx/>
+              <a:buChar char="-"/>
+            </a:pPr>
+            <a:endParaRPr lang="en-US" baseline="0" dirty="0" smtClean="0"/>
+          </a:p>
+          <a:p>
+            <a:pPr marL="171450" indent="-171450">
+              <a:buFontTx/>
+              <a:buChar char="-"/>
+            </a:pPr>
+            <a:endParaRPr lang="en-US" baseline="0" dirty="0" smtClean="0"/>
+          </a:p>
+          <a:p>
+            <a:pPr marL="171450" indent="-171450">
+              <a:buFontTx/>
+              <a:buChar char="-"/>
+            </a:pPr>
+            <a:endParaRPr lang="en-US" dirty="0"/>
+          </a:p>
+        </p:txBody>
+      </p:sp>
+      <p:sp>
+        <p:nvSpPr>
+          <p:cNvPr id="4" name="Slide Number Placeholder 3"/>
+          <p:cNvSpPr>
+            <a:spLocks noGrp="1"/>
+          </p:cNvSpPr>
+          <p:nvPr>
+            <p:ph type="sldNum" sz="quarter" idx="10"/>
+          </p:nvPr>
+        </p:nvSpPr>
+        <p:spPr/>
+        <p:txBody>
+          <a:bodyPr/>
+          <a:lstStyle/>
+          <a:p>
+            <a:fld id="{48F5F6DF-9BE4-4641-AC70-C633D8EF56D7}" type="slidenum">
+              <a:rPr lang="en-US" smtClean="0"/>
+              <a:t>6</a:t>
+            </a:fld>
+            <a:endParaRPr lang="en-US"/>
+          </a:p>
+        </p:txBody>
+      </p:sp>
+    </p:spTree>
+    <p:extLst>
+      <p:ext uri="{BB962C8B-B14F-4D97-AF65-F5344CB8AC3E}">
+        <p14:creationId xmlns:p14="http://schemas.microsoft.com/office/powerpoint/2010/main" val="3050551614"/>
+      </p:ext>
+    </p:extLst>
+  </p:cSld>
+  <p:clrMapOvr>
+    <a:masterClrMapping/>
+  </p:clrMapOvr>
+</p:notes>
+</file>
+
+<file path=ppt/notesSlides/notesSlide3.xml><?xml version="1.0" encoding="utf-8"?>
+<p:notes xmlns:a="http://schemas.openxmlformats.org/drawingml/2006/main" xmlns:r="http://schemas.openxmlformats.org/officeDocument/2006/relationships" xmlns:p="http://schemas.openxmlformats.org/presentationml/2006/main">
+  <p:cSld>
+    <p:spTree>
+      <p:nvGrpSpPr>
+        <p:cNvPr id="1" name=""/>
+        <p:cNvGrpSpPr/>
+        <p:nvPr/>
+      </p:nvGrpSpPr>
+      <p:grpSpPr>
+        <a:xfrm>
+          <a:off x="0" y="0"/>
+          <a:ext cx="0" cy="0"/>
+          <a:chOff x="0" y="0"/>
+          <a:chExt cx="0" cy="0"/>
+        </a:xfrm>
+      </p:grpSpPr>
+      <p:sp>
+        <p:nvSpPr>
+          <p:cNvPr id="2" name="Slide Image Placeholder 1"/>
+          <p:cNvSpPr>
+            <a:spLocks noGrp="1" noRot="1" noChangeAspect="1"/>
+          </p:cNvSpPr>
+          <p:nvPr>
+            <p:ph type="sldImg"/>
+          </p:nvPr>
+        </p:nvSpPr>
+        <p:spPr/>
+      </p:sp>
+      <p:sp>
+        <p:nvSpPr>
+          <p:cNvPr id="3" name="Notes Placeholder 2"/>
+          <p:cNvSpPr>
+            <a:spLocks noGrp="1"/>
+          </p:cNvSpPr>
+          <p:nvPr>
+            <p:ph type="body" idx="1"/>
+          </p:nvPr>
+        </p:nvSpPr>
+        <p:spPr/>
+        <p:txBody>
+          <a:bodyPr/>
+          <a:lstStyle/>
+          <a:p>
+            <a:pPr marL="0" indent="0">
+              <a:buFontTx/>
+              <a:buNone/>
+            </a:pPr>
+            <a:endParaRPr lang="en-US" dirty="0"/>
+          </a:p>
+        </p:txBody>
+      </p:sp>
+      <p:sp>
+        <p:nvSpPr>
+          <p:cNvPr id="4" name="Slide Number Placeholder 3"/>
+          <p:cNvSpPr>
+            <a:spLocks noGrp="1"/>
+          </p:cNvSpPr>
+          <p:nvPr>
+            <p:ph type="sldNum" sz="quarter" idx="10"/>
+          </p:nvPr>
+        </p:nvSpPr>
+        <p:spPr/>
+        <p:txBody>
+          <a:bodyPr/>
+          <a:lstStyle/>
+          <a:p>
+            <a:fld id="{48F5F6DF-9BE4-4641-AC70-C633D8EF56D7}" type="slidenum">
+              <a:rPr lang="en-US" smtClean="0"/>
+              <a:t>7</a:t>
+            </a:fld>
+            <a:endParaRPr lang="en-US"/>
+          </a:p>
+        </p:txBody>
+      </p:sp>
+    </p:spTree>
+    <p:extLst>
+      <p:ext uri="{BB962C8B-B14F-4D97-AF65-F5344CB8AC3E}">
+        <p14:creationId xmlns:p14="http://schemas.microsoft.com/office/powerpoint/2010/main" val="3050551614"/>
+      </p:ext>
+    </p:extLst>
+  </p:cSld>
+  <p:clrMapOvr>
+    <a:masterClrMapping/>
+  </p:clrMapOvr>
+</p:notes>
+</file>
+
+<file path=ppt/notesSlides/notesSlide4.xml><?xml version="1.0" encoding="utf-8"?>
+<p:notes xmlns:a="http://schemas.openxmlformats.org/drawingml/2006/main" xmlns:r="http://schemas.openxmlformats.org/officeDocument/2006/relationships" xmlns:p="http://schemas.openxmlformats.org/presentationml/2006/main">
+  <p:cSld>
+    <p:spTree>
+      <p:nvGrpSpPr>
+        <p:cNvPr id="1" name=""/>
+        <p:cNvGrpSpPr/>
+        <p:nvPr/>
+      </p:nvGrpSpPr>
+      <p:grpSpPr>
+        <a:xfrm>
+          <a:off x="0" y="0"/>
+          <a:ext cx="0" cy="0"/>
+          <a:chOff x="0" y="0"/>
+          <a:chExt cx="0" cy="0"/>
+        </a:xfrm>
+      </p:grpSpPr>
+      <p:sp>
+        <p:nvSpPr>
+          <p:cNvPr id="2" name="Slide Image Placeholder 1"/>
+          <p:cNvSpPr>
+            <a:spLocks noGrp="1" noRot="1" noChangeAspect="1"/>
+          </p:cNvSpPr>
+          <p:nvPr>
+            <p:ph type="sldImg"/>
+          </p:nvPr>
+        </p:nvSpPr>
+        <p:spPr/>
+      </p:sp>
+      <p:sp>
+        <p:nvSpPr>
+          <p:cNvPr id="3" name="Notes Placeholder 2"/>
+          <p:cNvSpPr>
+            <a:spLocks noGrp="1"/>
+          </p:cNvSpPr>
+          <p:nvPr>
+            <p:ph type="body" idx="1"/>
+          </p:nvPr>
+        </p:nvSpPr>
+        <p:spPr/>
+        <p:txBody>
+          <a:bodyPr/>
+          <a:lstStyle/>
+          <a:p>
+            <a:pPr marL="171450" indent="-171450">
+              <a:buFontTx/>
+              <a:buChar char="-"/>
+            </a:pPr>
+            <a:r>
+              <a:rPr lang="en-US" dirty="0" smtClean="0"/>
+              <a:t>JAM work began with study of abstract machines for implementing parallel logic machines</a:t>
+            </a:r>
+          </a:p>
+          <a:p>
+            <a:pPr marL="171450" indent="-171450">
+              <a:buFontTx/>
+              <a:buChar char="-"/>
+            </a:pPr>
+            <a:r>
+              <a:rPr lang="en-US" dirty="0" smtClean="0"/>
+              <a:t>Early</a:t>
+            </a:r>
+            <a:r>
+              <a:rPr lang="en-US" baseline="0" dirty="0" smtClean="0"/>
+              <a:t> implementation of Erlang were implemented in Prolog. </a:t>
+            </a:r>
+          </a:p>
+          <a:p>
+            <a:pPr marL="171450" indent="-171450">
+              <a:buFontTx/>
+              <a:buChar char="-"/>
+            </a:pPr>
+            <a:r>
+              <a:rPr lang="en-US" baseline="0" dirty="0" smtClean="0"/>
+              <a:t>JAM was first written in Erlang and run through Erlang Prolog emulator.</a:t>
+            </a:r>
+          </a:p>
+          <a:p>
+            <a:pPr marL="171450" indent="-171450">
+              <a:buFontTx/>
+              <a:buChar char="-"/>
+            </a:pPr>
+            <a:r>
+              <a:rPr lang="en-US" baseline="0" dirty="0" smtClean="0"/>
+              <a:t>Final JAM emulator written in C</a:t>
+            </a:r>
+          </a:p>
+          <a:p>
+            <a:pPr marL="171450" indent="-171450">
+              <a:buFontTx/>
+              <a:buChar char="-"/>
+            </a:pPr>
+            <a:r>
+              <a:rPr lang="en-US" baseline="0" dirty="0" smtClean="0"/>
+              <a:t>Garbage collection concerns:</a:t>
+            </a:r>
+          </a:p>
+          <a:p>
+            <a:pPr marL="628650" lvl="1" indent="-171450">
+              <a:buFontTx/>
+              <a:buChar char="-"/>
+            </a:pPr>
+            <a:r>
+              <a:rPr lang="en-US" dirty="0" smtClean="0"/>
+              <a:t>What</a:t>
+            </a:r>
+            <a:r>
+              <a:rPr lang="en-US" baseline="0" dirty="0" smtClean="0"/>
+              <a:t> if programmers structure programs as one big process</a:t>
+            </a:r>
+          </a:p>
+          <a:p>
+            <a:pPr marL="628650" lvl="1" indent="-171450">
+              <a:buFontTx/>
+              <a:buChar char="-"/>
+            </a:pPr>
+            <a:r>
+              <a:rPr lang="en-US" baseline="0" dirty="0" smtClean="0"/>
+              <a:t>What if large number of processes decide to GC at same time</a:t>
+            </a:r>
+          </a:p>
+          <a:p>
+            <a:pPr marL="171450" indent="-171450">
+              <a:buFontTx/>
+              <a:buChar char="-"/>
+            </a:pPr>
+            <a:r>
+              <a:rPr lang="en-US" baseline="0" dirty="0" smtClean="0"/>
+              <a:t>In practice, not a problem</a:t>
+            </a:r>
+          </a:p>
+        </p:txBody>
+      </p:sp>
+      <p:sp>
+        <p:nvSpPr>
+          <p:cNvPr id="4" name="Slide Number Placeholder 3"/>
+          <p:cNvSpPr>
+            <a:spLocks noGrp="1"/>
+          </p:cNvSpPr>
+          <p:nvPr>
+            <p:ph type="sldNum" sz="quarter" idx="10"/>
+          </p:nvPr>
+        </p:nvSpPr>
+        <p:spPr/>
+        <p:txBody>
+          <a:bodyPr/>
+          <a:lstStyle/>
+          <a:p>
+            <a:fld id="{48F5F6DF-9BE4-4641-AC70-C633D8EF56D7}" type="slidenum">
+              <a:rPr lang="en-US" smtClean="0"/>
+              <a:t>8</a:t>
+            </a:fld>
+            <a:endParaRPr lang="en-US"/>
+          </a:p>
+        </p:txBody>
+      </p:sp>
+    </p:spTree>
+    <p:extLst>
+      <p:ext uri="{BB962C8B-B14F-4D97-AF65-F5344CB8AC3E}">
+        <p14:creationId xmlns:p14="http://schemas.microsoft.com/office/powerpoint/2010/main" val="3050551614"/>
+      </p:ext>
+    </p:extLst>
+  </p:cSld>
+  <p:clrMapOvr>
+    <a:masterClrMapping/>
+  </p:clrMapOvr>
+</p:notes>
+</file>
+
+<file path=ppt/notesSlides/notesSlide5.xml><?xml version="1.0" encoding="utf-8"?>
+<p:notes xmlns:a="http://schemas.openxmlformats.org/drawingml/2006/main" xmlns:r="http://schemas.openxmlformats.org/officeDocument/2006/relationships" xmlns:p="http://schemas.openxmlformats.org/presentationml/2006/main">
+  <p:cSld>
+    <p:spTree>
+      <p:nvGrpSpPr>
+        <p:cNvPr id="1" name=""/>
+        <p:cNvGrpSpPr/>
+        <p:nvPr/>
+      </p:nvGrpSpPr>
+      <p:grpSpPr>
+        <a:xfrm>
+          <a:off x="0" y="0"/>
+          <a:ext cx="0" cy="0"/>
+          <a:chOff x="0" y="0"/>
+          <a:chExt cx="0" cy="0"/>
+        </a:xfrm>
+      </p:grpSpPr>
+      <p:sp>
+        <p:nvSpPr>
+          <p:cNvPr id="2" name="Slide Image Placeholder 1"/>
+          <p:cNvSpPr>
+            <a:spLocks noGrp="1" noRot="1" noChangeAspect="1"/>
+          </p:cNvSpPr>
+          <p:nvPr>
+            <p:ph type="sldImg"/>
+          </p:nvPr>
+        </p:nvSpPr>
+        <p:spPr/>
+      </p:sp>
+      <p:sp>
+        <p:nvSpPr>
+          <p:cNvPr id="3" name="Notes Placeholder 2"/>
+          <p:cNvSpPr>
+            <a:spLocks noGrp="1"/>
+          </p:cNvSpPr>
+          <p:nvPr>
+            <p:ph type="body" idx="1"/>
+          </p:nvPr>
+        </p:nvSpPr>
+        <p:spPr/>
+        <p:txBody>
+          <a:bodyPr/>
+          <a:lstStyle/>
+          <a:p>
+            <a:pPr marL="171450" indent="-171450">
+              <a:buFontTx/>
+              <a:buChar char="-"/>
+            </a:pPr>
+            <a:r>
+              <a:rPr lang="en-US" baseline="0" dirty="0" smtClean="0"/>
+              <a:t>Ericsson decided to commercialize Erlang</a:t>
+            </a:r>
+          </a:p>
+          <a:p>
+            <a:pPr marL="171450" indent="-171450">
+              <a:buFontTx/>
+              <a:buChar char="-"/>
+            </a:pPr>
+            <a:r>
+              <a:rPr lang="en-US" baseline="0" dirty="0" smtClean="0"/>
+              <a:t>BEAM instructions </a:t>
+            </a:r>
+          </a:p>
+          <a:p>
+            <a:pPr marL="628650" lvl="1" indent="-171450">
+              <a:buFontTx/>
+              <a:buChar char="-"/>
+            </a:pPr>
+            <a:r>
+              <a:rPr lang="en-US" baseline="0" dirty="0" smtClean="0"/>
+              <a:t>macro-expanded to C then compiled </a:t>
+            </a:r>
+          </a:p>
+          <a:p>
+            <a:pPr marL="1085850" lvl="2" indent="-171450">
+              <a:buFontTx/>
+              <a:buChar char="-"/>
+            </a:pPr>
+            <a:r>
+              <a:rPr lang="en-US" baseline="0" dirty="0" smtClean="0"/>
+              <a:t>large code size</a:t>
+            </a:r>
+          </a:p>
+          <a:p>
+            <a:pPr marL="1085850" lvl="2" indent="-171450">
+              <a:buFontTx/>
+              <a:buChar char="-"/>
+            </a:pPr>
+            <a:r>
+              <a:rPr lang="en-US" baseline="0" smtClean="0"/>
+              <a:t>~10x </a:t>
+            </a:r>
+            <a:r>
+              <a:rPr lang="en-US" baseline="0" dirty="0" smtClean="0"/>
+              <a:t>faster than JAM interpreted programs</a:t>
+            </a:r>
+          </a:p>
+          <a:p>
+            <a:pPr marL="628650" marR="0" lvl="2" indent="-171450" algn="l" defTabSz="914400" rtl="0" eaLnBrk="1" fontAlgn="auto" latinLnBrk="0" hangingPunct="1">
+              <a:lnSpc>
+                <a:spcPct val="100000"/>
+              </a:lnSpc>
+              <a:spcBef>
+                <a:spcPts val="0"/>
+              </a:spcBef>
+              <a:spcAft>
+                <a:spcPts val="0"/>
+              </a:spcAft>
+              <a:buClrTx/>
+              <a:buSzTx/>
+              <a:buFontTx/>
+              <a:buChar char="-"/>
+              <a:tabLst/>
+              <a:defRPr/>
+            </a:pPr>
+            <a:r>
+              <a:rPr lang="en-US" baseline="0" dirty="0" smtClean="0"/>
+              <a:t>transformed to instructions for 32-bit threaded interpreter</a:t>
+            </a:r>
+          </a:p>
+          <a:p>
+            <a:pPr marL="1085850" marR="0" lvl="3" indent="-171450" algn="l" defTabSz="914400" rtl="0" eaLnBrk="1" fontAlgn="auto" latinLnBrk="0" hangingPunct="1">
+              <a:lnSpc>
+                <a:spcPct val="100000"/>
+              </a:lnSpc>
+              <a:spcBef>
+                <a:spcPts val="0"/>
+              </a:spcBef>
+              <a:spcAft>
+                <a:spcPts val="0"/>
+              </a:spcAft>
+              <a:buClrTx/>
+              <a:buSzTx/>
+              <a:buFontTx/>
+              <a:buChar char="-"/>
+              <a:tabLst/>
+              <a:defRPr/>
+            </a:pPr>
+            <a:r>
+              <a:rPr lang="en-US" baseline="0" dirty="0" smtClean="0"/>
+              <a:t>Smaller code size</a:t>
+            </a:r>
+          </a:p>
+          <a:p>
+            <a:pPr marL="1085850" marR="0" lvl="3" indent="-171450" algn="l" defTabSz="914400" rtl="0" eaLnBrk="1" fontAlgn="auto" latinLnBrk="0" hangingPunct="1">
+              <a:lnSpc>
+                <a:spcPct val="100000"/>
+              </a:lnSpc>
+              <a:spcBef>
+                <a:spcPts val="0"/>
+              </a:spcBef>
+              <a:spcAft>
+                <a:spcPts val="0"/>
+              </a:spcAft>
+              <a:buClrTx/>
+              <a:buSzTx/>
+              <a:buFontTx/>
+              <a:buChar char="-"/>
+              <a:tabLst/>
+              <a:defRPr/>
+            </a:pPr>
+            <a:r>
+              <a:rPr lang="en-US" baseline="0" dirty="0" smtClean="0"/>
+              <a:t>~3x faster than JAM interpreted programs</a:t>
+            </a:r>
+          </a:p>
+          <a:p>
+            <a:pPr marL="171450" marR="0" lvl="1" indent="-171450" algn="l" defTabSz="914400" rtl="0" eaLnBrk="1" fontAlgn="auto" latinLnBrk="0" hangingPunct="1">
+              <a:lnSpc>
+                <a:spcPct val="100000"/>
+              </a:lnSpc>
+              <a:spcBef>
+                <a:spcPts val="0"/>
+              </a:spcBef>
+              <a:spcAft>
+                <a:spcPts val="0"/>
+              </a:spcAft>
+              <a:buClrTx/>
+              <a:buSzTx/>
+              <a:buFontTx/>
+              <a:buChar char="-"/>
+              <a:tabLst/>
+              <a:defRPr/>
+            </a:pPr>
+            <a:r>
+              <a:rPr lang="en-US" baseline="0" dirty="0" err="1" smtClean="0"/>
+              <a:t>asdf</a:t>
+            </a:r>
+            <a:endParaRPr lang="en-US" baseline="0" dirty="0" smtClean="0"/>
+          </a:p>
+          <a:p>
+            <a:pPr marL="171450" indent="-171450">
+              <a:buFontTx/>
+              <a:buChar char="-"/>
+            </a:pPr>
+            <a:endParaRPr lang="en-US" baseline="0" dirty="0" smtClean="0"/>
+          </a:p>
+          <a:p>
+            <a:pPr marL="171450" indent="-171450">
+              <a:buFontTx/>
+              <a:buChar char="-"/>
+            </a:pPr>
+            <a:endParaRPr lang="en-US" baseline="0" dirty="0" smtClean="0"/>
+          </a:p>
+        </p:txBody>
+      </p:sp>
+      <p:sp>
+        <p:nvSpPr>
+          <p:cNvPr id="4" name="Slide Number Placeholder 3"/>
+          <p:cNvSpPr>
+            <a:spLocks noGrp="1"/>
+          </p:cNvSpPr>
+          <p:nvPr>
+            <p:ph type="sldNum" sz="quarter" idx="10"/>
+          </p:nvPr>
+        </p:nvSpPr>
+        <p:spPr/>
+        <p:txBody>
+          <a:bodyPr/>
+          <a:lstStyle/>
+          <a:p>
+            <a:fld id="{48F5F6DF-9BE4-4641-AC70-C633D8EF56D7}" type="slidenum">
+              <a:rPr lang="en-US" smtClean="0"/>
+              <a:t>9</a:t>
+            </a:fld>
+            <a:endParaRPr lang="en-US"/>
+          </a:p>
+        </p:txBody>
+      </p:sp>
+    </p:spTree>
+    <p:extLst>
+      <p:ext uri="{BB962C8B-B14F-4D97-AF65-F5344CB8AC3E}">
+        <p14:creationId xmlns:p14="http://schemas.microsoft.com/office/powerpoint/2010/main" val="3050551614"/>
+      </p:ext>
+    </p:extLst>
+  </p:cSld>
+  <p:clrMapOvr>
+    <a:masterClrMapping/>
+  </p:clrMapOvr>
+</p:notes>
+</file>
+
 <file path=ppt/slideLayouts/slideLayout1.xml><?xml version="1.0" encoding="utf-8"?>
 <p:sldLayout xmlns:a="http://schemas.openxmlformats.org/drawingml/2006/main" xmlns:r="http://schemas.openxmlformats.org/officeDocument/2006/relationships" xmlns:p="http://schemas.openxmlformats.org/presentationml/2006/main" type="title" preserve="1">
   <p:cSld name="Title Slide">
@@ -289,7 +1557,7 @@
           <a:p>
             <a:fld id="{03F65E02-F4FE-41A5-B9C5-4E8AE5AF45AA}" type="datetimeFigureOut">
               <a:rPr lang="en-US" smtClean="0"/>
-              <a:t>4/14/2018</a:t>
+              <a:t>4/16/2018</a:t>
             </a:fld>
             <a:endParaRPr lang="en-US"/>
           </a:p>
@@ -459,7 +1727,7 @@
           <a:p>
             <a:fld id="{03F65E02-F4FE-41A5-B9C5-4E8AE5AF45AA}" type="datetimeFigureOut">
               <a:rPr lang="en-US" smtClean="0"/>
-              <a:t>4/14/2018</a:t>
+              <a:t>4/16/2018</a:t>
             </a:fld>
             <a:endParaRPr lang="en-US"/>
           </a:p>
@@ -639,7 +1907,7 @@
           <a:p>
             <a:fld id="{03F65E02-F4FE-41A5-B9C5-4E8AE5AF45AA}" type="datetimeFigureOut">
               <a:rPr lang="en-US" smtClean="0"/>
-              <a:t>4/14/2018</a:t>
+              <a:t>4/16/2018</a:t>
             </a:fld>
             <a:endParaRPr lang="en-US"/>
           </a:p>
@@ -809,7 +2077,7 @@
           <a:p>
             <a:fld id="{03F65E02-F4FE-41A5-B9C5-4E8AE5AF45AA}" type="datetimeFigureOut">
               <a:rPr lang="en-US" smtClean="0"/>
-              <a:t>4/14/2018</a:t>
+              <a:t>4/16/2018</a:t>
             </a:fld>
             <a:endParaRPr lang="en-US"/>
           </a:p>
@@ -1055,7 +2323,7 @@
           <a:p>
             <a:fld id="{03F65E02-F4FE-41A5-B9C5-4E8AE5AF45AA}" type="datetimeFigureOut">
               <a:rPr lang="en-US" smtClean="0"/>
-              <a:t>4/14/2018</a:t>
+              <a:t>4/16/2018</a:t>
             </a:fld>
             <a:endParaRPr lang="en-US"/>
           </a:p>
@@ -1343,7 +2611,7 @@
           <a:p>
             <a:fld id="{03F65E02-F4FE-41A5-B9C5-4E8AE5AF45AA}" type="datetimeFigureOut">
               <a:rPr lang="en-US" smtClean="0"/>
-              <a:t>4/14/2018</a:t>
+              <a:t>4/16/2018</a:t>
             </a:fld>
             <a:endParaRPr lang="en-US"/>
           </a:p>
@@ -1765,7 +3033,7 @@
           <a:p>
             <a:fld id="{03F65E02-F4FE-41A5-B9C5-4E8AE5AF45AA}" type="datetimeFigureOut">
               <a:rPr lang="en-US" smtClean="0"/>
-              <a:t>4/14/2018</a:t>
+              <a:t>4/16/2018</a:t>
             </a:fld>
             <a:endParaRPr lang="en-US"/>
           </a:p>
@@ -1883,7 +3151,7 @@
           <a:p>
             <a:fld id="{03F65E02-F4FE-41A5-B9C5-4E8AE5AF45AA}" type="datetimeFigureOut">
               <a:rPr lang="en-US" smtClean="0"/>
-              <a:t>4/14/2018</a:t>
+              <a:t>4/16/2018</a:t>
             </a:fld>
             <a:endParaRPr lang="en-US"/>
           </a:p>
@@ -1978,7 +3246,7 @@
           <a:p>
             <a:fld id="{03F65E02-F4FE-41A5-B9C5-4E8AE5AF45AA}" type="datetimeFigureOut">
               <a:rPr lang="en-US" smtClean="0"/>
-              <a:t>4/14/2018</a:t>
+              <a:t>4/16/2018</a:t>
             </a:fld>
             <a:endParaRPr lang="en-US"/>
           </a:p>
@@ -2255,7 +3523,7 @@
           <a:p>
             <a:fld id="{03F65E02-F4FE-41A5-B9C5-4E8AE5AF45AA}" type="datetimeFigureOut">
               <a:rPr lang="en-US" smtClean="0"/>
-              <a:t>4/14/2018</a:t>
+              <a:t>4/16/2018</a:t>
             </a:fld>
             <a:endParaRPr lang="en-US"/>
           </a:p>
@@ -2508,7 +3776,7 @@
           <a:p>
             <a:fld id="{03F65E02-F4FE-41A5-B9C5-4E8AE5AF45AA}" type="datetimeFigureOut">
               <a:rPr lang="en-US" smtClean="0"/>
-              <a:t>4/14/2018</a:t>
+              <a:t>4/16/2018</a:t>
             </a:fld>
             <a:endParaRPr lang="en-US"/>
           </a:p>
@@ -2721,7 +3989,7 @@
           <a:p>
             <a:fld id="{03F65E02-F4FE-41A5-B9C5-4E8AE5AF45AA}" type="datetimeFigureOut">
               <a:rPr lang="en-US" smtClean="0"/>
-              <a:t>4/14/2018</a:t>
+              <a:t>4/16/2018</a:t>
             </a:fld>
             <a:endParaRPr lang="en-US"/>
           </a:p>
@@ -3198,36 +4466,1240 @@
           <a:lstStyle/>
           <a:p>
             <a:r>
-              <a:rPr lang="en-US" smtClean="0"/>
+              <a:rPr lang="en-US" dirty="0" smtClean="0"/>
+              <a:t>Agenda</a:t>
+            </a:r>
+            <a:endParaRPr lang="en-US" dirty="0"/>
+          </a:p>
+        </p:txBody>
+      </p:sp>
+      <p:sp>
+        <p:nvSpPr>
+          <p:cNvPr id="3" name="Content Placeholder 2"/>
+          <p:cNvSpPr>
+            <a:spLocks noGrp="1"/>
+          </p:cNvSpPr>
+          <p:nvPr>
+            <p:ph idx="1"/>
+          </p:nvPr>
+        </p:nvSpPr>
+        <p:spPr/>
+        <p:txBody>
+          <a:bodyPr/>
+          <a:lstStyle/>
+          <a:p>
+            <a:r>
+              <a:rPr lang="en-US" dirty="0" smtClean="0"/>
               <a:t>History</a:t>
             </a:r>
-            <a:endParaRPr lang="en-US"/>
-          </a:p>
-        </p:txBody>
-      </p:sp>
-      <p:sp>
-        <p:nvSpPr>
-          <p:cNvPr id="3" name="Content Placeholder 2"/>
-          <p:cNvSpPr>
-            <a:spLocks noGrp="1"/>
-          </p:cNvSpPr>
-          <p:nvPr>
-            <p:ph idx="1"/>
-          </p:nvPr>
-        </p:nvSpPr>
-        <p:spPr/>
-        <p:txBody>
-          <a:bodyPr/>
-          <a:lstStyle/>
-          <a:p>
-            <a:endParaRPr lang="en-US"/>
+          </a:p>
+          <a:p>
+            <a:r>
+              <a:rPr lang="en-US" dirty="0" smtClean="0"/>
+              <a:t>Language Overview and Samples</a:t>
+            </a:r>
+          </a:p>
+          <a:p>
+            <a:r>
+              <a:rPr lang="en-US" dirty="0" smtClean="0"/>
+              <a:t>Language Evaluation</a:t>
+            </a:r>
+          </a:p>
+          <a:p>
+            <a:endParaRPr lang="en-US" dirty="0"/>
           </a:p>
         </p:txBody>
       </p:sp>
     </p:spTree>
     <p:extLst>
       <p:ext uri="{BB962C8B-B14F-4D97-AF65-F5344CB8AC3E}">
-        <p14:creationId xmlns:p14="http://schemas.microsoft.com/office/powerpoint/2010/main" val="1740391194"/>
+        <p14:creationId xmlns:p14="http://schemas.microsoft.com/office/powerpoint/2010/main" val="1251093088"/>
+      </p:ext>
+    </p:extLst>
+  </p:cSld>
+  <p:clrMapOvr>
+    <a:masterClrMapping/>
+  </p:clrMapOvr>
+</p:sld>
+</file>
+
+<file path=ppt/slides/slide3.xml><?xml version="1.0" encoding="utf-8"?>
+<p:sld xmlns:a="http://schemas.openxmlformats.org/drawingml/2006/main" xmlns:r="http://schemas.openxmlformats.org/officeDocument/2006/relationships" xmlns:p="http://schemas.openxmlformats.org/presentationml/2006/main">
+  <p:cSld>
+    <p:spTree>
+      <p:nvGrpSpPr>
+        <p:cNvPr id="1" name=""/>
+        <p:cNvGrpSpPr/>
+        <p:nvPr/>
+      </p:nvGrpSpPr>
+      <p:grpSpPr>
+        <a:xfrm>
+          <a:off x="0" y="0"/>
+          <a:ext cx="0" cy="0"/>
+          <a:chOff x="0" y="0"/>
+          <a:chExt cx="0" cy="0"/>
+        </a:xfrm>
+      </p:grpSpPr>
+      <p:sp>
+        <p:nvSpPr>
+          <p:cNvPr id="2" name="Title 1"/>
+          <p:cNvSpPr>
+            <a:spLocks noGrp="1"/>
+          </p:cNvSpPr>
+          <p:nvPr>
+            <p:ph type="title"/>
+          </p:nvPr>
+        </p:nvSpPr>
+        <p:spPr>
+          <a:xfrm>
+            <a:off x="457200" y="274638"/>
+            <a:ext cx="8229600" cy="563562"/>
+          </a:xfrm>
+        </p:spPr>
+        <p:txBody>
+          <a:bodyPr>
+            <a:noAutofit/>
+          </a:bodyPr>
+          <a:lstStyle/>
+          <a:p>
+            <a:r>
+              <a:rPr lang="en-US" sz="4800" dirty="0" smtClean="0"/>
+              <a:t>History</a:t>
+            </a:r>
+            <a:endParaRPr lang="en-US" sz="4800" dirty="0"/>
+          </a:p>
+        </p:txBody>
+      </p:sp>
+      <p:sp>
+        <p:nvSpPr>
+          <p:cNvPr id="3" name="Content Placeholder 2"/>
+          <p:cNvSpPr>
+            <a:spLocks noGrp="1"/>
+          </p:cNvSpPr>
+          <p:nvPr>
+            <p:ph idx="1"/>
+          </p:nvPr>
+        </p:nvSpPr>
+        <p:spPr/>
+        <p:txBody>
+          <a:bodyPr/>
+          <a:lstStyle/>
+          <a:p>
+            <a:r>
+              <a:rPr lang="en-US" b="1" dirty="0" smtClean="0"/>
+              <a:t>Programs</a:t>
+            </a:r>
+            <a:r>
+              <a:rPr lang="en-US" dirty="0" smtClean="0"/>
+              <a:t> are structured as concurrent processes</a:t>
+            </a:r>
+          </a:p>
+          <a:p>
+            <a:r>
+              <a:rPr lang="en-US" b="1" dirty="0" smtClean="0"/>
+              <a:t>Processes</a:t>
+            </a:r>
+            <a:r>
+              <a:rPr lang="en-US" dirty="0" smtClean="0"/>
+              <a:t> share no memory and communicate with asynchronous message passing</a:t>
+            </a:r>
+          </a:p>
+          <a:p>
+            <a:r>
+              <a:rPr lang="en-US" b="1" dirty="0" smtClean="0"/>
+              <a:t>Processes</a:t>
+            </a:r>
+            <a:r>
+              <a:rPr lang="en-US" dirty="0" smtClean="0"/>
+              <a:t> are lightweight</a:t>
+            </a:r>
+          </a:p>
+          <a:p>
+            <a:r>
+              <a:rPr lang="en-US" b="1" dirty="0" smtClean="0"/>
+              <a:t>Processes</a:t>
+            </a:r>
+            <a:r>
+              <a:rPr lang="en-US" dirty="0" smtClean="0"/>
+              <a:t> belong to the language and not to the operating system</a:t>
+            </a:r>
+            <a:endParaRPr lang="en-US" dirty="0"/>
+          </a:p>
+        </p:txBody>
+      </p:sp>
+      <p:sp>
+        <p:nvSpPr>
+          <p:cNvPr id="4" name="Title 1"/>
+          <p:cNvSpPr txBox="1">
+            <a:spLocks/>
+          </p:cNvSpPr>
+          <p:nvPr/>
+        </p:nvSpPr>
+        <p:spPr>
+          <a:xfrm>
+            <a:off x="457200" y="914400"/>
+            <a:ext cx="8229600" cy="457200"/>
+          </a:xfrm>
+          <a:prstGeom prst="rect">
+            <a:avLst/>
+          </a:prstGeom>
+        </p:spPr>
+        <p:txBody>
+          <a:bodyPr vert="horz" lIns="91440" tIns="45720" rIns="91440" bIns="45720" rtlCol="0" anchor="ctr">
+            <a:noAutofit/>
+          </a:bodyPr>
+          <a:lstStyle>
+            <a:lvl1pPr algn="ctr" defTabSz="914400" rtl="0" eaLnBrk="1" latinLnBrk="0" hangingPunct="1">
+              <a:spcBef>
+                <a:spcPct val="0"/>
+              </a:spcBef>
+              <a:buNone/>
+              <a:defRPr sz="4400" kern="1200">
+                <a:solidFill>
+                  <a:schemeClr val="tx1"/>
+                </a:solidFill>
+                <a:latin typeface="+mj-lt"/>
+                <a:ea typeface="+mj-ea"/>
+                <a:cs typeface="+mj-cs"/>
+              </a:defRPr>
+            </a:lvl1pPr>
+          </a:lstStyle>
+          <a:p>
+            <a:pPr algn="l"/>
+            <a:r>
+              <a:rPr lang="en-US" sz="3600" dirty="0" smtClean="0"/>
+              <a:t>Begin at the end</a:t>
+            </a:r>
+            <a:endParaRPr lang="en-US" sz="3600" dirty="0"/>
+          </a:p>
+        </p:txBody>
+      </p:sp>
+    </p:spTree>
+    <p:extLst>
+      <p:ext uri="{BB962C8B-B14F-4D97-AF65-F5344CB8AC3E}">
+        <p14:creationId xmlns:p14="http://schemas.microsoft.com/office/powerpoint/2010/main" val="3353855676"/>
+      </p:ext>
+    </p:extLst>
+  </p:cSld>
+  <p:clrMapOvr>
+    <a:masterClrMapping/>
+  </p:clrMapOvr>
+</p:sld>
+</file>
+
+<file path=ppt/slides/slide4.xml><?xml version="1.0" encoding="utf-8"?>
+<p:sld xmlns:a="http://schemas.openxmlformats.org/drawingml/2006/main" xmlns:r="http://schemas.openxmlformats.org/officeDocument/2006/relationships" xmlns:p="http://schemas.openxmlformats.org/presentationml/2006/main">
+  <p:cSld>
+    <p:spTree>
+      <p:nvGrpSpPr>
+        <p:cNvPr id="1" name=""/>
+        <p:cNvGrpSpPr/>
+        <p:nvPr/>
+      </p:nvGrpSpPr>
+      <p:grpSpPr>
+        <a:xfrm>
+          <a:off x="0" y="0"/>
+          <a:ext cx="0" cy="0"/>
+          <a:chOff x="0" y="0"/>
+          <a:chExt cx="0" cy="0"/>
+        </a:xfrm>
+      </p:grpSpPr>
+      <p:sp>
+        <p:nvSpPr>
+          <p:cNvPr id="2" name="Title 1"/>
+          <p:cNvSpPr>
+            <a:spLocks noGrp="1"/>
+          </p:cNvSpPr>
+          <p:nvPr>
+            <p:ph type="title"/>
+          </p:nvPr>
+        </p:nvSpPr>
+        <p:spPr>
+          <a:xfrm>
+            <a:off x="457200" y="274638"/>
+            <a:ext cx="8229600" cy="563562"/>
+          </a:xfrm>
+        </p:spPr>
+        <p:txBody>
+          <a:bodyPr>
+            <a:noAutofit/>
+          </a:bodyPr>
+          <a:lstStyle/>
+          <a:p>
+            <a:r>
+              <a:rPr lang="en-US" sz="4800" dirty="0" smtClean="0"/>
+              <a:t>History</a:t>
+            </a:r>
+            <a:endParaRPr lang="en-US" sz="4800" dirty="0"/>
+          </a:p>
+        </p:txBody>
+      </p:sp>
+      <p:sp>
+        <p:nvSpPr>
+          <p:cNvPr id="3" name="Content Placeholder 2"/>
+          <p:cNvSpPr>
+            <a:spLocks noGrp="1"/>
+          </p:cNvSpPr>
+          <p:nvPr>
+            <p:ph idx="1"/>
+          </p:nvPr>
+        </p:nvSpPr>
+        <p:spPr/>
+        <p:txBody>
+          <a:bodyPr/>
+          <a:lstStyle/>
+          <a:p>
+            <a:r>
+              <a:rPr lang="en-US" dirty="0" smtClean="0"/>
+              <a:t>A better way of programming telephony applications</a:t>
+            </a:r>
+          </a:p>
+          <a:p>
+            <a:r>
+              <a:rPr lang="en-US" dirty="0" smtClean="0"/>
+              <a:t>Requirements:</a:t>
+            </a:r>
+          </a:p>
+          <a:p>
+            <a:pPr lvl="1"/>
+            <a:r>
+              <a:rPr lang="en-US" sz="2400" dirty="0" smtClean="0"/>
+              <a:t>Highly concurrent and distributed</a:t>
+            </a:r>
+          </a:p>
+          <a:p>
+            <a:pPr lvl="1"/>
+            <a:r>
+              <a:rPr lang="en-US" sz="2400" dirty="0" smtClean="0"/>
+              <a:t>Fault-tolerant</a:t>
+            </a:r>
+          </a:p>
+          <a:p>
+            <a:pPr lvl="1"/>
+            <a:r>
+              <a:rPr lang="en-US" sz="2400" dirty="0" smtClean="0"/>
+              <a:t>Real time</a:t>
+            </a:r>
+          </a:p>
+          <a:p>
+            <a:pPr lvl="1"/>
+            <a:r>
+              <a:rPr lang="en-US" sz="2400" dirty="0" smtClean="0"/>
+              <a:t>Highly available</a:t>
+            </a:r>
+          </a:p>
+          <a:p>
+            <a:pPr lvl="1"/>
+            <a:r>
+              <a:rPr lang="en-US" sz="2400" dirty="0" smtClean="0"/>
+              <a:t>Hot swapping</a:t>
+            </a:r>
+          </a:p>
+          <a:p>
+            <a:r>
+              <a:rPr lang="en-US" dirty="0" smtClean="0"/>
+              <a:t>NOT required: Intensive computation</a:t>
+            </a:r>
+            <a:endParaRPr lang="en-US" dirty="0"/>
+          </a:p>
+        </p:txBody>
+      </p:sp>
+      <p:sp>
+        <p:nvSpPr>
+          <p:cNvPr id="4" name="Title 1"/>
+          <p:cNvSpPr txBox="1">
+            <a:spLocks/>
+          </p:cNvSpPr>
+          <p:nvPr/>
+        </p:nvSpPr>
+        <p:spPr>
+          <a:xfrm>
+            <a:off x="457200" y="914400"/>
+            <a:ext cx="8229600" cy="457200"/>
+          </a:xfrm>
+          <a:prstGeom prst="rect">
+            <a:avLst/>
+          </a:prstGeom>
+        </p:spPr>
+        <p:txBody>
+          <a:bodyPr vert="horz" lIns="91440" tIns="45720" rIns="91440" bIns="45720" rtlCol="0" anchor="ctr">
+            <a:noAutofit/>
+          </a:bodyPr>
+          <a:lstStyle>
+            <a:lvl1pPr algn="ctr" defTabSz="914400" rtl="0" eaLnBrk="1" latinLnBrk="0" hangingPunct="1">
+              <a:spcBef>
+                <a:spcPct val="0"/>
+              </a:spcBef>
+              <a:buNone/>
+              <a:defRPr sz="4400" kern="1200">
+                <a:solidFill>
+                  <a:schemeClr val="tx1"/>
+                </a:solidFill>
+                <a:latin typeface="+mj-lt"/>
+                <a:ea typeface="+mj-ea"/>
+                <a:cs typeface="+mj-cs"/>
+              </a:defRPr>
+            </a:lvl1pPr>
+          </a:lstStyle>
+          <a:p>
+            <a:pPr algn="l"/>
+            <a:r>
+              <a:rPr lang="en-US" sz="3600" dirty="0" smtClean="0"/>
+              <a:t>Motivation</a:t>
+            </a:r>
+            <a:endParaRPr lang="en-US" sz="3600" dirty="0"/>
+          </a:p>
+        </p:txBody>
+      </p:sp>
+    </p:spTree>
+    <p:extLst>
+      <p:ext uri="{BB962C8B-B14F-4D97-AF65-F5344CB8AC3E}">
+        <p14:creationId xmlns:p14="http://schemas.microsoft.com/office/powerpoint/2010/main" val="1626227560"/>
+      </p:ext>
+    </p:extLst>
+  </p:cSld>
+  <p:clrMapOvr>
+    <a:masterClrMapping/>
+  </p:clrMapOvr>
+</p:sld>
+</file>
+
+<file path=ppt/slides/slide5.xml><?xml version="1.0" encoding="utf-8"?>
+<p:sld xmlns:a="http://schemas.openxmlformats.org/drawingml/2006/main" xmlns:r="http://schemas.openxmlformats.org/officeDocument/2006/relationships" xmlns:p="http://schemas.openxmlformats.org/presentationml/2006/main">
+  <p:cSld>
+    <p:spTree>
+      <p:nvGrpSpPr>
+        <p:cNvPr id="1" name=""/>
+        <p:cNvGrpSpPr/>
+        <p:nvPr/>
+      </p:nvGrpSpPr>
+      <p:grpSpPr>
+        <a:xfrm>
+          <a:off x="0" y="0"/>
+          <a:ext cx="0" cy="0"/>
+          <a:chOff x="0" y="0"/>
+          <a:chExt cx="0" cy="0"/>
+        </a:xfrm>
+      </p:grpSpPr>
+      <p:sp>
+        <p:nvSpPr>
+          <p:cNvPr id="2" name="Title 1"/>
+          <p:cNvSpPr>
+            <a:spLocks noGrp="1"/>
+          </p:cNvSpPr>
+          <p:nvPr>
+            <p:ph type="title"/>
+          </p:nvPr>
+        </p:nvSpPr>
+        <p:spPr>
+          <a:xfrm>
+            <a:off x="457200" y="274638"/>
+            <a:ext cx="8229600" cy="563562"/>
+          </a:xfrm>
+        </p:spPr>
+        <p:txBody>
+          <a:bodyPr>
+            <a:noAutofit/>
+          </a:bodyPr>
+          <a:lstStyle/>
+          <a:p>
+            <a:r>
+              <a:rPr lang="en-US" sz="4800" dirty="0" smtClean="0"/>
+              <a:t>History</a:t>
+            </a:r>
+            <a:endParaRPr lang="en-US" sz="4800" dirty="0"/>
+          </a:p>
+        </p:txBody>
+      </p:sp>
+      <p:sp>
+        <p:nvSpPr>
+          <p:cNvPr id="3" name="Content Placeholder 2"/>
+          <p:cNvSpPr>
+            <a:spLocks noGrp="1"/>
+          </p:cNvSpPr>
+          <p:nvPr>
+            <p:ph idx="1"/>
+          </p:nvPr>
+        </p:nvSpPr>
+        <p:spPr/>
+        <p:txBody>
+          <a:bodyPr>
+            <a:normAutofit lnSpcReduction="10000"/>
+          </a:bodyPr>
+          <a:lstStyle/>
+          <a:p>
+            <a:r>
+              <a:rPr lang="en-US" sz="2800" dirty="0" smtClean="0"/>
+              <a:t>1985: Joe Armstrong hired at Ericsson into exploratory group</a:t>
+            </a:r>
+          </a:p>
+          <a:p>
+            <a:r>
+              <a:rPr lang="en-US" sz="2800" dirty="0" smtClean="0"/>
+              <a:t>1985: Work in Smalltalk results in notation close to Prolog. Switch to Prolog</a:t>
+            </a:r>
+          </a:p>
+          <a:p>
+            <a:r>
+              <a:rPr lang="en-US" sz="2800" dirty="0" smtClean="0"/>
+              <a:t>1985: Robert </a:t>
+            </a:r>
+            <a:r>
+              <a:rPr lang="en-US" sz="2800" dirty="0" err="1" smtClean="0"/>
+              <a:t>Virding</a:t>
+            </a:r>
+            <a:r>
+              <a:rPr lang="en-US" sz="2800" dirty="0" smtClean="0"/>
+              <a:t> incorporates work on parallel logic programming</a:t>
+            </a:r>
+            <a:endParaRPr lang="en-US" sz="2800" dirty="0"/>
+          </a:p>
+          <a:p>
+            <a:r>
+              <a:rPr lang="en-US" sz="2800" dirty="0" smtClean="0"/>
+              <a:t>1987: Ericsson groups agrees to use Erlang (implemented in Prolog) in a real problem</a:t>
+            </a:r>
+          </a:p>
+          <a:p>
+            <a:r>
+              <a:rPr lang="en-US" sz="2800" dirty="0" smtClean="0"/>
+              <a:t>1988: Rapid change from user feedback results in stabilization by year end</a:t>
+            </a:r>
+            <a:endParaRPr lang="en-US" sz="2800" dirty="0" smtClean="0"/>
+          </a:p>
+          <a:p>
+            <a:endParaRPr lang="en-US" sz="2800" dirty="0"/>
+          </a:p>
+        </p:txBody>
+      </p:sp>
+      <p:sp>
+        <p:nvSpPr>
+          <p:cNvPr id="4" name="Title 1"/>
+          <p:cNvSpPr txBox="1">
+            <a:spLocks/>
+          </p:cNvSpPr>
+          <p:nvPr/>
+        </p:nvSpPr>
+        <p:spPr>
+          <a:xfrm>
+            <a:off x="457200" y="914400"/>
+            <a:ext cx="8229600" cy="457200"/>
+          </a:xfrm>
+          <a:prstGeom prst="rect">
+            <a:avLst/>
+          </a:prstGeom>
+        </p:spPr>
+        <p:txBody>
+          <a:bodyPr vert="horz" lIns="91440" tIns="45720" rIns="91440" bIns="45720" rtlCol="0" anchor="ctr">
+            <a:noAutofit/>
+          </a:bodyPr>
+          <a:lstStyle>
+            <a:lvl1pPr algn="ctr" defTabSz="914400" rtl="0" eaLnBrk="1" latinLnBrk="0" hangingPunct="1">
+              <a:spcBef>
+                <a:spcPct val="0"/>
+              </a:spcBef>
+              <a:buNone/>
+              <a:defRPr sz="4400" kern="1200">
+                <a:solidFill>
+                  <a:schemeClr val="tx1"/>
+                </a:solidFill>
+                <a:latin typeface="+mj-lt"/>
+                <a:ea typeface="+mj-ea"/>
+                <a:cs typeface="+mj-cs"/>
+              </a:defRPr>
+            </a:lvl1pPr>
+          </a:lstStyle>
+          <a:p>
+            <a:pPr algn="l"/>
+            <a:r>
+              <a:rPr lang="en-US" sz="3600" dirty="0" smtClean="0"/>
+              <a:t>Moments</a:t>
+            </a:r>
+            <a:endParaRPr lang="en-US" sz="3600" dirty="0"/>
+          </a:p>
+        </p:txBody>
+      </p:sp>
+    </p:spTree>
+    <p:extLst>
+      <p:ext uri="{BB962C8B-B14F-4D97-AF65-F5344CB8AC3E}">
+        <p14:creationId xmlns:p14="http://schemas.microsoft.com/office/powerpoint/2010/main" val="129089496"/>
+      </p:ext>
+    </p:extLst>
+  </p:cSld>
+  <p:clrMapOvr>
+    <a:masterClrMapping/>
+  </p:clrMapOvr>
+</p:sld>
+</file>
+
+<file path=ppt/slides/slide6.xml><?xml version="1.0" encoding="utf-8"?>
+<p:sld xmlns:a="http://schemas.openxmlformats.org/drawingml/2006/main" xmlns:r="http://schemas.openxmlformats.org/officeDocument/2006/relationships" xmlns:p="http://schemas.openxmlformats.org/presentationml/2006/main">
+  <p:cSld>
+    <p:spTree>
+      <p:nvGrpSpPr>
+        <p:cNvPr id="1" name=""/>
+        <p:cNvGrpSpPr/>
+        <p:nvPr/>
+      </p:nvGrpSpPr>
+      <p:grpSpPr>
+        <a:xfrm>
+          <a:off x="0" y="0"/>
+          <a:ext cx="0" cy="0"/>
+          <a:chOff x="0" y="0"/>
+          <a:chExt cx="0" cy="0"/>
+        </a:xfrm>
+      </p:grpSpPr>
+      <p:sp>
+        <p:nvSpPr>
+          <p:cNvPr id="2" name="Title 1"/>
+          <p:cNvSpPr>
+            <a:spLocks noGrp="1"/>
+          </p:cNvSpPr>
+          <p:nvPr>
+            <p:ph type="title"/>
+          </p:nvPr>
+        </p:nvSpPr>
+        <p:spPr>
+          <a:xfrm>
+            <a:off x="457200" y="274638"/>
+            <a:ext cx="8229600" cy="563562"/>
+          </a:xfrm>
+        </p:spPr>
+        <p:txBody>
+          <a:bodyPr>
+            <a:noAutofit/>
+          </a:bodyPr>
+          <a:lstStyle/>
+          <a:p>
+            <a:r>
+              <a:rPr lang="en-US" sz="4800" dirty="0" smtClean="0"/>
+              <a:t>History</a:t>
+            </a:r>
+            <a:endParaRPr lang="en-US" sz="4800" dirty="0"/>
+          </a:p>
+        </p:txBody>
+      </p:sp>
+      <p:sp>
+        <p:nvSpPr>
+          <p:cNvPr id="3" name="Content Placeholder 2"/>
+          <p:cNvSpPr>
+            <a:spLocks noGrp="1"/>
+          </p:cNvSpPr>
+          <p:nvPr>
+            <p:ph idx="1"/>
+          </p:nvPr>
+        </p:nvSpPr>
+        <p:spPr/>
+        <p:txBody>
+          <a:bodyPr>
+            <a:normAutofit/>
+          </a:bodyPr>
+          <a:lstStyle/>
+          <a:p>
+            <a:r>
+              <a:rPr lang="en-US" sz="2800" dirty="0" smtClean="0"/>
+              <a:t>Design choices by end of 1988:</a:t>
+            </a:r>
+          </a:p>
+          <a:p>
+            <a:pPr lvl="1"/>
+            <a:r>
+              <a:rPr lang="en-US" sz="2400" dirty="0" smtClean="0"/>
+              <a:t>Buffered message reception with pattern matching and out of order handling</a:t>
+            </a:r>
+          </a:p>
+          <a:p>
+            <a:pPr lvl="1"/>
+            <a:r>
+              <a:rPr lang="en-US" sz="2400" dirty="0" smtClean="0"/>
+              <a:t>Error handling abstracted to process level (no difference between hardware and software messages)</a:t>
+            </a:r>
+          </a:p>
+          <a:p>
+            <a:pPr lvl="1"/>
+            <a:r>
+              <a:rPr lang="en-US" sz="2400" dirty="0" smtClean="0"/>
+              <a:t>Explicit links between processes propagate errors. </a:t>
+            </a:r>
+          </a:p>
+          <a:p>
+            <a:pPr lvl="1"/>
+            <a:r>
+              <a:rPr lang="en-US" sz="2400" dirty="0" smtClean="0"/>
+              <a:t>Errors cause all linked processes to die (all alive / all dead)</a:t>
+            </a:r>
+          </a:p>
+          <a:p>
+            <a:pPr lvl="1"/>
+            <a:r>
+              <a:rPr lang="en-US" sz="2400" dirty="0" smtClean="0"/>
+              <a:t>Messages in mailboxes instead of pipes</a:t>
+            </a:r>
+          </a:p>
+          <a:p>
+            <a:pPr lvl="1"/>
+            <a:endParaRPr lang="en-US" sz="2400" dirty="0"/>
+          </a:p>
+        </p:txBody>
+      </p:sp>
+      <p:sp>
+        <p:nvSpPr>
+          <p:cNvPr id="4" name="Title 1"/>
+          <p:cNvSpPr txBox="1">
+            <a:spLocks/>
+          </p:cNvSpPr>
+          <p:nvPr/>
+        </p:nvSpPr>
+        <p:spPr>
+          <a:xfrm>
+            <a:off x="457200" y="914400"/>
+            <a:ext cx="8229600" cy="457200"/>
+          </a:xfrm>
+          <a:prstGeom prst="rect">
+            <a:avLst/>
+          </a:prstGeom>
+        </p:spPr>
+        <p:txBody>
+          <a:bodyPr vert="horz" lIns="91440" tIns="45720" rIns="91440" bIns="45720" rtlCol="0" anchor="ctr">
+            <a:noAutofit/>
+          </a:bodyPr>
+          <a:lstStyle>
+            <a:lvl1pPr algn="ctr" defTabSz="914400" rtl="0" eaLnBrk="1" latinLnBrk="0" hangingPunct="1">
+              <a:spcBef>
+                <a:spcPct val="0"/>
+              </a:spcBef>
+              <a:buNone/>
+              <a:defRPr sz="4400" kern="1200">
+                <a:solidFill>
+                  <a:schemeClr val="tx1"/>
+                </a:solidFill>
+                <a:latin typeface="+mj-lt"/>
+                <a:ea typeface="+mj-ea"/>
+                <a:cs typeface="+mj-cs"/>
+              </a:defRPr>
+            </a:lvl1pPr>
+          </a:lstStyle>
+          <a:p>
+            <a:pPr algn="l"/>
+            <a:r>
+              <a:rPr lang="en-US" sz="3600" dirty="0" smtClean="0"/>
+              <a:t>Choices</a:t>
+            </a:r>
+            <a:endParaRPr lang="en-US" sz="3600" dirty="0"/>
+          </a:p>
+        </p:txBody>
+      </p:sp>
+    </p:spTree>
+    <p:extLst>
+      <p:ext uri="{BB962C8B-B14F-4D97-AF65-F5344CB8AC3E}">
+        <p14:creationId xmlns:p14="http://schemas.microsoft.com/office/powerpoint/2010/main" val="2511671009"/>
+      </p:ext>
+    </p:extLst>
+  </p:cSld>
+  <p:clrMapOvr>
+    <a:masterClrMapping/>
+  </p:clrMapOvr>
+</p:sld>
+</file>
+
+<file path=ppt/slides/slide7.xml><?xml version="1.0" encoding="utf-8"?>
+<p:sld xmlns:a="http://schemas.openxmlformats.org/drawingml/2006/main" xmlns:r="http://schemas.openxmlformats.org/officeDocument/2006/relationships" xmlns:p="http://schemas.openxmlformats.org/presentationml/2006/main">
+  <p:cSld>
+    <p:spTree>
+      <p:nvGrpSpPr>
+        <p:cNvPr id="1" name=""/>
+        <p:cNvGrpSpPr/>
+        <p:nvPr/>
+      </p:nvGrpSpPr>
+      <p:grpSpPr>
+        <a:xfrm>
+          <a:off x="0" y="0"/>
+          <a:ext cx="0" cy="0"/>
+          <a:chOff x="0" y="0"/>
+          <a:chExt cx="0" cy="0"/>
+        </a:xfrm>
+      </p:grpSpPr>
+      <p:sp>
+        <p:nvSpPr>
+          <p:cNvPr id="2" name="Title 1"/>
+          <p:cNvSpPr>
+            <a:spLocks noGrp="1"/>
+          </p:cNvSpPr>
+          <p:nvPr>
+            <p:ph type="title"/>
+          </p:nvPr>
+        </p:nvSpPr>
+        <p:spPr>
+          <a:xfrm>
+            <a:off x="457200" y="274638"/>
+            <a:ext cx="8229600" cy="563562"/>
+          </a:xfrm>
+        </p:spPr>
+        <p:txBody>
+          <a:bodyPr>
+            <a:noAutofit/>
+          </a:bodyPr>
+          <a:lstStyle/>
+          <a:p>
+            <a:r>
+              <a:rPr lang="en-US" sz="4800" dirty="0" smtClean="0"/>
+              <a:t>History</a:t>
+            </a:r>
+            <a:endParaRPr lang="en-US" sz="4800" dirty="0"/>
+          </a:p>
+        </p:txBody>
+      </p:sp>
+      <p:sp>
+        <p:nvSpPr>
+          <p:cNvPr id="3" name="Content Placeholder 2"/>
+          <p:cNvSpPr>
+            <a:spLocks noGrp="1"/>
+          </p:cNvSpPr>
+          <p:nvPr>
+            <p:ph idx="1"/>
+          </p:nvPr>
+        </p:nvSpPr>
+        <p:spPr/>
+        <p:txBody>
+          <a:bodyPr>
+            <a:normAutofit fontScale="92500"/>
+          </a:bodyPr>
+          <a:lstStyle/>
+          <a:p>
+            <a:r>
+              <a:rPr lang="en-US" dirty="0" smtClean="0"/>
+              <a:t>End of 1989: initial user group conclusions</a:t>
+            </a:r>
+          </a:p>
+          <a:p>
+            <a:pPr lvl="1"/>
+            <a:r>
+              <a:rPr lang="en-US" dirty="0"/>
+              <a:t>Programmer-hours to implement new feature in Erlang compared to PLEX reduced by factor of 3 – 25</a:t>
+            </a:r>
+          </a:p>
+          <a:p>
+            <a:pPr lvl="1"/>
+            <a:r>
+              <a:rPr lang="en-US" dirty="0"/>
+              <a:t>Erlang runtime memory requirements small</a:t>
+            </a:r>
+          </a:p>
+          <a:p>
+            <a:pPr lvl="1"/>
+            <a:r>
+              <a:rPr lang="en-US" dirty="0"/>
+              <a:t>Erlang compiled code size acceptable</a:t>
+            </a:r>
+          </a:p>
+          <a:p>
+            <a:pPr lvl="1"/>
+            <a:r>
+              <a:rPr lang="en-US" dirty="0"/>
+              <a:t>Erlang runtime needed to be at least </a:t>
+            </a:r>
+            <a:r>
+              <a:rPr lang="en-US" b="1" dirty="0"/>
+              <a:t>40</a:t>
+            </a:r>
+            <a:r>
+              <a:rPr lang="en-US" dirty="0"/>
+              <a:t> times faster for product development</a:t>
+            </a:r>
+          </a:p>
+          <a:p>
+            <a:pPr lvl="1"/>
+            <a:r>
+              <a:rPr lang="en-US" dirty="0"/>
+              <a:t>End of 1989: initial user group </a:t>
+            </a:r>
+            <a:r>
+              <a:rPr lang="en-US" dirty="0" smtClean="0"/>
+              <a:t>conclusions</a:t>
+            </a:r>
+            <a:endParaRPr lang="en-US" dirty="0" smtClean="0"/>
+          </a:p>
+          <a:p>
+            <a:r>
+              <a:rPr lang="en-US" dirty="0" smtClean="0"/>
+              <a:t>=&gt; Make Erlang faster</a:t>
+            </a:r>
+            <a:endParaRPr lang="en-US" dirty="0" smtClean="0"/>
+          </a:p>
+          <a:p>
+            <a:pPr marL="457200" lvl="1" indent="0">
+              <a:buNone/>
+            </a:pPr>
+            <a:endParaRPr lang="en-US" dirty="0"/>
+          </a:p>
+        </p:txBody>
+      </p:sp>
+      <p:sp>
+        <p:nvSpPr>
+          <p:cNvPr id="4" name="Title 1"/>
+          <p:cNvSpPr txBox="1">
+            <a:spLocks/>
+          </p:cNvSpPr>
+          <p:nvPr/>
+        </p:nvSpPr>
+        <p:spPr>
+          <a:xfrm>
+            <a:off x="457200" y="914400"/>
+            <a:ext cx="8229600" cy="457200"/>
+          </a:xfrm>
+          <a:prstGeom prst="rect">
+            <a:avLst/>
+          </a:prstGeom>
+        </p:spPr>
+        <p:txBody>
+          <a:bodyPr vert="horz" lIns="91440" tIns="45720" rIns="91440" bIns="45720" rtlCol="0" anchor="ctr">
+            <a:noAutofit/>
+          </a:bodyPr>
+          <a:lstStyle>
+            <a:lvl1pPr algn="ctr" defTabSz="914400" rtl="0" eaLnBrk="1" latinLnBrk="0" hangingPunct="1">
+              <a:spcBef>
+                <a:spcPct val="0"/>
+              </a:spcBef>
+              <a:buNone/>
+              <a:defRPr sz="4400" kern="1200">
+                <a:solidFill>
+                  <a:schemeClr val="tx1"/>
+                </a:solidFill>
+                <a:latin typeface="+mj-lt"/>
+                <a:ea typeface="+mj-ea"/>
+                <a:cs typeface="+mj-cs"/>
+              </a:defRPr>
+            </a:lvl1pPr>
+          </a:lstStyle>
+          <a:p>
+            <a:pPr algn="l"/>
+            <a:r>
+              <a:rPr lang="en-US" sz="3600" dirty="0" smtClean="0"/>
+              <a:t>Moments</a:t>
+            </a:r>
+            <a:endParaRPr lang="en-US" sz="3600" dirty="0"/>
+          </a:p>
+        </p:txBody>
+      </p:sp>
+    </p:spTree>
+    <p:extLst>
+      <p:ext uri="{BB962C8B-B14F-4D97-AF65-F5344CB8AC3E}">
+        <p14:creationId xmlns:p14="http://schemas.microsoft.com/office/powerpoint/2010/main" val="3476970787"/>
+      </p:ext>
+    </p:extLst>
+  </p:cSld>
+  <p:clrMapOvr>
+    <a:masterClrMapping/>
+  </p:clrMapOvr>
+</p:sld>
+</file>
+
+<file path=ppt/slides/slide8.xml><?xml version="1.0" encoding="utf-8"?>
+<p:sld xmlns:a="http://schemas.openxmlformats.org/drawingml/2006/main" xmlns:r="http://schemas.openxmlformats.org/officeDocument/2006/relationships" xmlns:p="http://schemas.openxmlformats.org/presentationml/2006/main">
+  <p:cSld>
+    <p:spTree>
+      <p:nvGrpSpPr>
+        <p:cNvPr id="1" name=""/>
+        <p:cNvGrpSpPr/>
+        <p:nvPr/>
+      </p:nvGrpSpPr>
+      <p:grpSpPr>
+        <a:xfrm>
+          <a:off x="0" y="0"/>
+          <a:ext cx="0" cy="0"/>
+          <a:chOff x="0" y="0"/>
+          <a:chExt cx="0" cy="0"/>
+        </a:xfrm>
+      </p:grpSpPr>
+      <p:sp>
+        <p:nvSpPr>
+          <p:cNvPr id="2" name="Title 1"/>
+          <p:cNvSpPr>
+            <a:spLocks noGrp="1"/>
+          </p:cNvSpPr>
+          <p:nvPr>
+            <p:ph type="title"/>
+          </p:nvPr>
+        </p:nvSpPr>
+        <p:spPr>
+          <a:xfrm>
+            <a:off x="457200" y="274638"/>
+            <a:ext cx="8229600" cy="563562"/>
+          </a:xfrm>
+        </p:spPr>
+        <p:txBody>
+          <a:bodyPr>
+            <a:noAutofit/>
+          </a:bodyPr>
+          <a:lstStyle/>
+          <a:p>
+            <a:r>
+              <a:rPr lang="en-US" sz="4800" dirty="0" smtClean="0"/>
+              <a:t>History</a:t>
+            </a:r>
+            <a:endParaRPr lang="en-US" sz="4800" dirty="0"/>
+          </a:p>
+        </p:txBody>
+      </p:sp>
+      <p:sp>
+        <p:nvSpPr>
+          <p:cNvPr id="3" name="Content Placeholder 2"/>
+          <p:cNvSpPr>
+            <a:spLocks noGrp="1"/>
+          </p:cNvSpPr>
+          <p:nvPr>
+            <p:ph idx="1"/>
+          </p:nvPr>
+        </p:nvSpPr>
+        <p:spPr/>
+        <p:txBody>
+          <a:bodyPr>
+            <a:normAutofit fontScale="92500"/>
+          </a:bodyPr>
+          <a:lstStyle/>
+          <a:p>
+            <a:r>
+              <a:rPr lang="en-US" dirty="0" smtClean="0"/>
+              <a:t>1990: JAM (Joe’s Abstract Machine) designed by Armstrong. Emulator implemented in C by Mike Williams</a:t>
+            </a:r>
+          </a:p>
+          <a:p>
+            <a:r>
+              <a:rPr lang="en-US" dirty="0" smtClean="0"/>
+              <a:t>JAM C emulator ~70 faster than Prolog emulator</a:t>
+            </a:r>
+          </a:p>
+          <a:p>
+            <a:pPr lvl="1"/>
+            <a:r>
+              <a:rPr lang="en-US" dirty="0" smtClean="0"/>
+              <a:t>Frequent small garbage collection used</a:t>
+            </a:r>
+          </a:p>
+          <a:p>
+            <a:pPr lvl="1"/>
+            <a:r>
+              <a:rPr lang="en-US" dirty="0" smtClean="0"/>
+              <a:t>Encouraged copying all data involved in message passing</a:t>
+            </a:r>
+          </a:p>
+          <a:p>
+            <a:pPr lvl="1"/>
+            <a:r>
+              <a:rPr lang="en-US" dirty="0" smtClean="0"/>
+              <a:t>Unforeseen, but increased process isolation, concurrency, and construction of distributed systems</a:t>
+            </a:r>
+          </a:p>
+          <a:p>
+            <a:endParaRPr lang="en-US" dirty="0" smtClean="0"/>
+          </a:p>
+          <a:p>
+            <a:pPr marL="457200" lvl="1" indent="0">
+              <a:buNone/>
+            </a:pPr>
+            <a:endParaRPr lang="en-US" dirty="0"/>
+          </a:p>
+        </p:txBody>
+      </p:sp>
+      <p:sp>
+        <p:nvSpPr>
+          <p:cNvPr id="4" name="Title 1"/>
+          <p:cNvSpPr txBox="1">
+            <a:spLocks/>
+          </p:cNvSpPr>
+          <p:nvPr/>
+        </p:nvSpPr>
+        <p:spPr>
+          <a:xfrm>
+            <a:off x="457200" y="914400"/>
+            <a:ext cx="8229600" cy="457200"/>
+          </a:xfrm>
+          <a:prstGeom prst="rect">
+            <a:avLst/>
+          </a:prstGeom>
+        </p:spPr>
+        <p:txBody>
+          <a:bodyPr vert="horz" lIns="91440" tIns="45720" rIns="91440" bIns="45720" rtlCol="0" anchor="ctr">
+            <a:noAutofit/>
+          </a:bodyPr>
+          <a:lstStyle>
+            <a:lvl1pPr algn="ctr" defTabSz="914400" rtl="0" eaLnBrk="1" latinLnBrk="0" hangingPunct="1">
+              <a:spcBef>
+                <a:spcPct val="0"/>
+              </a:spcBef>
+              <a:buNone/>
+              <a:defRPr sz="4400" kern="1200">
+                <a:solidFill>
+                  <a:schemeClr val="tx1"/>
+                </a:solidFill>
+                <a:latin typeface="+mj-lt"/>
+                <a:ea typeface="+mj-ea"/>
+                <a:cs typeface="+mj-cs"/>
+              </a:defRPr>
+            </a:lvl1pPr>
+          </a:lstStyle>
+          <a:p>
+            <a:pPr algn="l"/>
+            <a:r>
+              <a:rPr lang="en-US" sz="3600" dirty="0" smtClean="0"/>
+              <a:t>Moments</a:t>
+            </a:r>
+            <a:endParaRPr lang="en-US" sz="3600" dirty="0"/>
+          </a:p>
+        </p:txBody>
+      </p:sp>
+    </p:spTree>
+    <p:extLst>
+      <p:ext uri="{BB962C8B-B14F-4D97-AF65-F5344CB8AC3E}">
+        <p14:creationId xmlns:p14="http://schemas.microsoft.com/office/powerpoint/2010/main" val="1921227045"/>
+      </p:ext>
+    </p:extLst>
+  </p:cSld>
+  <p:clrMapOvr>
+    <a:masterClrMapping/>
+  </p:clrMapOvr>
+</p:sld>
+</file>
+
+<file path=ppt/slides/slide9.xml><?xml version="1.0" encoding="utf-8"?>
+<p:sld xmlns:a="http://schemas.openxmlformats.org/drawingml/2006/main" xmlns:r="http://schemas.openxmlformats.org/officeDocument/2006/relationships" xmlns:p="http://schemas.openxmlformats.org/presentationml/2006/main">
+  <p:cSld>
+    <p:spTree>
+      <p:nvGrpSpPr>
+        <p:cNvPr id="1" name=""/>
+        <p:cNvGrpSpPr/>
+        <p:nvPr/>
+      </p:nvGrpSpPr>
+      <p:grpSpPr>
+        <a:xfrm>
+          <a:off x="0" y="0"/>
+          <a:ext cx="0" cy="0"/>
+          <a:chOff x="0" y="0"/>
+          <a:chExt cx="0" cy="0"/>
+        </a:xfrm>
+      </p:grpSpPr>
+      <p:sp>
+        <p:nvSpPr>
+          <p:cNvPr id="2" name="Title 1"/>
+          <p:cNvSpPr>
+            <a:spLocks noGrp="1"/>
+          </p:cNvSpPr>
+          <p:nvPr>
+            <p:ph type="title"/>
+          </p:nvPr>
+        </p:nvSpPr>
+        <p:spPr>
+          <a:xfrm>
+            <a:off x="457200" y="274638"/>
+            <a:ext cx="8229600" cy="563562"/>
+          </a:xfrm>
+        </p:spPr>
+        <p:txBody>
+          <a:bodyPr>
+            <a:noAutofit/>
+          </a:bodyPr>
+          <a:lstStyle/>
+          <a:p>
+            <a:r>
+              <a:rPr lang="en-US" sz="4800" dirty="0" smtClean="0"/>
+              <a:t>History</a:t>
+            </a:r>
+            <a:endParaRPr lang="en-US" sz="4800" dirty="0"/>
+          </a:p>
+        </p:txBody>
+      </p:sp>
+      <p:sp>
+        <p:nvSpPr>
+          <p:cNvPr id="3" name="Content Placeholder 2"/>
+          <p:cNvSpPr>
+            <a:spLocks noGrp="1"/>
+          </p:cNvSpPr>
+          <p:nvPr>
+            <p:ph idx="1"/>
+          </p:nvPr>
+        </p:nvSpPr>
+        <p:spPr/>
+        <p:txBody>
+          <a:bodyPr>
+            <a:normAutofit/>
+          </a:bodyPr>
+          <a:lstStyle/>
+          <a:p>
+            <a:r>
+              <a:rPr lang="en-US" dirty="0" smtClean="0"/>
+              <a:t>1993: Erlang book allowed to be published</a:t>
+            </a:r>
+          </a:p>
+          <a:p>
+            <a:r>
+              <a:rPr lang="en-US" dirty="0" smtClean="0"/>
+              <a:t>1993: BEAM Compiler</a:t>
+            </a:r>
+          </a:p>
+          <a:p>
+            <a:r>
+              <a:rPr lang="en-US" dirty="0" smtClean="0"/>
+              <a:t>1995: </a:t>
+            </a:r>
+            <a:r>
+              <a:rPr lang="en-US" smtClean="0"/>
+              <a:t>Distributed Erlang</a:t>
+            </a:r>
+            <a:endParaRPr lang="en-US" dirty="0" smtClean="0"/>
+          </a:p>
+        </p:txBody>
+      </p:sp>
+      <p:sp>
+        <p:nvSpPr>
+          <p:cNvPr id="4" name="Title 1"/>
+          <p:cNvSpPr txBox="1">
+            <a:spLocks/>
+          </p:cNvSpPr>
+          <p:nvPr/>
+        </p:nvSpPr>
+        <p:spPr>
+          <a:xfrm>
+            <a:off x="457200" y="914400"/>
+            <a:ext cx="8229600" cy="457200"/>
+          </a:xfrm>
+          <a:prstGeom prst="rect">
+            <a:avLst/>
+          </a:prstGeom>
+        </p:spPr>
+        <p:txBody>
+          <a:bodyPr vert="horz" lIns="91440" tIns="45720" rIns="91440" bIns="45720" rtlCol="0" anchor="ctr">
+            <a:noAutofit/>
+          </a:bodyPr>
+          <a:lstStyle>
+            <a:lvl1pPr algn="ctr" defTabSz="914400" rtl="0" eaLnBrk="1" latinLnBrk="0" hangingPunct="1">
+              <a:spcBef>
+                <a:spcPct val="0"/>
+              </a:spcBef>
+              <a:buNone/>
+              <a:defRPr sz="4400" kern="1200">
+                <a:solidFill>
+                  <a:schemeClr val="tx1"/>
+                </a:solidFill>
+                <a:latin typeface="+mj-lt"/>
+                <a:ea typeface="+mj-ea"/>
+                <a:cs typeface="+mj-cs"/>
+              </a:defRPr>
+            </a:lvl1pPr>
+          </a:lstStyle>
+          <a:p>
+            <a:pPr algn="l"/>
+            <a:r>
+              <a:rPr lang="en-US" sz="3600" dirty="0" smtClean="0"/>
+              <a:t>Moments</a:t>
+            </a:r>
+            <a:endParaRPr lang="en-US" sz="3600" dirty="0"/>
+          </a:p>
+        </p:txBody>
+      </p:sp>
+    </p:spTree>
+    <p:extLst>
+      <p:ext uri="{BB962C8B-B14F-4D97-AF65-F5344CB8AC3E}">
+        <p14:creationId xmlns:p14="http://schemas.microsoft.com/office/powerpoint/2010/main" val="3527982412"/>
       </p:ext>
     </p:extLst>
   </p:cSld>
@@ -3520,4 +5992,289 @@
   <a:objectDefaults/>
   <a:extraClrSchemeLst/>
 </a:theme>
+</file>
+
+<file path=ppt/theme/theme2.xml><?xml version="1.0" encoding="utf-8"?>
+<a:theme xmlns:a="http://schemas.openxmlformats.org/drawingml/2006/main" name="Office Theme">
+  <a:themeElements>
+    <a:clrScheme name="Office">
+      <a:dk1>
+        <a:sysClr val="windowText" lastClr="000000"/>
+      </a:dk1>
+      <a:lt1>
+        <a:sysClr val="window" lastClr="FFFFFF"/>
+      </a:lt1>
+      <a:dk2>
+        <a:srgbClr val="1F497D"/>
+      </a:dk2>
+      <a:lt2>
+        <a:srgbClr val="EEECE1"/>
+      </a:lt2>
+      <a:accent1>
+        <a:srgbClr val="4F81BD"/>
+      </a:accent1>
+      <a:accent2>
+        <a:srgbClr val="C0504D"/>
+      </a:accent2>
+      <a:accent3>
+        <a:srgbClr val="9BBB59"/>
+      </a:accent3>
+      <a:accent4>
+        <a:srgbClr val="8064A2"/>
+      </a:accent4>
+      <a:accent5>
+        <a:srgbClr val="4BACC6"/>
+      </a:accent5>
+      <a:accent6>
+        <a:srgbClr val="F79646"/>
+      </a:accent6>
+      <a:hlink>
+        <a:srgbClr val="0000FF"/>
+      </a:hlink>
+      <a:folHlink>
+        <a:srgbClr val="800080"/>
+      </a:folHlink>
+    </a:clrScheme>
+    <a:fontScheme name="Office">
+      <a:majorFont>
+        <a:latin typeface="Calibri"/>
+        <a:ea typeface=""/>
+        <a:cs typeface=""/>
+        <a:font script="Jpan" typeface="ＭＳ Ｐゴシック"/>
+        <a:font script="Hang" typeface="맑은 고딕"/>
+        <a:font script="Hans" typeface="宋体"/>
+        <a:font script="Hant" typeface="新細明體"/>
+        <a:font script="Arab" typeface="Times New Roman"/>
+        <a:font script="Hebr" typeface="Times New Roman"/>
+        <a:font script="Thai" typeface="Angsana New"/>
+        <a:font script="Ethi" typeface="Nyala"/>
+        <a:font script="Beng" typeface="Vrinda"/>
+        <a:font script="Gujr" typeface="Shruti"/>
+        <a:font script="Khmr" typeface="MoolBoran"/>
+        <a:font script="Knda" typeface="Tunga"/>
+        <a:font script="Guru" typeface="Raavi"/>
+        <a:font script="Cans" typeface="Euphemia"/>
+        <a:font script="Cher" typeface="Plantagenet Cherokee"/>
+        <a:font script="Yiii" typeface="Microsoft Yi Baiti"/>
+        <a:font script="Tibt" typeface="Microsoft Himalaya"/>
+        <a:font script="Thaa" typeface="MV Boli"/>
+        <a:font script="Deva" typeface="Mangal"/>
+        <a:font script="Telu" typeface="Gautami"/>
+        <a:font script="Taml" typeface="Latha"/>
+        <a:font script="Syrc" typeface="Estrangelo Edessa"/>
+        <a:font script="Orya" typeface="Kalinga"/>
+        <a:font script="Mlym" typeface="Kartika"/>
+        <a:font script="Laoo" typeface="DokChampa"/>
+        <a:font script="Sinh" typeface="Iskoola Pota"/>
+        <a:font script="Mong" typeface="Mongolian Baiti"/>
+        <a:font script="Viet" typeface="Times New Roman"/>
+        <a:font script="Uigh" typeface="Microsoft Uighur"/>
+        <a:font script="Geor" typeface="Sylfaen"/>
+      </a:majorFont>
+      <a:minorFont>
+        <a:latin typeface="Calibri"/>
+        <a:ea typeface=""/>
+        <a:cs typeface=""/>
+        <a:font script="Jpan" typeface="ＭＳ Ｐゴシック"/>
+        <a:font script="Hang" typeface="맑은 고딕"/>
+        <a:font script="Hans" typeface="宋体"/>
+        <a:font script="Hant" typeface="新細明體"/>
+        <a:font script="Arab" typeface="Arial"/>
+        <a:font script="Hebr" typeface="Arial"/>
+        <a:font script="Thai" typeface="Cordia New"/>
+        <a:font script="Ethi" typeface="Nyala"/>
+        <a:font script="Beng" typeface="Vrinda"/>
+        <a:font script="Gujr" typeface="Shruti"/>
+        <a:font script="Khmr" typeface="DaunPenh"/>
+        <a:font script="Knda" typeface="Tunga"/>
+        <a:font script="Guru" typeface="Raavi"/>
+        <a:font script="Cans" typeface="Euphemia"/>
+        <a:font script="Cher" typeface="Plantagenet Cherokee"/>
+        <a:font script="Yiii" typeface="Microsoft Yi Baiti"/>
+        <a:font script="Tibt" typeface="Microsoft Himalaya"/>
+        <a:font script="Thaa" typeface="MV Boli"/>
+        <a:font script="Deva" typeface="Mangal"/>
+        <a:font script="Telu" typeface="Gautami"/>
+        <a:font script="Taml" typeface="Latha"/>
+        <a:font script="Syrc" typeface="Estrangelo Edessa"/>
+        <a:font script="Orya" typeface="Kalinga"/>
+        <a:font script="Mlym" typeface="Kartika"/>
+        <a:font script="Laoo" typeface="DokChampa"/>
+        <a:font script="Sinh" typeface="Iskoola Pota"/>
+        <a:font script="Mong" typeface="Mongolian Baiti"/>
+        <a:font script="Viet" typeface="Arial"/>
+        <a:font script="Uigh" typeface="Microsoft Uighur"/>
+        <a:font script="Geor" typeface="Sylfaen"/>
+      </a:minorFont>
+    </a:fontScheme>
+    <a:fmtScheme name="Office">
+      <a:fillStyleLst>
+        <a:solidFill>
+          <a:schemeClr val="phClr"/>
+        </a:solidFill>
+        <a:gradFill rotWithShape="1">
+          <a:gsLst>
+            <a:gs pos="0">
+              <a:schemeClr val="phClr">
+                <a:tint val="50000"/>
+                <a:satMod val="300000"/>
+              </a:schemeClr>
+            </a:gs>
+            <a:gs pos="35000">
+              <a:schemeClr val="phClr">
+                <a:tint val="37000"/>
+                <a:satMod val="300000"/>
+              </a:schemeClr>
+            </a:gs>
+            <a:gs pos="100000">
+              <a:schemeClr val="phClr">
+                <a:tint val="15000"/>
+                <a:satMod val="350000"/>
+              </a:schemeClr>
+            </a:gs>
+          </a:gsLst>
+          <a:lin ang="16200000" scaled="1"/>
+        </a:gradFill>
+        <a:gradFill rotWithShape="1">
+          <a:gsLst>
+            <a:gs pos="0">
+              <a:schemeClr val="phClr">
+                <a:shade val="51000"/>
+                <a:satMod val="130000"/>
+              </a:schemeClr>
+            </a:gs>
+            <a:gs pos="80000">
+              <a:schemeClr val="phClr">
+                <a:shade val="93000"/>
+                <a:satMod val="130000"/>
+              </a:schemeClr>
+            </a:gs>
+            <a:gs pos="100000">
+              <a:schemeClr val="phClr">
+                <a:shade val="94000"/>
+                <a:satMod val="135000"/>
+              </a:schemeClr>
+            </a:gs>
+          </a:gsLst>
+          <a:lin ang="16200000" scaled="0"/>
+        </a:gradFill>
+      </a:fillStyleLst>
+      <a:lnStyleLst>
+        <a:ln w="9525" cap="flat" cmpd="sng" algn="ctr">
+          <a:solidFill>
+            <a:schemeClr val="phClr">
+              <a:shade val="95000"/>
+              <a:satMod val="105000"/>
+            </a:schemeClr>
+          </a:solidFill>
+          <a:prstDash val="solid"/>
+        </a:ln>
+        <a:ln w="25400" cap="flat" cmpd="sng" algn="ctr">
+          <a:solidFill>
+            <a:schemeClr val="phClr"/>
+          </a:solidFill>
+          <a:prstDash val="solid"/>
+        </a:ln>
+        <a:ln w="38100" cap="flat" cmpd="sng" algn="ctr">
+          <a:solidFill>
+            <a:schemeClr val="phClr"/>
+          </a:solidFill>
+          <a:prstDash val="solid"/>
+        </a:ln>
+      </a:lnStyleLst>
+      <a:effectStyleLst>
+        <a:effectStyle>
+          <a:effectLst>
+            <a:outerShdw blurRad="40000" dist="20000" dir="5400000" rotWithShape="0">
+              <a:srgbClr val="000000">
+                <a:alpha val="38000"/>
+              </a:srgbClr>
+            </a:outerShdw>
+          </a:effectLst>
+        </a:effectStyle>
+        <a:effectStyle>
+          <a:effectLst>
+            <a:outerShdw blurRad="40000" dist="23000" dir="5400000" rotWithShape="0">
+              <a:srgbClr val="000000">
+                <a:alpha val="35000"/>
+              </a:srgbClr>
+            </a:outerShdw>
+          </a:effectLst>
+        </a:effectStyle>
+        <a:effectStyle>
+          <a:effectLst>
+            <a:outerShdw blurRad="40000" dist="23000" dir="5400000" rotWithShape="0">
+              <a:srgbClr val="000000">
+                <a:alpha val="35000"/>
+              </a:srgbClr>
+            </a:outerShdw>
+          </a:effectLst>
+          <a:scene3d>
+            <a:camera prst="orthographicFront">
+              <a:rot lat="0" lon="0" rev="0"/>
+            </a:camera>
+            <a:lightRig rig="threePt" dir="t">
+              <a:rot lat="0" lon="0" rev="1200000"/>
+            </a:lightRig>
+          </a:scene3d>
+          <a:sp3d>
+            <a:bevelT w="63500" h="25400"/>
+          </a:sp3d>
+        </a:effectStyle>
+      </a:effectStyleLst>
+      <a:bgFillStyleLst>
+        <a:solidFill>
+          <a:schemeClr val="phClr"/>
+        </a:solidFill>
+        <a:gradFill rotWithShape="1">
+          <a:gsLst>
+            <a:gs pos="0">
+              <a:schemeClr val="phClr">
+                <a:tint val="40000"/>
+                <a:satMod val="350000"/>
+              </a:schemeClr>
+            </a:gs>
+            <a:gs pos="40000">
+              <a:schemeClr val="phClr">
+                <a:tint val="45000"/>
+                <a:shade val="99000"/>
+                <a:satMod val="350000"/>
+              </a:schemeClr>
+            </a:gs>
+            <a:gs pos="100000">
+              <a:schemeClr val="phClr">
+                <a:shade val="20000"/>
+                <a:satMod val="255000"/>
+              </a:schemeClr>
+            </a:gs>
+          </a:gsLst>
+          <a:path path="circle">
+            <a:fillToRect l="50000" t="-80000" r="50000" b="180000"/>
+          </a:path>
+        </a:gradFill>
+        <a:gradFill rotWithShape="1">
+          <a:gsLst>
+            <a:gs pos="0">
+              <a:schemeClr val="phClr">
+                <a:tint val="80000"/>
+                <a:satMod val="300000"/>
+              </a:schemeClr>
+            </a:gs>
+            <a:gs pos="100000">
+              <a:schemeClr val="phClr">
+                <a:shade val="30000"/>
+                <a:satMod val="200000"/>
+              </a:schemeClr>
+            </a:gs>
+          </a:gsLst>
+          <a:path path="circle">
+            <a:fillToRect l="50000" t="50000" r="50000" b="50000"/>
+          </a:path>
+        </a:gradFill>
+      </a:bgFillStyleLst>
+    </a:fmtScheme>
+  </a:themeElements>
+  <a:objectDefaults/>
+  <a:extraClrSchemeLst/>
+</a:theme>
 </file>
--- a/teamProj/slides.pptx
+++ b/teamProj/slides.pptx
@@ -5,7 +5,7 @@
     <p:sldMasterId id="2147483648" r:id="rId1"/>
   </p:sldMasterIdLst>
   <p:notesMasterIdLst>
-    <p:notesMasterId r:id="rId11"/>
+    <p:notesMasterId r:id="rId26"/>
   </p:notesMasterIdLst>
   <p:sldIdLst>
     <p:sldId id="256" r:id="rId2"/>
@@ -17,6 +17,21 @@
     <p:sldId id="263" r:id="rId8"/>
     <p:sldId id="264" r:id="rId9"/>
     <p:sldId id="265" r:id="rId10"/>
+    <p:sldId id="267" r:id="rId11"/>
+    <p:sldId id="269" r:id="rId12"/>
+    <p:sldId id="268" r:id="rId13"/>
+    <p:sldId id="270" r:id="rId14"/>
+    <p:sldId id="271" r:id="rId15"/>
+    <p:sldId id="273" r:id="rId16"/>
+    <p:sldId id="274" r:id="rId17"/>
+    <p:sldId id="275" r:id="rId18"/>
+    <p:sldId id="276" r:id="rId19"/>
+    <p:sldId id="277" r:id="rId20"/>
+    <p:sldId id="279" r:id="rId21"/>
+    <p:sldId id="280" r:id="rId22"/>
+    <p:sldId id="278" r:id="rId23"/>
+    <p:sldId id="281" r:id="rId24"/>
+    <p:sldId id="282" r:id="rId25"/>
   </p:sldIdLst>
   <p:sldSz cx="9144000" cy="6858000" type="screen4x3"/>
   <p:notesSz cx="6858000" cy="9144000"/>
@@ -200,7 +215,7 @@
           <a:p>
             <a:fld id="{75862928-B471-4252-8FDB-190DFBD60404}" type="datetimeFigureOut">
               <a:rPr lang="en-US" smtClean="0"/>
-              <a:t>4/16/2018</a:t>
+              <a:t>4/21/2018</a:t>
             </a:fld>
             <a:endParaRPr lang="en-US"/>
           </a:p>
@@ -711,6 +726,890 @@
 </p:notes>
 </file>
 
+<file path=ppt/notesSlides/notesSlide10.xml><?xml version="1.0" encoding="utf-8"?>
+<p:notes xmlns:a="http://schemas.openxmlformats.org/drawingml/2006/main" xmlns:r="http://schemas.openxmlformats.org/officeDocument/2006/relationships" xmlns:p="http://schemas.openxmlformats.org/presentationml/2006/main">
+  <p:cSld>
+    <p:spTree>
+      <p:nvGrpSpPr>
+        <p:cNvPr id="1" name=""/>
+        <p:cNvGrpSpPr/>
+        <p:nvPr/>
+      </p:nvGrpSpPr>
+      <p:grpSpPr>
+        <a:xfrm>
+          <a:off x="0" y="0"/>
+          <a:ext cx="0" cy="0"/>
+          <a:chOff x="0" y="0"/>
+          <a:chExt cx="0" cy="0"/>
+        </a:xfrm>
+      </p:grpSpPr>
+      <p:sp>
+        <p:nvSpPr>
+          <p:cNvPr id="2" name="Slide Image Placeholder 1"/>
+          <p:cNvSpPr>
+            <a:spLocks noGrp="1" noRot="1" noChangeAspect="1"/>
+          </p:cNvSpPr>
+          <p:nvPr>
+            <p:ph type="sldImg"/>
+          </p:nvPr>
+        </p:nvSpPr>
+        <p:spPr/>
+      </p:sp>
+      <p:sp>
+        <p:nvSpPr>
+          <p:cNvPr id="3" name="Notes Placeholder 2"/>
+          <p:cNvSpPr>
+            <a:spLocks noGrp="1"/>
+          </p:cNvSpPr>
+          <p:nvPr>
+            <p:ph type="body" idx="1"/>
+          </p:nvPr>
+        </p:nvSpPr>
+        <p:spPr/>
+        <p:txBody>
+          <a:bodyPr/>
+          <a:lstStyle/>
+          <a:p>
+            <a:pPr marL="0" indent="0">
+              <a:buFontTx/>
+              <a:buNone/>
+            </a:pPr>
+            <a:r>
+              <a:rPr lang="en-US" baseline="0" dirty="0" smtClean="0"/>
+              <a:t>- Note the absence of strings</a:t>
+            </a:r>
+            <a:endParaRPr lang="en-US" baseline="0" dirty="0" smtClean="0"/>
+          </a:p>
+        </p:txBody>
+      </p:sp>
+      <p:sp>
+        <p:nvSpPr>
+          <p:cNvPr id="4" name="Slide Number Placeholder 3"/>
+          <p:cNvSpPr>
+            <a:spLocks noGrp="1"/>
+          </p:cNvSpPr>
+          <p:nvPr>
+            <p:ph type="sldNum" sz="quarter" idx="10"/>
+          </p:nvPr>
+        </p:nvSpPr>
+        <p:spPr/>
+        <p:txBody>
+          <a:bodyPr/>
+          <a:lstStyle/>
+          <a:p>
+            <a:fld id="{48F5F6DF-9BE4-4641-AC70-C633D8EF56D7}" type="slidenum">
+              <a:rPr lang="en-US" smtClean="0"/>
+              <a:t>14</a:t>
+            </a:fld>
+            <a:endParaRPr lang="en-US"/>
+          </a:p>
+        </p:txBody>
+      </p:sp>
+    </p:spTree>
+    <p:extLst>
+      <p:ext uri="{BB962C8B-B14F-4D97-AF65-F5344CB8AC3E}">
+        <p14:creationId xmlns:p14="http://schemas.microsoft.com/office/powerpoint/2010/main" val="3050551614"/>
+      </p:ext>
+    </p:extLst>
+  </p:cSld>
+  <p:clrMapOvr>
+    <a:masterClrMapping/>
+  </p:clrMapOvr>
+</p:notes>
+</file>
+
+<file path=ppt/notesSlides/notesSlide11.xml><?xml version="1.0" encoding="utf-8"?>
+<p:notes xmlns:a="http://schemas.openxmlformats.org/drawingml/2006/main" xmlns:r="http://schemas.openxmlformats.org/officeDocument/2006/relationships" xmlns:p="http://schemas.openxmlformats.org/presentationml/2006/main">
+  <p:cSld>
+    <p:spTree>
+      <p:nvGrpSpPr>
+        <p:cNvPr id="1" name=""/>
+        <p:cNvGrpSpPr/>
+        <p:nvPr/>
+      </p:nvGrpSpPr>
+      <p:grpSpPr>
+        <a:xfrm>
+          <a:off x="0" y="0"/>
+          <a:ext cx="0" cy="0"/>
+          <a:chOff x="0" y="0"/>
+          <a:chExt cx="0" cy="0"/>
+        </a:xfrm>
+      </p:grpSpPr>
+      <p:sp>
+        <p:nvSpPr>
+          <p:cNvPr id="2" name="Slide Image Placeholder 1"/>
+          <p:cNvSpPr>
+            <a:spLocks noGrp="1" noRot="1" noChangeAspect="1"/>
+          </p:cNvSpPr>
+          <p:nvPr>
+            <p:ph type="sldImg"/>
+          </p:nvPr>
+        </p:nvSpPr>
+        <p:spPr/>
+      </p:sp>
+      <p:sp>
+        <p:nvSpPr>
+          <p:cNvPr id="3" name="Notes Placeholder 2"/>
+          <p:cNvSpPr>
+            <a:spLocks noGrp="1"/>
+          </p:cNvSpPr>
+          <p:nvPr>
+            <p:ph type="body" idx="1"/>
+          </p:nvPr>
+        </p:nvSpPr>
+        <p:spPr/>
+        <p:txBody>
+          <a:bodyPr/>
+          <a:lstStyle/>
+          <a:p>
+            <a:pPr marL="0" indent="0">
+              <a:buFontTx/>
+              <a:buNone/>
+            </a:pPr>
+            <a:endParaRPr lang="en-US" baseline="0" dirty="0" smtClean="0"/>
+          </a:p>
+        </p:txBody>
+      </p:sp>
+      <p:sp>
+        <p:nvSpPr>
+          <p:cNvPr id="4" name="Slide Number Placeholder 3"/>
+          <p:cNvSpPr>
+            <a:spLocks noGrp="1"/>
+          </p:cNvSpPr>
+          <p:nvPr>
+            <p:ph type="sldNum" sz="quarter" idx="10"/>
+          </p:nvPr>
+        </p:nvSpPr>
+        <p:spPr/>
+        <p:txBody>
+          <a:bodyPr/>
+          <a:lstStyle/>
+          <a:p>
+            <a:fld id="{48F5F6DF-9BE4-4641-AC70-C633D8EF56D7}" type="slidenum">
+              <a:rPr lang="en-US" smtClean="0"/>
+              <a:t>15</a:t>
+            </a:fld>
+            <a:endParaRPr lang="en-US"/>
+          </a:p>
+        </p:txBody>
+      </p:sp>
+    </p:spTree>
+    <p:extLst>
+      <p:ext uri="{BB962C8B-B14F-4D97-AF65-F5344CB8AC3E}">
+        <p14:creationId xmlns:p14="http://schemas.microsoft.com/office/powerpoint/2010/main" val="3050551614"/>
+      </p:ext>
+    </p:extLst>
+  </p:cSld>
+  <p:clrMapOvr>
+    <a:masterClrMapping/>
+  </p:clrMapOvr>
+</p:notes>
+</file>
+
+<file path=ppt/notesSlides/notesSlide12.xml><?xml version="1.0" encoding="utf-8"?>
+<p:notes xmlns:a="http://schemas.openxmlformats.org/drawingml/2006/main" xmlns:r="http://schemas.openxmlformats.org/officeDocument/2006/relationships" xmlns:p="http://schemas.openxmlformats.org/presentationml/2006/main">
+  <p:cSld>
+    <p:spTree>
+      <p:nvGrpSpPr>
+        <p:cNvPr id="1" name=""/>
+        <p:cNvGrpSpPr/>
+        <p:nvPr/>
+      </p:nvGrpSpPr>
+      <p:grpSpPr>
+        <a:xfrm>
+          <a:off x="0" y="0"/>
+          <a:ext cx="0" cy="0"/>
+          <a:chOff x="0" y="0"/>
+          <a:chExt cx="0" cy="0"/>
+        </a:xfrm>
+      </p:grpSpPr>
+      <p:sp>
+        <p:nvSpPr>
+          <p:cNvPr id="2" name="Slide Image Placeholder 1"/>
+          <p:cNvSpPr>
+            <a:spLocks noGrp="1" noRot="1" noChangeAspect="1"/>
+          </p:cNvSpPr>
+          <p:nvPr>
+            <p:ph type="sldImg"/>
+          </p:nvPr>
+        </p:nvSpPr>
+        <p:spPr/>
+      </p:sp>
+      <p:sp>
+        <p:nvSpPr>
+          <p:cNvPr id="3" name="Notes Placeholder 2"/>
+          <p:cNvSpPr>
+            <a:spLocks noGrp="1"/>
+          </p:cNvSpPr>
+          <p:nvPr>
+            <p:ph type="body" idx="1"/>
+          </p:nvPr>
+        </p:nvSpPr>
+        <p:spPr/>
+        <p:txBody>
+          <a:bodyPr/>
+          <a:lstStyle/>
+          <a:p>
+            <a:pPr marL="0" indent="0">
+              <a:buFontTx/>
+              <a:buNone/>
+            </a:pPr>
+            <a:endParaRPr lang="en-US" baseline="0" dirty="0" smtClean="0"/>
+          </a:p>
+        </p:txBody>
+      </p:sp>
+      <p:sp>
+        <p:nvSpPr>
+          <p:cNvPr id="4" name="Slide Number Placeholder 3"/>
+          <p:cNvSpPr>
+            <a:spLocks noGrp="1"/>
+          </p:cNvSpPr>
+          <p:nvPr>
+            <p:ph type="sldNum" sz="quarter" idx="10"/>
+          </p:nvPr>
+        </p:nvSpPr>
+        <p:spPr/>
+        <p:txBody>
+          <a:bodyPr/>
+          <a:lstStyle/>
+          <a:p>
+            <a:fld id="{48F5F6DF-9BE4-4641-AC70-C633D8EF56D7}" type="slidenum">
+              <a:rPr lang="en-US" smtClean="0"/>
+              <a:t>16</a:t>
+            </a:fld>
+            <a:endParaRPr lang="en-US"/>
+          </a:p>
+        </p:txBody>
+      </p:sp>
+    </p:spTree>
+    <p:extLst>
+      <p:ext uri="{BB962C8B-B14F-4D97-AF65-F5344CB8AC3E}">
+        <p14:creationId xmlns:p14="http://schemas.microsoft.com/office/powerpoint/2010/main" val="3050551614"/>
+      </p:ext>
+    </p:extLst>
+  </p:cSld>
+  <p:clrMapOvr>
+    <a:masterClrMapping/>
+  </p:clrMapOvr>
+</p:notes>
+</file>
+
+<file path=ppt/notesSlides/notesSlide13.xml><?xml version="1.0" encoding="utf-8"?>
+<p:notes xmlns:a="http://schemas.openxmlformats.org/drawingml/2006/main" xmlns:r="http://schemas.openxmlformats.org/officeDocument/2006/relationships" xmlns:p="http://schemas.openxmlformats.org/presentationml/2006/main">
+  <p:cSld>
+    <p:spTree>
+      <p:nvGrpSpPr>
+        <p:cNvPr id="1" name=""/>
+        <p:cNvGrpSpPr/>
+        <p:nvPr/>
+      </p:nvGrpSpPr>
+      <p:grpSpPr>
+        <a:xfrm>
+          <a:off x="0" y="0"/>
+          <a:ext cx="0" cy="0"/>
+          <a:chOff x="0" y="0"/>
+          <a:chExt cx="0" cy="0"/>
+        </a:xfrm>
+      </p:grpSpPr>
+      <p:sp>
+        <p:nvSpPr>
+          <p:cNvPr id="2" name="Slide Image Placeholder 1"/>
+          <p:cNvSpPr>
+            <a:spLocks noGrp="1" noRot="1" noChangeAspect="1"/>
+          </p:cNvSpPr>
+          <p:nvPr>
+            <p:ph type="sldImg"/>
+          </p:nvPr>
+        </p:nvSpPr>
+        <p:spPr/>
+      </p:sp>
+      <p:sp>
+        <p:nvSpPr>
+          <p:cNvPr id="3" name="Notes Placeholder 2"/>
+          <p:cNvSpPr>
+            <a:spLocks noGrp="1"/>
+          </p:cNvSpPr>
+          <p:nvPr>
+            <p:ph type="body" idx="1"/>
+          </p:nvPr>
+        </p:nvSpPr>
+        <p:spPr/>
+        <p:txBody>
+          <a:bodyPr/>
+          <a:lstStyle/>
+          <a:p>
+            <a:pPr marL="0" indent="0">
+              <a:buFontTx/>
+              <a:buNone/>
+            </a:pPr>
+            <a:endParaRPr lang="en-US" baseline="0" dirty="0" smtClean="0"/>
+          </a:p>
+        </p:txBody>
+      </p:sp>
+      <p:sp>
+        <p:nvSpPr>
+          <p:cNvPr id="4" name="Slide Number Placeholder 3"/>
+          <p:cNvSpPr>
+            <a:spLocks noGrp="1"/>
+          </p:cNvSpPr>
+          <p:nvPr>
+            <p:ph type="sldNum" sz="quarter" idx="10"/>
+          </p:nvPr>
+        </p:nvSpPr>
+        <p:spPr/>
+        <p:txBody>
+          <a:bodyPr/>
+          <a:lstStyle/>
+          <a:p>
+            <a:fld id="{48F5F6DF-9BE4-4641-AC70-C633D8EF56D7}" type="slidenum">
+              <a:rPr lang="en-US" smtClean="0"/>
+              <a:t>17</a:t>
+            </a:fld>
+            <a:endParaRPr lang="en-US"/>
+          </a:p>
+        </p:txBody>
+      </p:sp>
+    </p:spTree>
+    <p:extLst>
+      <p:ext uri="{BB962C8B-B14F-4D97-AF65-F5344CB8AC3E}">
+        <p14:creationId xmlns:p14="http://schemas.microsoft.com/office/powerpoint/2010/main" val="3050551614"/>
+      </p:ext>
+    </p:extLst>
+  </p:cSld>
+  <p:clrMapOvr>
+    <a:masterClrMapping/>
+  </p:clrMapOvr>
+</p:notes>
+</file>
+
+<file path=ppt/notesSlides/notesSlide14.xml><?xml version="1.0" encoding="utf-8"?>
+<p:notes xmlns:a="http://schemas.openxmlformats.org/drawingml/2006/main" xmlns:r="http://schemas.openxmlformats.org/officeDocument/2006/relationships" xmlns:p="http://schemas.openxmlformats.org/presentationml/2006/main">
+  <p:cSld>
+    <p:spTree>
+      <p:nvGrpSpPr>
+        <p:cNvPr id="1" name=""/>
+        <p:cNvGrpSpPr/>
+        <p:nvPr/>
+      </p:nvGrpSpPr>
+      <p:grpSpPr>
+        <a:xfrm>
+          <a:off x="0" y="0"/>
+          <a:ext cx="0" cy="0"/>
+          <a:chOff x="0" y="0"/>
+          <a:chExt cx="0" cy="0"/>
+        </a:xfrm>
+      </p:grpSpPr>
+      <p:sp>
+        <p:nvSpPr>
+          <p:cNvPr id="2" name="Slide Image Placeholder 1"/>
+          <p:cNvSpPr>
+            <a:spLocks noGrp="1" noRot="1" noChangeAspect="1"/>
+          </p:cNvSpPr>
+          <p:nvPr>
+            <p:ph type="sldImg"/>
+          </p:nvPr>
+        </p:nvSpPr>
+        <p:spPr/>
+      </p:sp>
+      <p:sp>
+        <p:nvSpPr>
+          <p:cNvPr id="3" name="Notes Placeholder 2"/>
+          <p:cNvSpPr>
+            <a:spLocks noGrp="1"/>
+          </p:cNvSpPr>
+          <p:nvPr>
+            <p:ph type="body" idx="1"/>
+          </p:nvPr>
+        </p:nvSpPr>
+        <p:spPr/>
+        <p:txBody>
+          <a:bodyPr/>
+          <a:lstStyle/>
+          <a:p>
+            <a:pPr marL="0" indent="0">
+              <a:buFontTx/>
+              <a:buNone/>
+            </a:pPr>
+            <a:endParaRPr lang="en-US" baseline="0" dirty="0" smtClean="0"/>
+          </a:p>
+        </p:txBody>
+      </p:sp>
+      <p:sp>
+        <p:nvSpPr>
+          <p:cNvPr id="4" name="Slide Number Placeholder 3"/>
+          <p:cNvSpPr>
+            <a:spLocks noGrp="1"/>
+          </p:cNvSpPr>
+          <p:nvPr>
+            <p:ph type="sldNum" sz="quarter" idx="10"/>
+          </p:nvPr>
+        </p:nvSpPr>
+        <p:spPr/>
+        <p:txBody>
+          <a:bodyPr/>
+          <a:lstStyle/>
+          <a:p>
+            <a:fld id="{48F5F6DF-9BE4-4641-AC70-C633D8EF56D7}" type="slidenum">
+              <a:rPr lang="en-US" smtClean="0"/>
+              <a:t>18</a:t>
+            </a:fld>
+            <a:endParaRPr lang="en-US"/>
+          </a:p>
+        </p:txBody>
+      </p:sp>
+    </p:spTree>
+    <p:extLst>
+      <p:ext uri="{BB962C8B-B14F-4D97-AF65-F5344CB8AC3E}">
+        <p14:creationId xmlns:p14="http://schemas.microsoft.com/office/powerpoint/2010/main" val="3050551614"/>
+      </p:ext>
+    </p:extLst>
+  </p:cSld>
+  <p:clrMapOvr>
+    <a:masterClrMapping/>
+  </p:clrMapOvr>
+</p:notes>
+</file>
+
+<file path=ppt/notesSlides/notesSlide15.xml><?xml version="1.0" encoding="utf-8"?>
+<p:notes xmlns:a="http://schemas.openxmlformats.org/drawingml/2006/main" xmlns:r="http://schemas.openxmlformats.org/officeDocument/2006/relationships" xmlns:p="http://schemas.openxmlformats.org/presentationml/2006/main">
+  <p:cSld>
+    <p:spTree>
+      <p:nvGrpSpPr>
+        <p:cNvPr id="1" name=""/>
+        <p:cNvGrpSpPr/>
+        <p:nvPr/>
+      </p:nvGrpSpPr>
+      <p:grpSpPr>
+        <a:xfrm>
+          <a:off x="0" y="0"/>
+          <a:ext cx="0" cy="0"/>
+          <a:chOff x="0" y="0"/>
+          <a:chExt cx="0" cy="0"/>
+        </a:xfrm>
+      </p:grpSpPr>
+      <p:sp>
+        <p:nvSpPr>
+          <p:cNvPr id="2" name="Slide Image Placeholder 1"/>
+          <p:cNvSpPr>
+            <a:spLocks noGrp="1" noRot="1" noChangeAspect="1"/>
+          </p:cNvSpPr>
+          <p:nvPr>
+            <p:ph type="sldImg"/>
+          </p:nvPr>
+        </p:nvSpPr>
+        <p:spPr/>
+      </p:sp>
+      <p:sp>
+        <p:nvSpPr>
+          <p:cNvPr id="3" name="Notes Placeholder 2"/>
+          <p:cNvSpPr>
+            <a:spLocks noGrp="1"/>
+          </p:cNvSpPr>
+          <p:nvPr>
+            <p:ph type="body" idx="1"/>
+          </p:nvPr>
+        </p:nvSpPr>
+        <p:spPr/>
+        <p:txBody>
+          <a:bodyPr/>
+          <a:lstStyle/>
+          <a:p>
+            <a:pPr marL="0" indent="0">
+              <a:buFontTx/>
+              <a:buNone/>
+            </a:pPr>
+            <a:endParaRPr lang="en-US" baseline="0" dirty="0" smtClean="0"/>
+          </a:p>
+        </p:txBody>
+      </p:sp>
+      <p:sp>
+        <p:nvSpPr>
+          <p:cNvPr id="4" name="Slide Number Placeholder 3"/>
+          <p:cNvSpPr>
+            <a:spLocks noGrp="1"/>
+          </p:cNvSpPr>
+          <p:nvPr>
+            <p:ph type="sldNum" sz="quarter" idx="10"/>
+          </p:nvPr>
+        </p:nvSpPr>
+        <p:spPr/>
+        <p:txBody>
+          <a:bodyPr/>
+          <a:lstStyle/>
+          <a:p>
+            <a:fld id="{48F5F6DF-9BE4-4641-AC70-C633D8EF56D7}" type="slidenum">
+              <a:rPr lang="en-US" smtClean="0"/>
+              <a:t>19</a:t>
+            </a:fld>
+            <a:endParaRPr lang="en-US"/>
+          </a:p>
+        </p:txBody>
+      </p:sp>
+    </p:spTree>
+    <p:extLst>
+      <p:ext uri="{BB962C8B-B14F-4D97-AF65-F5344CB8AC3E}">
+        <p14:creationId xmlns:p14="http://schemas.microsoft.com/office/powerpoint/2010/main" val="3050551614"/>
+      </p:ext>
+    </p:extLst>
+  </p:cSld>
+  <p:clrMapOvr>
+    <a:masterClrMapping/>
+  </p:clrMapOvr>
+</p:notes>
+</file>
+
+<file path=ppt/notesSlides/notesSlide16.xml><?xml version="1.0" encoding="utf-8"?>
+<p:notes xmlns:a="http://schemas.openxmlformats.org/drawingml/2006/main" xmlns:r="http://schemas.openxmlformats.org/officeDocument/2006/relationships" xmlns:p="http://schemas.openxmlformats.org/presentationml/2006/main">
+  <p:cSld>
+    <p:spTree>
+      <p:nvGrpSpPr>
+        <p:cNvPr id="1" name=""/>
+        <p:cNvGrpSpPr/>
+        <p:nvPr/>
+      </p:nvGrpSpPr>
+      <p:grpSpPr>
+        <a:xfrm>
+          <a:off x="0" y="0"/>
+          <a:ext cx="0" cy="0"/>
+          <a:chOff x="0" y="0"/>
+          <a:chExt cx="0" cy="0"/>
+        </a:xfrm>
+      </p:grpSpPr>
+      <p:sp>
+        <p:nvSpPr>
+          <p:cNvPr id="2" name="Slide Image Placeholder 1"/>
+          <p:cNvSpPr>
+            <a:spLocks noGrp="1" noRot="1" noChangeAspect="1"/>
+          </p:cNvSpPr>
+          <p:nvPr>
+            <p:ph type="sldImg"/>
+          </p:nvPr>
+        </p:nvSpPr>
+        <p:spPr/>
+      </p:sp>
+      <p:sp>
+        <p:nvSpPr>
+          <p:cNvPr id="3" name="Notes Placeholder 2"/>
+          <p:cNvSpPr>
+            <a:spLocks noGrp="1"/>
+          </p:cNvSpPr>
+          <p:nvPr>
+            <p:ph type="body" idx="1"/>
+          </p:nvPr>
+        </p:nvSpPr>
+        <p:spPr/>
+        <p:txBody>
+          <a:bodyPr/>
+          <a:lstStyle/>
+          <a:p>
+            <a:pPr marL="0" indent="0">
+              <a:buFontTx/>
+              <a:buNone/>
+            </a:pPr>
+            <a:endParaRPr lang="en-US" baseline="0" dirty="0" smtClean="0"/>
+          </a:p>
+        </p:txBody>
+      </p:sp>
+      <p:sp>
+        <p:nvSpPr>
+          <p:cNvPr id="4" name="Slide Number Placeholder 3"/>
+          <p:cNvSpPr>
+            <a:spLocks noGrp="1"/>
+          </p:cNvSpPr>
+          <p:nvPr>
+            <p:ph type="sldNum" sz="quarter" idx="10"/>
+          </p:nvPr>
+        </p:nvSpPr>
+        <p:spPr/>
+        <p:txBody>
+          <a:bodyPr/>
+          <a:lstStyle/>
+          <a:p>
+            <a:fld id="{48F5F6DF-9BE4-4641-AC70-C633D8EF56D7}" type="slidenum">
+              <a:rPr lang="en-US" smtClean="0"/>
+              <a:t>20</a:t>
+            </a:fld>
+            <a:endParaRPr lang="en-US"/>
+          </a:p>
+        </p:txBody>
+      </p:sp>
+    </p:spTree>
+    <p:extLst>
+      <p:ext uri="{BB962C8B-B14F-4D97-AF65-F5344CB8AC3E}">
+        <p14:creationId xmlns:p14="http://schemas.microsoft.com/office/powerpoint/2010/main" val="3050551614"/>
+      </p:ext>
+    </p:extLst>
+  </p:cSld>
+  <p:clrMapOvr>
+    <a:masterClrMapping/>
+  </p:clrMapOvr>
+</p:notes>
+</file>
+
+<file path=ppt/notesSlides/notesSlide17.xml><?xml version="1.0" encoding="utf-8"?>
+<p:notes xmlns:a="http://schemas.openxmlformats.org/drawingml/2006/main" xmlns:r="http://schemas.openxmlformats.org/officeDocument/2006/relationships" xmlns:p="http://schemas.openxmlformats.org/presentationml/2006/main">
+  <p:cSld>
+    <p:spTree>
+      <p:nvGrpSpPr>
+        <p:cNvPr id="1" name=""/>
+        <p:cNvGrpSpPr/>
+        <p:nvPr/>
+      </p:nvGrpSpPr>
+      <p:grpSpPr>
+        <a:xfrm>
+          <a:off x="0" y="0"/>
+          <a:ext cx="0" cy="0"/>
+          <a:chOff x="0" y="0"/>
+          <a:chExt cx="0" cy="0"/>
+        </a:xfrm>
+      </p:grpSpPr>
+      <p:sp>
+        <p:nvSpPr>
+          <p:cNvPr id="2" name="Slide Image Placeholder 1"/>
+          <p:cNvSpPr>
+            <a:spLocks noGrp="1" noRot="1" noChangeAspect="1"/>
+          </p:cNvSpPr>
+          <p:nvPr>
+            <p:ph type="sldImg"/>
+          </p:nvPr>
+        </p:nvSpPr>
+        <p:spPr/>
+      </p:sp>
+      <p:sp>
+        <p:nvSpPr>
+          <p:cNvPr id="3" name="Notes Placeholder 2"/>
+          <p:cNvSpPr>
+            <a:spLocks noGrp="1"/>
+          </p:cNvSpPr>
+          <p:nvPr>
+            <p:ph type="body" idx="1"/>
+          </p:nvPr>
+        </p:nvSpPr>
+        <p:spPr/>
+        <p:txBody>
+          <a:bodyPr/>
+          <a:lstStyle/>
+          <a:p>
+            <a:pPr marL="0" indent="0">
+              <a:buFontTx/>
+              <a:buNone/>
+            </a:pPr>
+            <a:endParaRPr lang="en-US" baseline="0" dirty="0" smtClean="0"/>
+          </a:p>
+        </p:txBody>
+      </p:sp>
+      <p:sp>
+        <p:nvSpPr>
+          <p:cNvPr id="4" name="Slide Number Placeholder 3"/>
+          <p:cNvSpPr>
+            <a:spLocks noGrp="1"/>
+          </p:cNvSpPr>
+          <p:nvPr>
+            <p:ph type="sldNum" sz="quarter" idx="10"/>
+          </p:nvPr>
+        </p:nvSpPr>
+        <p:spPr/>
+        <p:txBody>
+          <a:bodyPr/>
+          <a:lstStyle/>
+          <a:p>
+            <a:fld id="{48F5F6DF-9BE4-4641-AC70-C633D8EF56D7}" type="slidenum">
+              <a:rPr lang="en-US" smtClean="0"/>
+              <a:t>21</a:t>
+            </a:fld>
+            <a:endParaRPr lang="en-US"/>
+          </a:p>
+        </p:txBody>
+      </p:sp>
+    </p:spTree>
+    <p:extLst>
+      <p:ext uri="{BB962C8B-B14F-4D97-AF65-F5344CB8AC3E}">
+        <p14:creationId xmlns:p14="http://schemas.microsoft.com/office/powerpoint/2010/main" val="3050551614"/>
+      </p:ext>
+    </p:extLst>
+  </p:cSld>
+  <p:clrMapOvr>
+    <a:masterClrMapping/>
+  </p:clrMapOvr>
+</p:notes>
+</file>
+
+<file path=ppt/notesSlides/notesSlide18.xml><?xml version="1.0" encoding="utf-8"?>
+<p:notes xmlns:a="http://schemas.openxmlformats.org/drawingml/2006/main" xmlns:r="http://schemas.openxmlformats.org/officeDocument/2006/relationships" xmlns:p="http://schemas.openxmlformats.org/presentationml/2006/main">
+  <p:cSld>
+    <p:spTree>
+      <p:nvGrpSpPr>
+        <p:cNvPr id="1" name=""/>
+        <p:cNvGrpSpPr/>
+        <p:nvPr/>
+      </p:nvGrpSpPr>
+      <p:grpSpPr>
+        <a:xfrm>
+          <a:off x="0" y="0"/>
+          <a:ext cx="0" cy="0"/>
+          <a:chOff x="0" y="0"/>
+          <a:chExt cx="0" cy="0"/>
+        </a:xfrm>
+      </p:grpSpPr>
+      <p:sp>
+        <p:nvSpPr>
+          <p:cNvPr id="2" name="Slide Image Placeholder 1"/>
+          <p:cNvSpPr>
+            <a:spLocks noGrp="1" noRot="1" noChangeAspect="1"/>
+          </p:cNvSpPr>
+          <p:nvPr>
+            <p:ph type="sldImg"/>
+          </p:nvPr>
+        </p:nvSpPr>
+        <p:spPr/>
+      </p:sp>
+      <p:sp>
+        <p:nvSpPr>
+          <p:cNvPr id="3" name="Notes Placeholder 2"/>
+          <p:cNvSpPr>
+            <a:spLocks noGrp="1"/>
+          </p:cNvSpPr>
+          <p:nvPr>
+            <p:ph type="body" idx="1"/>
+          </p:nvPr>
+        </p:nvSpPr>
+        <p:spPr/>
+        <p:txBody>
+          <a:bodyPr/>
+          <a:lstStyle/>
+          <a:p>
+            <a:pPr marL="0" indent="0">
+              <a:buFontTx/>
+              <a:buNone/>
+            </a:pPr>
+            <a:endParaRPr lang="en-US" baseline="0" dirty="0" smtClean="0"/>
+          </a:p>
+        </p:txBody>
+      </p:sp>
+      <p:sp>
+        <p:nvSpPr>
+          <p:cNvPr id="4" name="Slide Number Placeholder 3"/>
+          <p:cNvSpPr>
+            <a:spLocks noGrp="1"/>
+          </p:cNvSpPr>
+          <p:nvPr>
+            <p:ph type="sldNum" sz="quarter" idx="10"/>
+          </p:nvPr>
+        </p:nvSpPr>
+        <p:spPr/>
+        <p:txBody>
+          <a:bodyPr/>
+          <a:lstStyle/>
+          <a:p>
+            <a:fld id="{48F5F6DF-9BE4-4641-AC70-C633D8EF56D7}" type="slidenum">
+              <a:rPr lang="en-US" smtClean="0"/>
+              <a:t>22</a:t>
+            </a:fld>
+            <a:endParaRPr lang="en-US"/>
+          </a:p>
+        </p:txBody>
+      </p:sp>
+    </p:spTree>
+    <p:extLst>
+      <p:ext uri="{BB962C8B-B14F-4D97-AF65-F5344CB8AC3E}">
+        <p14:creationId xmlns:p14="http://schemas.microsoft.com/office/powerpoint/2010/main" val="3050551614"/>
+      </p:ext>
+    </p:extLst>
+  </p:cSld>
+  <p:clrMapOvr>
+    <a:masterClrMapping/>
+  </p:clrMapOvr>
+</p:notes>
+</file>
+
+<file path=ppt/notesSlides/notesSlide19.xml><?xml version="1.0" encoding="utf-8"?>
+<p:notes xmlns:a="http://schemas.openxmlformats.org/drawingml/2006/main" xmlns:r="http://schemas.openxmlformats.org/officeDocument/2006/relationships" xmlns:p="http://schemas.openxmlformats.org/presentationml/2006/main">
+  <p:cSld>
+    <p:spTree>
+      <p:nvGrpSpPr>
+        <p:cNvPr id="1" name=""/>
+        <p:cNvGrpSpPr/>
+        <p:nvPr/>
+      </p:nvGrpSpPr>
+      <p:grpSpPr>
+        <a:xfrm>
+          <a:off x="0" y="0"/>
+          <a:ext cx="0" cy="0"/>
+          <a:chOff x="0" y="0"/>
+          <a:chExt cx="0" cy="0"/>
+        </a:xfrm>
+      </p:grpSpPr>
+      <p:sp>
+        <p:nvSpPr>
+          <p:cNvPr id="2" name="Slide Image Placeholder 1"/>
+          <p:cNvSpPr>
+            <a:spLocks noGrp="1" noRot="1" noChangeAspect="1"/>
+          </p:cNvSpPr>
+          <p:nvPr>
+            <p:ph type="sldImg"/>
+          </p:nvPr>
+        </p:nvSpPr>
+        <p:spPr/>
+      </p:sp>
+      <p:sp>
+        <p:nvSpPr>
+          <p:cNvPr id="3" name="Notes Placeholder 2"/>
+          <p:cNvSpPr>
+            <a:spLocks noGrp="1"/>
+          </p:cNvSpPr>
+          <p:nvPr>
+            <p:ph type="body" idx="1"/>
+          </p:nvPr>
+        </p:nvSpPr>
+        <p:spPr/>
+        <p:txBody>
+          <a:bodyPr/>
+          <a:lstStyle/>
+          <a:p>
+            <a:pPr marL="0" indent="0">
+              <a:buFontTx/>
+              <a:buNone/>
+            </a:pPr>
+            <a:endParaRPr lang="en-US" baseline="0" dirty="0" smtClean="0"/>
+          </a:p>
+        </p:txBody>
+      </p:sp>
+      <p:sp>
+        <p:nvSpPr>
+          <p:cNvPr id="4" name="Slide Number Placeholder 3"/>
+          <p:cNvSpPr>
+            <a:spLocks noGrp="1"/>
+          </p:cNvSpPr>
+          <p:nvPr>
+            <p:ph type="sldNum" sz="quarter" idx="10"/>
+          </p:nvPr>
+        </p:nvSpPr>
+        <p:spPr/>
+        <p:txBody>
+          <a:bodyPr/>
+          <a:lstStyle/>
+          <a:p>
+            <a:fld id="{48F5F6DF-9BE4-4641-AC70-C633D8EF56D7}" type="slidenum">
+              <a:rPr lang="en-US" smtClean="0"/>
+              <a:t>23</a:t>
+            </a:fld>
+            <a:endParaRPr lang="en-US"/>
+          </a:p>
+        </p:txBody>
+      </p:sp>
+    </p:spTree>
+    <p:extLst>
+      <p:ext uri="{BB962C8B-B14F-4D97-AF65-F5344CB8AC3E}">
+        <p14:creationId xmlns:p14="http://schemas.microsoft.com/office/powerpoint/2010/main" val="3050551614"/>
+      </p:ext>
+    </p:extLst>
+  </p:cSld>
+  <p:clrMapOvr>
+    <a:masterClrMapping/>
+  </p:clrMapOvr>
+</p:notes>
+</file>
+
 <file path=ppt/notesSlides/notesSlide2.xml><?xml version="1.0" encoding="utf-8"?>
 <p:notes xmlns:a="http://schemas.openxmlformats.org/drawingml/2006/main" xmlns:r="http://schemas.openxmlformats.org/officeDocument/2006/relationships" xmlns:p="http://schemas.openxmlformats.org/presentationml/2006/main">
   <p:cSld>
@@ -859,6 +1758,94 @@
             <a:fld id="{48F5F6DF-9BE4-4641-AC70-C633D8EF56D7}" type="slidenum">
               <a:rPr lang="en-US" smtClean="0"/>
               <a:t>6</a:t>
+            </a:fld>
+            <a:endParaRPr lang="en-US"/>
+          </a:p>
+        </p:txBody>
+      </p:sp>
+    </p:spTree>
+    <p:extLst>
+      <p:ext uri="{BB962C8B-B14F-4D97-AF65-F5344CB8AC3E}">
+        <p14:creationId xmlns:p14="http://schemas.microsoft.com/office/powerpoint/2010/main" val="3050551614"/>
+      </p:ext>
+    </p:extLst>
+  </p:cSld>
+  <p:clrMapOvr>
+    <a:masterClrMapping/>
+  </p:clrMapOvr>
+</p:notes>
+</file>
+
+<file path=ppt/notesSlides/notesSlide20.xml><?xml version="1.0" encoding="utf-8"?>
+<p:notes xmlns:a="http://schemas.openxmlformats.org/drawingml/2006/main" xmlns:r="http://schemas.openxmlformats.org/officeDocument/2006/relationships" xmlns:p="http://schemas.openxmlformats.org/presentationml/2006/main">
+  <p:cSld>
+    <p:spTree>
+      <p:nvGrpSpPr>
+        <p:cNvPr id="1" name=""/>
+        <p:cNvGrpSpPr/>
+        <p:nvPr/>
+      </p:nvGrpSpPr>
+      <p:grpSpPr>
+        <a:xfrm>
+          <a:off x="0" y="0"/>
+          <a:ext cx="0" cy="0"/>
+          <a:chOff x="0" y="0"/>
+          <a:chExt cx="0" cy="0"/>
+        </a:xfrm>
+      </p:grpSpPr>
+      <p:sp>
+        <p:nvSpPr>
+          <p:cNvPr id="2" name="Slide Image Placeholder 1"/>
+          <p:cNvSpPr>
+            <a:spLocks noGrp="1" noRot="1" noChangeAspect="1"/>
+          </p:cNvSpPr>
+          <p:nvPr>
+            <p:ph type="sldImg"/>
+          </p:nvPr>
+        </p:nvSpPr>
+        <p:spPr/>
+      </p:sp>
+      <p:sp>
+        <p:nvSpPr>
+          <p:cNvPr id="3" name="Notes Placeholder 2"/>
+          <p:cNvSpPr>
+            <a:spLocks noGrp="1"/>
+          </p:cNvSpPr>
+          <p:nvPr>
+            <p:ph type="body" idx="1"/>
+          </p:nvPr>
+        </p:nvSpPr>
+        <p:spPr/>
+        <p:txBody>
+          <a:bodyPr/>
+          <a:lstStyle/>
+          <a:p>
+            <a:pPr marL="0" indent="0">
+              <a:buFontTx/>
+              <a:buNone/>
+            </a:pPr>
+            <a:endParaRPr lang="en-US" baseline="0" dirty="0" smtClean="0"/>
+          </a:p>
+        </p:txBody>
+      </p:sp>
+      <p:sp>
+        <p:nvSpPr>
+          <p:cNvPr id="4" name="Slide Number Placeholder 3"/>
+          <p:cNvSpPr>
+            <a:spLocks noGrp="1"/>
+          </p:cNvSpPr>
+          <p:nvPr>
+            <p:ph type="sldNum" sz="quarter" idx="10"/>
+          </p:nvPr>
+        </p:nvSpPr>
+        <p:spPr/>
+        <p:txBody>
+          <a:bodyPr/>
+          <a:lstStyle/>
+          <a:p>
+            <a:fld id="{48F5F6DF-9BE4-4641-AC70-C633D8EF56D7}" type="slidenum">
+              <a:rPr lang="en-US" smtClean="0"/>
+              <a:t>24</a:t>
             </a:fld>
             <a:endParaRPr lang="en-US"/>
           </a:p>
@@ -1223,12 +2210,8 @@
               <a:buChar char="-"/>
             </a:pPr>
             <a:r>
-              <a:rPr lang="en-US" baseline="0" smtClean="0"/>
-              <a:t>~10x </a:t>
-            </a:r>
-            <a:r>
               <a:rPr lang="en-US" baseline="0" dirty="0" smtClean="0"/>
-              <a:t>faster than JAM interpreted programs</a:t>
+              <a:t>~10x faster than JAM interpreted programs</a:t>
             </a:r>
           </a:p>
           <a:p>
@@ -1301,28 +2284,14 @@
             </a:r>
           </a:p>
           <a:p>
-            <a:pPr marL="171450" marR="0" lvl="1" indent="-171450" algn="l" defTabSz="914400" rtl="0" eaLnBrk="1" fontAlgn="auto" latinLnBrk="0" hangingPunct="1">
-              <a:lnSpc>
-                <a:spcPct val="100000"/>
-              </a:lnSpc>
-              <a:spcBef>
-                <a:spcPts val="0"/>
-              </a:spcBef>
-              <a:spcAft>
-                <a:spcPts val="0"/>
-              </a:spcAft>
-              <a:buClrTx/>
-              <a:buSzTx/>
+            <a:pPr marL="171450" indent="-171450">
               <a:buFontTx/>
               <a:buChar char="-"/>
-              <a:tabLst/>
-              <a:defRPr/>
             </a:pPr>
             <a:r>
-              <a:rPr lang="en-US" baseline="0" dirty="0" err="1" smtClean="0"/>
-              <a:t>asdf</a:t>
-            </a:r>
-            <a:endParaRPr lang="en-US" baseline="0" dirty="0" smtClean="0"/>
+              <a:rPr lang="en-US" baseline="0" dirty="0" smtClean="0"/>
+              <a:t>Erlang is reliable if TCP/IP is</a:t>
+            </a:r>
           </a:p>
           <a:p>
             <a:pPr marL="171450" indent="-171450">
@@ -1331,6 +2300,87 @@
             </a:pPr>
             <a:endParaRPr lang="en-US" baseline="0" dirty="0" smtClean="0"/>
           </a:p>
+        </p:txBody>
+      </p:sp>
+      <p:sp>
+        <p:nvSpPr>
+          <p:cNvPr id="4" name="Slide Number Placeholder 3"/>
+          <p:cNvSpPr>
+            <a:spLocks noGrp="1"/>
+          </p:cNvSpPr>
+          <p:nvPr>
+            <p:ph type="sldNum" sz="quarter" idx="10"/>
+          </p:nvPr>
+        </p:nvSpPr>
+        <p:spPr/>
+        <p:txBody>
+          <a:bodyPr/>
+          <a:lstStyle/>
+          <a:p>
+            <a:fld id="{48F5F6DF-9BE4-4641-AC70-C633D8EF56D7}" type="slidenum">
+              <a:rPr lang="en-US" smtClean="0"/>
+              <a:t>9</a:t>
+            </a:fld>
+            <a:endParaRPr lang="en-US"/>
+          </a:p>
+        </p:txBody>
+      </p:sp>
+    </p:spTree>
+    <p:extLst>
+      <p:ext uri="{BB962C8B-B14F-4D97-AF65-F5344CB8AC3E}">
+        <p14:creationId xmlns:p14="http://schemas.microsoft.com/office/powerpoint/2010/main" val="3050551614"/>
+      </p:ext>
+    </p:extLst>
+  </p:cSld>
+  <p:clrMapOvr>
+    <a:masterClrMapping/>
+  </p:clrMapOvr>
+</p:notes>
+</file>
+
+<file path=ppt/notesSlides/notesSlide6.xml><?xml version="1.0" encoding="utf-8"?>
+<p:notes xmlns:a="http://schemas.openxmlformats.org/drawingml/2006/main" xmlns:r="http://schemas.openxmlformats.org/officeDocument/2006/relationships" xmlns:p="http://schemas.openxmlformats.org/presentationml/2006/main">
+  <p:cSld>
+    <p:spTree>
+      <p:nvGrpSpPr>
+        <p:cNvPr id="1" name=""/>
+        <p:cNvGrpSpPr/>
+        <p:nvPr/>
+      </p:nvGrpSpPr>
+      <p:grpSpPr>
+        <a:xfrm>
+          <a:off x="0" y="0"/>
+          <a:ext cx="0" cy="0"/>
+          <a:chOff x="0" y="0"/>
+          <a:chExt cx="0" cy="0"/>
+        </a:xfrm>
+      </p:grpSpPr>
+      <p:sp>
+        <p:nvSpPr>
+          <p:cNvPr id="2" name="Slide Image Placeholder 1"/>
+          <p:cNvSpPr>
+            <a:spLocks noGrp="1" noRot="1" noChangeAspect="1"/>
+          </p:cNvSpPr>
+          <p:nvPr>
+            <p:ph type="sldImg"/>
+          </p:nvPr>
+        </p:nvSpPr>
+        <p:spPr/>
+      </p:sp>
+      <p:sp>
+        <p:nvSpPr>
+          <p:cNvPr id="3" name="Notes Placeholder 2"/>
+          <p:cNvSpPr>
+            <a:spLocks noGrp="1"/>
+          </p:cNvSpPr>
+          <p:nvPr>
+            <p:ph type="body" idx="1"/>
+          </p:nvPr>
+        </p:nvSpPr>
+        <p:spPr/>
+        <p:txBody>
+          <a:bodyPr/>
+          <a:lstStyle/>
           <a:p>
             <a:pPr marL="171450" indent="-171450">
               <a:buFontTx/>
@@ -1338,6 +2388,13 @@
             </a:pPr>
             <a:endParaRPr lang="en-US" baseline="0" dirty="0" smtClean="0"/>
           </a:p>
+          <a:p>
+            <a:pPr marL="171450" indent="-171450">
+              <a:buFontTx/>
+              <a:buChar char="-"/>
+            </a:pPr>
+            <a:endParaRPr lang="en-US" baseline="0" dirty="0" smtClean="0"/>
+          </a:p>
         </p:txBody>
       </p:sp>
       <p:sp>
@@ -1357,7 +2414,293 @@
           <a:p>
             <a:fld id="{48F5F6DF-9BE4-4641-AC70-C633D8EF56D7}" type="slidenum">
               <a:rPr lang="en-US" smtClean="0"/>
-              <a:t>9</a:t>
+              <a:t>10</a:t>
+            </a:fld>
+            <a:endParaRPr lang="en-US"/>
+          </a:p>
+        </p:txBody>
+      </p:sp>
+    </p:spTree>
+    <p:extLst>
+      <p:ext uri="{BB962C8B-B14F-4D97-AF65-F5344CB8AC3E}">
+        <p14:creationId xmlns:p14="http://schemas.microsoft.com/office/powerpoint/2010/main" val="3050551614"/>
+      </p:ext>
+    </p:extLst>
+  </p:cSld>
+  <p:clrMapOvr>
+    <a:masterClrMapping/>
+  </p:clrMapOvr>
+</p:notes>
+</file>
+
+<file path=ppt/notesSlides/notesSlide7.xml><?xml version="1.0" encoding="utf-8"?>
+<p:notes xmlns:a="http://schemas.openxmlformats.org/drawingml/2006/main" xmlns:r="http://schemas.openxmlformats.org/officeDocument/2006/relationships" xmlns:p="http://schemas.openxmlformats.org/presentationml/2006/main">
+  <p:cSld>
+    <p:spTree>
+      <p:nvGrpSpPr>
+        <p:cNvPr id="1" name=""/>
+        <p:cNvGrpSpPr/>
+        <p:nvPr/>
+      </p:nvGrpSpPr>
+      <p:grpSpPr>
+        <a:xfrm>
+          <a:off x="0" y="0"/>
+          <a:ext cx="0" cy="0"/>
+          <a:chOff x="0" y="0"/>
+          <a:chExt cx="0" cy="0"/>
+        </a:xfrm>
+      </p:grpSpPr>
+      <p:sp>
+        <p:nvSpPr>
+          <p:cNvPr id="2" name="Slide Image Placeholder 1"/>
+          <p:cNvSpPr>
+            <a:spLocks noGrp="1" noRot="1" noChangeAspect="1"/>
+          </p:cNvSpPr>
+          <p:nvPr>
+            <p:ph type="sldImg"/>
+          </p:nvPr>
+        </p:nvSpPr>
+        <p:spPr/>
+      </p:sp>
+      <p:sp>
+        <p:nvSpPr>
+          <p:cNvPr id="3" name="Notes Placeholder 2"/>
+          <p:cNvSpPr>
+            <a:spLocks noGrp="1"/>
+          </p:cNvSpPr>
+          <p:nvPr>
+            <p:ph type="body" idx="1"/>
+          </p:nvPr>
+        </p:nvSpPr>
+        <p:spPr/>
+        <p:txBody>
+          <a:bodyPr/>
+          <a:lstStyle/>
+          <a:p>
+            <a:pPr marL="0" indent="0">
+              <a:buFontTx/>
+              <a:buNone/>
+            </a:pPr>
+            <a:endParaRPr lang="en-US" baseline="0" dirty="0" smtClean="0"/>
+          </a:p>
+        </p:txBody>
+      </p:sp>
+      <p:sp>
+        <p:nvSpPr>
+          <p:cNvPr id="4" name="Slide Number Placeholder 3"/>
+          <p:cNvSpPr>
+            <a:spLocks noGrp="1"/>
+          </p:cNvSpPr>
+          <p:nvPr>
+            <p:ph type="sldNum" sz="quarter" idx="10"/>
+          </p:nvPr>
+        </p:nvSpPr>
+        <p:spPr/>
+        <p:txBody>
+          <a:bodyPr/>
+          <a:lstStyle/>
+          <a:p>
+            <a:fld id="{48F5F6DF-9BE4-4641-AC70-C633D8EF56D7}" type="slidenum">
+              <a:rPr lang="en-US" smtClean="0"/>
+              <a:t>11</a:t>
+            </a:fld>
+            <a:endParaRPr lang="en-US"/>
+          </a:p>
+        </p:txBody>
+      </p:sp>
+    </p:spTree>
+    <p:extLst>
+      <p:ext uri="{BB962C8B-B14F-4D97-AF65-F5344CB8AC3E}">
+        <p14:creationId xmlns:p14="http://schemas.microsoft.com/office/powerpoint/2010/main" val="3050551614"/>
+      </p:ext>
+    </p:extLst>
+  </p:cSld>
+  <p:clrMapOvr>
+    <a:masterClrMapping/>
+  </p:clrMapOvr>
+</p:notes>
+</file>
+
+<file path=ppt/notesSlides/notesSlide8.xml><?xml version="1.0" encoding="utf-8"?>
+<p:notes xmlns:a="http://schemas.openxmlformats.org/drawingml/2006/main" xmlns:r="http://schemas.openxmlformats.org/officeDocument/2006/relationships" xmlns:p="http://schemas.openxmlformats.org/presentationml/2006/main">
+  <p:cSld>
+    <p:spTree>
+      <p:nvGrpSpPr>
+        <p:cNvPr id="1" name=""/>
+        <p:cNvGrpSpPr/>
+        <p:nvPr/>
+      </p:nvGrpSpPr>
+      <p:grpSpPr>
+        <a:xfrm>
+          <a:off x="0" y="0"/>
+          <a:ext cx="0" cy="0"/>
+          <a:chOff x="0" y="0"/>
+          <a:chExt cx="0" cy="0"/>
+        </a:xfrm>
+      </p:grpSpPr>
+      <p:sp>
+        <p:nvSpPr>
+          <p:cNvPr id="2" name="Slide Image Placeholder 1"/>
+          <p:cNvSpPr>
+            <a:spLocks noGrp="1" noRot="1" noChangeAspect="1"/>
+          </p:cNvSpPr>
+          <p:nvPr>
+            <p:ph type="sldImg"/>
+          </p:nvPr>
+        </p:nvSpPr>
+        <p:spPr/>
+      </p:sp>
+      <p:sp>
+        <p:nvSpPr>
+          <p:cNvPr id="3" name="Notes Placeholder 2"/>
+          <p:cNvSpPr>
+            <a:spLocks noGrp="1"/>
+          </p:cNvSpPr>
+          <p:nvPr>
+            <p:ph type="body" idx="1"/>
+          </p:nvPr>
+        </p:nvSpPr>
+        <p:spPr/>
+        <p:txBody>
+          <a:bodyPr/>
+          <a:lstStyle/>
+          <a:p>
+            <a:pPr marL="171450" indent="-171450">
+              <a:buFontTx/>
+              <a:buChar char="-"/>
+            </a:pPr>
+            <a:endParaRPr lang="en-US" baseline="0" dirty="0" smtClean="0"/>
+          </a:p>
+          <a:p>
+            <a:r>
+              <a:rPr lang="en-US" baseline="0" dirty="0" smtClean="0"/>
+              <a:t>“</a:t>
+            </a:r>
+            <a:r>
+              <a:rPr lang="en-US" sz="1200" kern="1200" dirty="0" smtClean="0">
+                <a:solidFill>
+                  <a:schemeClr val="tx1"/>
+                </a:solidFill>
+                <a:effectLst/>
+                <a:latin typeface="+mn-lt"/>
+                <a:ea typeface="+mn-ea"/>
+                <a:cs typeface="+mn-cs"/>
+              </a:rPr>
+              <a:t>Sequential Erlang has a pure functional subset, but nobody can force the programmer to use this subset; indeed, there are often good reasons for not using it</a:t>
+            </a:r>
+            <a:r>
+              <a:rPr lang="en-US" baseline="0" dirty="0" smtClean="0"/>
+              <a:t>”</a:t>
+            </a:r>
+          </a:p>
+        </p:txBody>
+      </p:sp>
+      <p:sp>
+        <p:nvSpPr>
+          <p:cNvPr id="4" name="Slide Number Placeholder 3"/>
+          <p:cNvSpPr>
+            <a:spLocks noGrp="1"/>
+          </p:cNvSpPr>
+          <p:nvPr>
+            <p:ph type="sldNum" sz="quarter" idx="10"/>
+          </p:nvPr>
+        </p:nvSpPr>
+        <p:spPr/>
+        <p:txBody>
+          <a:bodyPr/>
+          <a:lstStyle/>
+          <a:p>
+            <a:fld id="{48F5F6DF-9BE4-4641-AC70-C633D8EF56D7}" type="slidenum">
+              <a:rPr lang="en-US" smtClean="0"/>
+              <a:t>12</a:t>
+            </a:fld>
+            <a:endParaRPr lang="en-US"/>
+          </a:p>
+        </p:txBody>
+      </p:sp>
+    </p:spTree>
+    <p:extLst>
+      <p:ext uri="{BB962C8B-B14F-4D97-AF65-F5344CB8AC3E}">
+        <p14:creationId xmlns:p14="http://schemas.microsoft.com/office/powerpoint/2010/main" val="3050551614"/>
+      </p:ext>
+    </p:extLst>
+  </p:cSld>
+  <p:clrMapOvr>
+    <a:masterClrMapping/>
+  </p:clrMapOvr>
+</p:notes>
+</file>
+
+<file path=ppt/notesSlides/notesSlide9.xml><?xml version="1.0" encoding="utf-8"?>
+<p:notes xmlns:a="http://schemas.openxmlformats.org/drawingml/2006/main" xmlns:r="http://schemas.openxmlformats.org/officeDocument/2006/relationships" xmlns:p="http://schemas.openxmlformats.org/presentationml/2006/main">
+  <p:cSld>
+    <p:spTree>
+      <p:nvGrpSpPr>
+        <p:cNvPr id="1" name=""/>
+        <p:cNvGrpSpPr/>
+        <p:nvPr/>
+      </p:nvGrpSpPr>
+      <p:grpSpPr>
+        <a:xfrm>
+          <a:off x="0" y="0"/>
+          <a:ext cx="0" cy="0"/>
+          <a:chOff x="0" y="0"/>
+          <a:chExt cx="0" cy="0"/>
+        </a:xfrm>
+      </p:grpSpPr>
+      <p:sp>
+        <p:nvSpPr>
+          <p:cNvPr id="2" name="Slide Image Placeholder 1"/>
+          <p:cNvSpPr>
+            <a:spLocks noGrp="1" noRot="1" noChangeAspect="1"/>
+          </p:cNvSpPr>
+          <p:nvPr>
+            <p:ph type="sldImg"/>
+          </p:nvPr>
+        </p:nvSpPr>
+        <p:spPr/>
+      </p:sp>
+      <p:sp>
+        <p:nvSpPr>
+          <p:cNvPr id="3" name="Notes Placeholder 2"/>
+          <p:cNvSpPr>
+            <a:spLocks noGrp="1"/>
+          </p:cNvSpPr>
+          <p:nvPr>
+            <p:ph type="body" idx="1"/>
+          </p:nvPr>
+        </p:nvSpPr>
+        <p:spPr/>
+        <p:txBody>
+          <a:bodyPr/>
+          <a:lstStyle/>
+          <a:p>
+            <a:pPr marL="0" indent="0">
+              <a:buFontTx/>
+              <a:buNone/>
+            </a:pPr>
+            <a:endParaRPr lang="en-US" baseline="0" dirty="0" smtClean="0"/>
+          </a:p>
+        </p:txBody>
+      </p:sp>
+      <p:sp>
+        <p:nvSpPr>
+          <p:cNvPr id="4" name="Slide Number Placeholder 3"/>
+          <p:cNvSpPr>
+            <a:spLocks noGrp="1"/>
+          </p:cNvSpPr>
+          <p:nvPr>
+            <p:ph type="sldNum" sz="quarter" idx="10"/>
+          </p:nvPr>
+        </p:nvSpPr>
+        <p:spPr/>
+        <p:txBody>
+          <a:bodyPr/>
+          <a:lstStyle/>
+          <a:p>
+            <a:fld id="{48F5F6DF-9BE4-4641-AC70-C633D8EF56D7}" type="slidenum">
+              <a:rPr lang="en-US" smtClean="0"/>
+              <a:t>13</a:t>
             </a:fld>
             <a:endParaRPr lang="en-US"/>
           </a:p>
@@ -1557,7 +2900,7 @@
           <a:p>
             <a:fld id="{03F65E02-F4FE-41A5-B9C5-4E8AE5AF45AA}" type="datetimeFigureOut">
               <a:rPr lang="en-US" smtClean="0"/>
-              <a:t>4/16/2018</a:t>
+              <a:t>4/21/2018</a:t>
             </a:fld>
             <a:endParaRPr lang="en-US"/>
           </a:p>
@@ -1727,7 +3070,7 @@
           <a:p>
             <a:fld id="{03F65E02-F4FE-41A5-B9C5-4E8AE5AF45AA}" type="datetimeFigureOut">
               <a:rPr lang="en-US" smtClean="0"/>
-              <a:t>4/16/2018</a:t>
+              <a:t>4/21/2018</a:t>
             </a:fld>
             <a:endParaRPr lang="en-US"/>
           </a:p>
@@ -1907,7 +3250,7 @@
           <a:p>
             <a:fld id="{03F65E02-F4FE-41A5-B9C5-4E8AE5AF45AA}" type="datetimeFigureOut">
               <a:rPr lang="en-US" smtClean="0"/>
-              <a:t>4/16/2018</a:t>
+              <a:t>4/21/2018</a:t>
             </a:fld>
             <a:endParaRPr lang="en-US"/>
           </a:p>
@@ -2077,7 +3420,7 @@
           <a:p>
             <a:fld id="{03F65E02-F4FE-41A5-B9C5-4E8AE5AF45AA}" type="datetimeFigureOut">
               <a:rPr lang="en-US" smtClean="0"/>
-              <a:t>4/16/2018</a:t>
+              <a:t>4/21/2018</a:t>
             </a:fld>
             <a:endParaRPr lang="en-US"/>
           </a:p>
@@ -2323,7 +3666,7 @@
           <a:p>
             <a:fld id="{03F65E02-F4FE-41A5-B9C5-4E8AE5AF45AA}" type="datetimeFigureOut">
               <a:rPr lang="en-US" smtClean="0"/>
-              <a:t>4/16/2018</a:t>
+              <a:t>4/21/2018</a:t>
             </a:fld>
             <a:endParaRPr lang="en-US"/>
           </a:p>
@@ -2611,7 +3954,7 @@
           <a:p>
             <a:fld id="{03F65E02-F4FE-41A5-B9C5-4E8AE5AF45AA}" type="datetimeFigureOut">
               <a:rPr lang="en-US" smtClean="0"/>
-              <a:t>4/16/2018</a:t>
+              <a:t>4/21/2018</a:t>
             </a:fld>
             <a:endParaRPr lang="en-US"/>
           </a:p>
@@ -3033,7 +4376,7 @@
           <a:p>
             <a:fld id="{03F65E02-F4FE-41A5-B9C5-4E8AE5AF45AA}" type="datetimeFigureOut">
               <a:rPr lang="en-US" smtClean="0"/>
-              <a:t>4/16/2018</a:t>
+              <a:t>4/21/2018</a:t>
             </a:fld>
             <a:endParaRPr lang="en-US"/>
           </a:p>
@@ -3151,7 +4494,7 @@
           <a:p>
             <a:fld id="{03F65E02-F4FE-41A5-B9C5-4E8AE5AF45AA}" type="datetimeFigureOut">
               <a:rPr lang="en-US" smtClean="0"/>
-              <a:t>4/16/2018</a:t>
+              <a:t>4/21/2018</a:t>
             </a:fld>
             <a:endParaRPr lang="en-US"/>
           </a:p>
@@ -3246,7 +4589,7 @@
           <a:p>
             <a:fld id="{03F65E02-F4FE-41A5-B9C5-4E8AE5AF45AA}" type="datetimeFigureOut">
               <a:rPr lang="en-US" smtClean="0"/>
-              <a:t>4/16/2018</a:t>
+              <a:t>4/21/2018</a:t>
             </a:fld>
             <a:endParaRPr lang="en-US"/>
           </a:p>
@@ -3523,7 +4866,7 @@
           <a:p>
             <a:fld id="{03F65E02-F4FE-41A5-B9C5-4E8AE5AF45AA}" type="datetimeFigureOut">
               <a:rPr lang="en-US" smtClean="0"/>
-              <a:t>4/16/2018</a:t>
+              <a:t>4/21/2018</a:t>
             </a:fld>
             <a:endParaRPr lang="en-US"/>
           </a:p>
@@ -3776,7 +5119,7 @@
           <a:p>
             <a:fld id="{03F65E02-F4FE-41A5-B9C5-4E8AE5AF45AA}" type="datetimeFigureOut">
               <a:rPr lang="en-US" smtClean="0"/>
-              <a:t>4/16/2018</a:t>
+              <a:t>4/21/2018</a:t>
             </a:fld>
             <a:endParaRPr lang="en-US"/>
           </a:p>
@@ -3989,7 +5332,7 @@
           <a:p>
             <a:fld id="{03F65E02-F4FE-41A5-B9C5-4E8AE5AF45AA}" type="datetimeFigureOut">
               <a:rPr lang="en-US" smtClean="0"/>
-              <a:t>4/16/2018</a:t>
+              <a:t>4/21/2018</a:t>
             </a:fld>
             <a:endParaRPr lang="en-US"/>
           </a:p>
@@ -4433,6 +5776,2943 @@
 </p:sld>
 </file>
 
+<file path=ppt/slides/slide10.xml><?xml version="1.0" encoding="utf-8"?>
+<p:sld xmlns:a="http://schemas.openxmlformats.org/drawingml/2006/main" xmlns:r="http://schemas.openxmlformats.org/officeDocument/2006/relationships" xmlns:p="http://schemas.openxmlformats.org/presentationml/2006/main">
+  <p:cSld>
+    <p:spTree>
+      <p:nvGrpSpPr>
+        <p:cNvPr id="1" name=""/>
+        <p:cNvGrpSpPr/>
+        <p:nvPr/>
+      </p:nvGrpSpPr>
+      <p:grpSpPr>
+        <a:xfrm>
+          <a:off x="0" y="0"/>
+          <a:ext cx="0" cy="0"/>
+          <a:chOff x="0" y="0"/>
+          <a:chExt cx="0" cy="0"/>
+        </a:xfrm>
+      </p:grpSpPr>
+      <p:sp>
+        <p:nvSpPr>
+          <p:cNvPr id="2" name="Title 1"/>
+          <p:cNvSpPr>
+            <a:spLocks noGrp="1"/>
+          </p:cNvSpPr>
+          <p:nvPr>
+            <p:ph type="title"/>
+          </p:nvPr>
+        </p:nvSpPr>
+        <p:spPr>
+          <a:xfrm>
+            <a:off x="457200" y="274638"/>
+            <a:ext cx="8229600" cy="563562"/>
+          </a:xfrm>
+        </p:spPr>
+        <p:txBody>
+          <a:bodyPr>
+            <a:noAutofit/>
+          </a:bodyPr>
+          <a:lstStyle/>
+          <a:p>
+            <a:r>
+              <a:rPr lang="en-US" sz="4800" dirty="0" smtClean="0"/>
+              <a:t>History</a:t>
+            </a:r>
+            <a:endParaRPr lang="en-US" sz="4800" dirty="0"/>
+          </a:p>
+        </p:txBody>
+      </p:sp>
+      <p:sp>
+        <p:nvSpPr>
+          <p:cNvPr id="3" name="Content Placeholder 2"/>
+          <p:cNvSpPr>
+            <a:spLocks noGrp="1"/>
+          </p:cNvSpPr>
+          <p:nvPr>
+            <p:ph idx="1"/>
+          </p:nvPr>
+        </p:nvSpPr>
+        <p:spPr/>
+        <p:txBody>
+          <a:bodyPr>
+            <a:normAutofit fontScale="92500" lnSpcReduction="20000"/>
+          </a:bodyPr>
+          <a:lstStyle/>
+          <a:p>
+            <a:r>
+              <a:rPr lang="en-US" dirty="0" smtClean="0"/>
+              <a:t>Erlang selected as language in reboot of major Ericsson project</a:t>
+            </a:r>
+          </a:p>
+          <a:p>
+            <a:r>
+              <a:rPr lang="en-US" dirty="0" smtClean="0"/>
+              <a:t>From lab experiment to complete platform: Open Telecom Platform (OTP)</a:t>
+            </a:r>
+          </a:p>
+          <a:p>
+            <a:pPr lvl="1"/>
+            <a:r>
+              <a:rPr lang="en-US" dirty="0" smtClean="0"/>
+              <a:t>Extensive and well-tested libraries</a:t>
+            </a:r>
+          </a:p>
+          <a:p>
+            <a:pPr lvl="1"/>
+            <a:r>
+              <a:rPr lang="en-US" dirty="0" smtClean="0"/>
+              <a:t>Design patterns for common applications</a:t>
+            </a:r>
+          </a:p>
+          <a:p>
+            <a:pPr lvl="1"/>
+            <a:r>
+              <a:rPr lang="en-US" dirty="0" smtClean="0"/>
+              <a:t>Documentation</a:t>
+            </a:r>
+          </a:p>
+          <a:p>
+            <a:pPr lvl="1"/>
+            <a:r>
+              <a:rPr lang="en-US" dirty="0" smtClean="0"/>
+              <a:t>Philosophy and learning support</a:t>
+            </a:r>
+          </a:p>
+          <a:p>
+            <a:pPr lvl="1"/>
+            <a:r>
+              <a:rPr lang="en-US" dirty="0" err="1" smtClean="0"/>
+              <a:t>Mnesia</a:t>
+            </a:r>
+            <a:r>
+              <a:rPr lang="en-US" dirty="0" smtClean="0"/>
+              <a:t> DBMS and query language</a:t>
+            </a:r>
+          </a:p>
+          <a:p>
+            <a:pPr lvl="1"/>
+            <a:r>
+              <a:rPr lang="en-US" dirty="0" smtClean="0"/>
+              <a:t>Binaries in reference-counted storage area</a:t>
+            </a:r>
+          </a:p>
+          <a:p>
+            <a:pPr lvl="1"/>
+            <a:r>
+              <a:rPr lang="en-US" dirty="0" err="1" smtClean="0"/>
+              <a:t>HiPE</a:t>
+            </a:r>
+            <a:r>
+              <a:rPr lang="en-US" dirty="0" smtClean="0"/>
+              <a:t> compiler</a:t>
+            </a:r>
+          </a:p>
+          <a:p>
+            <a:endParaRPr lang="en-US" dirty="0" smtClean="0"/>
+          </a:p>
+          <a:p>
+            <a:endParaRPr lang="en-US" dirty="0" smtClean="0"/>
+          </a:p>
+        </p:txBody>
+      </p:sp>
+      <p:sp>
+        <p:nvSpPr>
+          <p:cNvPr id="4" name="Title 1"/>
+          <p:cNvSpPr txBox="1">
+            <a:spLocks/>
+          </p:cNvSpPr>
+          <p:nvPr/>
+        </p:nvSpPr>
+        <p:spPr>
+          <a:xfrm>
+            <a:off x="457200" y="914400"/>
+            <a:ext cx="8229600" cy="457200"/>
+          </a:xfrm>
+          <a:prstGeom prst="rect">
+            <a:avLst/>
+          </a:prstGeom>
+        </p:spPr>
+        <p:txBody>
+          <a:bodyPr vert="horz" lIns="91440" tIns="45720" rIns="91440" bIns="45720" rtlCol="0" anchor="ctr">
+            <a:noAutofit/>
+          </a:bodyPr>
+          <a:lstStyle>
+            <a:lvl1pPr algn="ctr" defTabSz="914400" rtl="0" eaLnBrk="1" latinLnBrk="0" hangingPunct="1">
+              <a:spcBef>
+                <a:spcPct val="0"/>
+              </a:spcBef>
+              <a:buNone/>
+              <a:defRPr sz="4400" kern="1200">
+                <a:solidFill>
+                  <a:schemeClr val="tx1"/>
+                </a:solidFill>
+                <a:latin typeface="+mj-lt"/>
+                <a:ea typeface="+mj-ea"/>
+                <a:cs typeface="+mj-cs"/>
+              </a:defRPr>
+            </a:lvl1pPr>
+          </a:lstStyle>
+          <a:p>
+            <a:pPr algn="l"/>
+            <a:r>
+              <a:rPr lang="en-US" sz="3600" dirty="0" smtClean="0"/>
+              <a:t>December 1995: AXE-N Collapse</a:t>
+            </a:r>
+            <a:endParaRPr lang="en-US" sz="3600" dirty="0"/>
+          </a:p>
+        </p:txBody>
+      </p:sp>
+    </p:spTree>
+    <p:extLst>
+      <p:ext uri="{BB962C8B-B14F-4D97-AF65-F5344CB8AC3E}">
+        <p14:creationId xmlns:p14="http://schemas.microsoft.com/office/powerpoint/2010/main" val="604776702"/>
+      </p:ext>
+    </p:extLst>
+  </p:cSld>
+  <p:clrMapOvr>
+    <a:masterClrMapping/>
+  </p:clrMapOvr>
+</p:sld>
+</file>
+
+<file path=ppt/slides/slide11.xml><?xml version="1.0" encoding="utf-8"?>
+<p:sld xmlns:a="http://schemas.openxmlformats.org/drawingml/2006/main" xmlns:r="http://schemas.openxmlformats.org/officeDocument/2006/relationships" xmlns:p="http://schemas.openxmlformats.org/presentationml/2006/main">
+  <p:cSld>
+    <p:spTree>
+      <p:nvGrpSpPr>
+        <p:cNvPr id="1" name=""/>
+        <p:cNvGrpSpPr/>
+        <p:nvPr/>
+      </p:nvGrpSpPr>
+      <p:grpSpPr>
+        <a:xfrm>
+          <a:off x="0" y="0"/>
+          <a:ext cx="0" cy="0"/>
+          <a:chOff x="0" y="0"/>
+          <a:chExt cx="0" cy="0"/>
+        </a:xfrm>
+      </p:grpSpPr>
+      <p:sp>
+        <p:nvSpPr>
+          <p:cNvPr id="2" name="Title 1"/>
+          <p:cNvSpPr>
+            <a:spLocks noGrp="1"/>
+          </p:cNvSpPr>
+          <p:nvPr>
+            <p:ph type="title"/>
+          </p:nvPr>
+        </p:nvSpPr>
+        <p:spPr>
+          <a:xfrm>
+            <a:off x="457200" y="274638"/>
+            <a:ext cx="8229600" cy="563562"/>
+          </a:xfrm>
+        </p:spPr>
+        <p:txBody>
+          <a:bodyPr>
+            <a:noAutofit/>
+          </a:bodyPr>
+          <a:lstStyle/>
+          <a:p>
+            <a:r>
+              <a:rPr lang="en-US" sz="4800" dirty="0" smtClean="0"/>
+              <a:t>History</a:t>
+            </a:r>
+            <a:endParaRPr lang="en-US" sz="4800" dirty="0"/>
+          </a:p>
+        </p:txBody>
+      </p:sp>
+      <p:sp>
+        <p:nvSpPr>
+          <p:cNvPr id="3" name="Content Placeholder 2"/>
+          <p:cNvSpPr>
+            <a:spLocks noGrp="1"/>
+          </p:cNvSpPr>
+          <p:nvPr>
+            <p:ph idx="1"/>
+          </p:nvPr>
+        </p:nvSpPr>
+        <p:spPr/>
+        <p:txBody>
+          <a:bodyPr>
+            <a:normAutofit/>
+          </a:bodyPr>
+          <a:lstStyle/>
+          <a:p>
+            <a:r>
+              <a:rPr lang="en-US" dirty="0" smtClean="0"/>
+              <a:t>Projects with Erlang produce excellent results</a:t>
+            </a:r>
+          </a:p>
+          <a:p>
+            <a:r>
+              <a:rPr lang="en-US" dirty="0" smtClean="0"/>
+              <a:t>1998…Ericsson bans use of Erlang internally</a:t>
+            </a:r>
+          </a:p>
+          <a:p>
+            <a:r>
+              <a:rPr lang="en-US" dirty="0" smtClean="0"/>
+              <a:t>Development group convinces Ericsson to release Erlang and OTP as open source</a:t>
+            </a:r>
+          </a:p>
+          <a:p>
+            <a:r>
+              <a:rPr lang="en-US" dirty="0" smtClean="0"/>
+              <a:t>Development group promptly quits, forms new company, and delivers first product 6 months later</a:t>
+            </a:r>
+          </a:p>
+        </p:txBody>
+      </p:sp>
+      <p:sp>
+        <p:nvSpPr>
+          <p:cNvPr id="4" name="Title 1"/>
+          <p:cNvSpPr txBox="1">
+            <a:spLocks/>
+          </p:cNvSpPr>
+          <p:nvPr/>
+        </p:nvSpPr>
+        <p:spPr>
+          <a:xfrm>
+            <a:off x="457200" y="914400"/>
+            <a:ext cx="8229600" cy="457200"/>
+          </a:xfrm>
+          <a:prstGeom prst="rect">
+            <a:avLst/>
+          </a:prstGeom>
+        </p:spPr>
+        <p:txBody>
+          <a:bodyPr vert="horz" lIns="91440" tIns="45720" rIns="91440" bIns="45720" rtlCol="0" anchor="ctr">
+            <a:noAutofit/>
+          </a:bodyPr>
+          <a:lstStyle>
+            <a:lvl1pPr algn="ctr" defTabSz="914400" rtl="0" eaLnBrk="1" latinLnBrk="0" hangingPunct="1">
+              <a:spcBef>
+                <a:spcPct val="0"/>
+              </a:spcBef>
+              <a:buNone/>
+              <a:defRPr sz="4400" kern="1200">
+                <a:solidFill>
+                  <a:schemeClr val="tx1"/>
+                </a:solidFill>
+                <a:latin typeface="+mj-lt"/>
+                <a:ea typeface="+mj-ea"/>
+                <a:cs typeface="+mj-cs"/>
+              </a:defRPr>
+            </a:lvl1pPr>
+          </a:lstStyle>
+          <a:p>
+            <a:pPr algn="l"/>
+            <a:r>
+              <a:rPr lang="en-US" sz="3600" dirty="0" smtClean="0"/>
+              <a:t>Pushed Into the World</a:t>
+            </a:r>
+            <a:endParaRPr lang="en-US" sz="3600" dirty="0"/>
+          </a:p>
+        </p:txBody>
+      </p:sp>
+    </p:spTree>
+    <p:extLst>
+      <p:ext uri="{BB962C8B-B14F-4D97-AF65-F5344CB8AC3E}">
+        <p14:creationId xmlns:p14="http://schemas.microsoft.com/office/powerpoint/2010/main" val="3134414245"/>
+      </p:ext>
+    </p:extLst>
+  </p:cSld>
+  <p:clrMapOvr>
+    <a:masterClrMapping/>
+  </p:clrMapOvr>
+</p:sld>
+</file>
+
+<file path=ppt/slides/slide12.xml><?xml version="1.0" encoding="utf-8"?>
+<p:sld xmlns:a="http://schemas.openxmlformats.org/drawingml/2006/main" xmlns:r="http://schemas.openxmlformats.org/officeDocument/2006/relationships" xmlns:p="http://schemas.openxmlformats.org/presentationml/2006/main">
+  <p:cSld>
+    <p:spTree>
+      <p:nvGrpSpPr>
+        <p:cNvPr id="1" name=""/>
+        <p:cNvGrpSpPr/>
+        <p:nvPr/>
+      </p:nvGrpSpPr>
+      <p:grpSpPr>
+        <a:xfrm>
+          <a:off x="0" y="0"/>
+          <a:ext cx="0" cy="0"/>
+          <a:chOff x="0" y="0"/>
+          <a:chExt cx="0" cy="0"/>
+        </a:xfrm>
+      </p:grpSpPr>
+      <p:sp>
+        <p:nvSpPr>
+          <p:cNvPr id="2" name="Title 1"/>
+          <p:cNvSpPr>
+            <a:spLocks noGrp="1"/>
+          </p:cNvSpPr>
+          <p:nvPr>
+            <p:ph type="title"/>
+          </p:nvPr>
+        </p:nvSpPr>
+        <p:spPr>
+          <a:xfrm>
+            <a:off x="457200" y="274638"/>
+            <a:ext cx="8229600" cy="563562"/>
+          </a:xfrm>
+        </p:spPr>
+        <p:txBody>
+          <a:bodyPr>
+            <a:noAutofit/>
+          </a:bodyPr>
+          <a:lstStyle/>
+          <a:p>
+            <a:r>
+              <a:rPr lang="en-US" sz="4800" dirty="0"/>
+              <a:t>The Language</a:t>
+            </a:r>
+            <a:endParaRPr lang="en-US" sz="4800" dirty="0"/>
+          </a:p>
+        </p:txBody>
+      </p:sp>
+      <p:sp>
+        <p:nvSpPr>
+          <p:cNvPr id="3" name="Content Placeholder 2"/>
+          <p:cNvSpPr>
+            <a:spLocks noGrp="1"/>
+          </p:cNvSpPr>
+          <p:nvPr>
+            <p:ph idx="1"/>
+          </p:nvPr>
+        </p:nvSpPr>
+        <p:spPr/>
+        <p:txBody>
+          <a:bodyPr>
+            <a:normAutofit fontScale="92500" lnSpcReduction="20000"/>
+          </a:bodyPr>
+          <a:lstStyle/>
+          <a:p>
+            <a:r>
+              <a:rPr lang="en-US" dirty="0" smtClean="0"/>
+              <a:t>Additional practical needs from being used in massive production systems</a:t>
+            </a:r>
+          </a:p>
+          <a:p>
+            <a:r>
+              <a:rPr lang="en-US" dirty="0" smtClean="0"/>
+              <a:t>“</a:t>
+            </a:r>
+            <a:r>
+              <a:rPr lang="en-US" dirty="0">
+                <a:solidFill>
+                  <a:srgbClr val="990000"/>
+                </a:solidFill>
+              </a:rPr>
+              <a:t>Erlang is not a strict side-effect-free </a:t>
+            </a:r>
+            <a:r>
+              <a:rPr lang="en-US" dirty="0" smtClean="0">
+                <a:solidFill>
+                  <a:srgbClr val="990000"/>
+                </a:solidFill>
+              </a:rPr>
+              <a:t>functional language </a:t>
+            </a:r>
+            <a:r>
+              <a:rPr lang="en-US" dirty="0">
+                <a:solidFill>
+                  <a:srgbClr val="990000"/>
+                </a:solidFill>
+              </a:rPr>
+              <a:t>but a concurrent language where what happens inside </a:t>
+            </a:r>
+            <a:r>
+              <a:rPr lang="en-US" dirty="0" smtClean="0">
+                <a:solidFill>
+                  <a:srgbClr val="990000"/>
+                </a:solidFill>
+              </a:rPr>
+              <a:t>a process </a:t>
+            </a:r>
+            <a:r>
+              <a:rPr lang="en-US" dirty="0">
+                <a:solidFill>
+                  <a:srgbClr val="990000"/>
+                </a:solidFill>
+              </a:rPr>
+              <a:t>is described by a simple </a:t>
+            </a:r>
+            <a:r>
+              <a:rPr lang="en-US" dirty="0" smtClean="0">
+                <a:solidFill>
+                  <a:srgbClr val="990000"/>
+                </a:solidFill>
+              </a:rPr>
+              <a:t> functional language</a:t>
+            </a:r>
+            <a:r>
+              <a:rPr lang="en-US" dirty="0" smtClean="0"/>
+              <a:t>”</a:t>
+            </a:r>
+          </a:p>
+          <a:p>
+            <a:r>
+              <a:rPr lang="en-US" dirty="0" smtClean="0"/>
+              <a:t>Example:</a:t>
+            </a:r>
+          </a:p>
+          <a:p>
+            <a:pPr lvl="1"/>
+            <a:r>
+              <a:rPr lang="en-US" dirty="0" smtClean="0"/>
+              <a:t>If </a:t>
+            </a:r>
+            <a:r>
+              <a:rPr lang="en-US" dirty="0"/>
+              <a:t>two </a:t>
+            </a:r>
+            <a:r>
+              <a:rPr lang="en-US" dirty="0" smtClean="0"/>
+              <a:t>different </a:t>
+            </a:r>
+            <a:r>
+              <a:rPr lang="en-US" dirty="0"/>
+              <a:t>processes receive a </a:t>
+            </a:r>
+            <a:r>
+              <a:rPr lang="en-US" dirty="0" err="1"/>
+              <a:t>Pid</a:t>
+            </a:r>
+            <a:r>
+              <a:rPr lang="en-US" dirty="0"/>
+              <a:t> </a:t>
+            </a:r>
+            <a:r>
+              <a:rPr lang="en-US" dirty="0" smtClean="0"/>
+              <a:t>representing </a:t>
+            </a:r>
+            <a:r>
+              <a:rPr lang="en-US" dirty="0"/>
+              <a:t>a file, both are free to </a:t>
+            </a:r>
+            <a:r>
+              <a:rPr lang="en-US" dirty="0" smtClean="0"/>
+              <a:t>send messages </a:t>
+            </a:r>
+            <a:r>
+              <a:rPr lang="en-US" dirty="0"/>
+              <a:t>to the file process in any way they like. It is up to </a:t>
+            </a:r>
+            <a:r>
+              <a:rPr lang="en-US" dirty="0" smtClean="0"/>
+              <a:t>the logic </a:t>
+            </a:r>
+            <a:r>
+              <a:rPr lang="en-US" dirty="0"/>
+              <a:t>of the application to prevent this from happening</a:t>
+            </a:r>
+          </a:p>
+          <a:p>
+            <a:pPr lvl="1"/>
+            <a:endParaRPr lang="en-US" dirty="0" smtClean="0"/>
+          </a:p>
+          <a:p>
+            <a:endParaRPr lang="en-US" dirty="0" smtClean="0"/>
+          </a:p>
+          <a:p>
+            <a:endParaRPr lang="en-US" dirty="0" smtClean="0"/>
+          </a:p>
+          <a:p>
+            <a:endParaRPr lang="en-US" dirty="0" smtClean="0"/>
+          </a:p>
+        </p:txBody>
+      </p:sp>
+      <p:sp>
+        <p:nvSpPr>
+          <p:cNvPr id="4" name="Title 1"/>
+          <p:cNvSpPr txBox="1">
+            <a:spLocks/>
+          </p:cNvSpPr>
+          <p:nvPr/>
+        </p:nvSpPr>
+        <p:spPr>
+          <a:xfrm>
+            <a:off x="457200" y="914400"/>
+            <a:ext cx="8229600" cy="457200"/>
+          </a:xfrm>
+          <a:prstGeom prst="rect">
+            <a:avLst/>
+          </a:prstGeom>
+        </p:spPr>
+        <p:txBody>
+          <a:bodyPr vert="horz" lIns="91440" tIns="45720" rIns="91440" bIns="45720" rtlCol="0" anchor="ctr">
+            <a:noAutofit/>
+          </a:bodyPr>
+          <a:lstStyle>
+            <a:lvl1pPr algn="ctr" defTabSz="914400" rtl="0" eaLnBrk="1" latinLnBrk="0" hangingPunct="1">
+              <a:spcBef>
+                <a:spcPct val="0"/>
+              </a:spcBef>
+              <a:buNone/>
+              <a:defRPr sz="4400" kern="1200">
+                <a:solidFill>
+                  <a:schemeClr val="tx1"/>
+                </a:solidFill>
+                <a:latin typeface="+mj-lt"/>
+                <a:ea typeface="+mj-ea"/>
+                <a:cs typeface="+mj-cs"/>
+              </a:defRPr>
+            </a:lvl1pPr>
+          </a:lstStyle>
+          <a:p>
+            <a:pPr algn="l"/>
+            <a:r>
+              <a:rPr lang="en-US" sz="3600" dirty="0" smtClean="0"/>
+              <a:t>Functional language?</a:t>
+            </a:r>
+            <a:endParaRPr lang="en-US" sz="3600" dirty="0"/>
+          </a:p>
+        </p:txBody>
+      </p:sp>
+    </p:spTree>
+    <p:extLst>
+      <p:ext uri="{BB962C8B-B14F-4D97-AF65-F5344CB8AC3E}">
+        <p14:creationId xmlns:p14="http://schemas.microsoft.com/office/powerpoint/2010/main" val="3183058565"/>
+      </p:ext>
+    </p:extLst>
+  </p:cSld>
+  <p:clrMapOvr>
+    <a:masterClrMapping/>
+  </p:clrMapOvr>
+</p:sld>
+</file>
+
+<file path=ppt/slides/slide13.xml><?xml version="1.0" encoding="utf-8"?>
+<p:sld xmlns:a="http://schemas.openxmlformats.org/drawingml/2006/main" xmlns:r="http://schemas.openxmlformats.org/officeDocument/2006/relationships" xmlns:p="http://schemas.openxmlformats.org/presentationml/2006/main">
+  <p:cSld>
+    <p:spTree>
+      <p:nvGrpSpPr>
+        <p:cNvPr id="1" name=""/>
+        <p:cNvGrpSpPr/>
+        <p:nvPr/>
+      </p:nvGrpSpPr>
+      <p:grpSpPr>
+        <a:xfrm>
+          <a:off x="0" y="0"/>
+          <a:ext cx="0" cy="0"/>
+          <a:chOff x="0" y="0"/>
+          <a:chExt cx="0" cy="0"/>
+        </a:xfrm>
+      </p:grpSpPr>
+      <p:sp>
+        <p:nvSpPr>
+          <p:cNvPr id="2" name="Title 1"/>
+          <p:cNvSpPr>
+            <a:spLocks noGrp="1"/>
+          </p:cNvSpPr>
+          <p:nvPr>
+            <p:ph type="title"/>
+          </p:nvPr>
+        </p:nvSpPr>
+        <p:spPr>
+          <a:xfrm>
+            <a:off x="457200" y="274638"/>
+            <a:ext cx="8229600" cy="563562"/>
+          </a:xfrm>
+        </p:spPr>
+        <p:txBody>
+          <a:bodyPr>
+            <a:noAutofit/>
+          </a:bodyPr>
+          <a:lstStyle/>
+          <a:p>
+            <a:r>
+              <a:rPr lang="en-US" sz="4800" dirty="0" smtClean="0"/>
+              <a:t>The Language</a:t>
+            </a:r>
+            <a:endParaRPr lang="en-US" sz="4800" dirty="0"/>
+          </a:p>
+        </p:txBody>
+      </p:sp>
+      <p:sp>
+        <p:nvSpPr>
+          <p:cNvPr id="4" name="Title 1"/>
+          <p:cNvSpPr txBox="1">
+            <a:spLocks/>
+          </p:cNvSpPr>
+          <p:nvPr/>
+        </p:nvSpPr>
+        <p:spPr>
+          <a:xfrm>
+            <a:off x="457200" y="914400"/>
+            <a:ext cx="8229600" cy="457200"/>
+          </a:xfrm>
+          <a:prstGeom prst="rect">
+            <a:avLst/>
+          </a:prstGeom>
+        </p:spPr>
+        <p:txBody>
+          <a:bodyPr vert="horz" lIns="91440" tIns="45720" rIns="91440" bIns="45720" rtlCol="0" anchor="ctr">
+            <a:noAutofit/>
+          </a:bodyPr>
+          <a:lstStyle>
+            <a:lvl1pPr algn="ctr" defTabSz="914400" rtl="0" eaLnBrk="1" latinLnBrk="0" hangingPunct="1">
+              <a:spcBef>
+                <a:spcPct val="0"/>
+              </a:spcBef>
+              <a:buNone/>
+              <a:defRPr sz="4400" kern="1200">
+                <a:solidFill>
+                  <a:schemeClr val="tx1"/>
+                </a:solidFill>
+                <a:latin typeface="+mj-lt"/>
+                <a:ea typeface="+mj-ea"/>
+                <a:cs typeface="+mj-cs"/>
+              </a:defRPr>
+            </a:lvl1pPr>
+          </a:lstStyle>
+          <a:p>
+            <a:pPr algn="l"/>
+            <a:r>
+              <a:rPr lang="en-US" sz="3600" dirty="0" smtClean="0"/>
+              <a:t>27 Total Keywords</a:t>
+            </a:r>
+            <a:endParaRPr lang="en-US" sz="3600" dirty="0"/>
+          </a:p>
+        </p:txBody>
+      </p:sp>
+      <p:graphicFrame>
+        <p:nvGraphicFramePr>
+          <p:cNvPr id="5" name="Table 4"/>
+          <p:cNvGraphicFramePr>
+            <a:graphicFrameLocks noGrp="1"/>
+          </p:cNvGraphicFramePr>
+          <p:nvPr>
+            <p:extLst>
+              <p:ext uri="{D42A27DB-BD31-4B8C-83A1-F6EECF244321}">
+                <p14:modId xmlns:p14="http://schemas.microsoft.com/office/powerpoint/2010/main" val="621801023"/>
+              </p:ext>
+            </p:extLst>
+          </p:nvPr>
+        </p:nvGraphicFramePr>
+        <p:xfrm>
+          <a:off x="1371600" y="1752600"/>
+          <a:ext cx="6019800" cy="3909060"/>
+        </p:xfrm>
+        <a:graphic>
+          <a:graphicData uri="http://schemas.openxmlformats.org/drawingml/2006/table">
+            <a:tbl>
+              <a:tblPr>
+                <a:tableStyleId>{5C22544A-7EE6-4342-B048-85BDC9FD1C3A}</a:tableStyleId>
+              </a:tblPr>
+              <a:tblGrid>
+                <a:gridCol w="2006600"/>
+                <a:gridCol w="2006600"/>
+                <a:gridCol w="2006600"/>
+              </a:tblGrid>
+              <a:tr h="431800">
+                <a:tc>
+                  <a:txBody>
+                    <a:bodyPr/>
+                    <a:lstStyle/>
+                    <a:p>
+                      <a:pPr lvl="1" algn="l" fontAlgn="b"/>
+                      <a:r>
+                        <a:rPr lang="en-US" sz="2800" u="none" strike="noStrike" dirty="0">
+                          <a:solidFill>
+                            <a:schemeClr val="bg1"/>
+                          </a:solidFill>
+                          <a:effectLst/>
+                        </a:rPr>
+                        <a:t>after</a:t>
+                      </a:r>
+                      <a:endParaRPr lang="en-US" sz="2800" b="0" i="0" u="none" strike="noStrike" dirty="0">
+                        <a:solidFill>
+                          <a:schemeClr val="bg1"/>
+                        </a:solidFill>
+                        <a:effectLst/>
+                        <a:latin typeface="Calibri"/>
+                      </a:endParaRPr>
+                    </a:p>
+                  </a:txBody>
+                  <a:tcPr marL="7620" marR="7620" marT="7620" marB="0" anchor="b">
+                    <a:solidFill>
+                      <a:schemeClr val="tx1"/>
+                    </a:solidFill>
+                  </a:tcPr>
+                </a:tc>
+                <a:tc>
+                  <a:txBody>
+                    <a:bodyPr/>
+                    <a:lstStyle/>
+                    <a:p>
+                      <a:pPr lvl="1" algn="l" fontAlgn="b"/>
+                      <a:r>
+                        <a:rPr lang="en-US" sz="2800" u="none" strike="noStrike">
+                          <a:solidFill>
+                            <a:schemeClr val="bg1"/>
+                          </a:solidFill>
+                          <a:effectLst/>
+                        </a:rPr>
+                        <a:t>bxor</a:t>
+                      </a:r>
+                      <a:endParaRPr lang="en-US" sz="2800" b="0" i="0" u="none" strike="noStrike">
+                        <a:solidFill>
+                          <a:schemeClr val="bg1"/>
+                        </a:solidFill>
+                        <a:effectLst/>
+                        <a:latin typeface="Calibri"/>
+                      </a:endParaRPr>
+                    </a:p>
+                  </a:txBody>
+                  <a:tcPr marL="7620" marR="7620" marT="7620" marB="0" anchor="b">
+                    <a:solidFill>
+                      <a:schemeClr val="tx1"/>
+                    </a:solidFill>
+                  </a:tcPr>
+                </a:tc>
+                <a:tc>
+                  <a:txBody>
+                    <a:bodyPr/>
+                    <a:lstStyle/>
+                    <a:p>
+                      <a:pPr lvl="1" algn="l" fontAlgn="b"/>
+                      <a:r>
+                        <a:rPr lang="en-US" sz="2800" u="none" strike="noStrike">
+                          <a:solidFill>
+                            <a:schemeClr val="bg1"/>
+                          </a:solidFill>
+                          <a:effectLst/>
+                        </a:rPr>
+                        <a:t>not</a:t>
+                      </a:r>
+                      <a:endParaRPr lang="en-US" sz="2800" b="0" i="0" u="none" strike="noStrike">
+                        <a:solidFill>
+                          <a:schemeClr val="bg1"/>
+                        </a:solidFill>
+                        <a:effectLst/>
+                        <a:latin typeface="Calibri"/>
+                      </a:endParaRPr>
+                    </a:p>
+                  </a:txBody>
+                  <a:tcPr marL="7620" marR="7620" marT="7620" marB="0" anchor="b">
+                    <a:solidFill>
+                      <a:schemeClr val="tx1"/>
+                    </a:solidFill>
+                  </a:tcPr>
+                </a:tc>
+              </a:tr>
+              <a:tr h="431800">
+                <a:tc>
+                  <a:txBody>
+                    <a:bodyPr/>
+                    <a:lstStyle/>
+                    <a:p>
+                      <a:pPr lvl="1" algn="l" fontAlgn="b"/>
+                      <a:r>
+                        <a:rPr lang="en-US" sz="2800" u="none" strike="noStrike" dirty="0">
+                          <a:solidFill>
+                            <a:schemeClr val="bg1"/>
+                          </a:solidFill>
+                          <a:effectLst/>
+                        </a:rPr>
+                        <a:t>and</a:t>
+                      </a:r>
+                      <a:endParaRPr lang="en-US" sz="2800" b="0" i="0" u="none" strike="noStrike" dirty="0">
+                        <a:solidFill>
+                          <a:schemeClr val="bg1"/>
+                        </a:solidFill>
+                        <a:effectLst/>
+                        <a:latin typeface="Calibri"/>
+                      </a:endParaRPr>
+                    </a:p>
+                  </a:txBody>
+                  <a:tcPr marL="7620" marR="7620" marT="7620" marB="0" anchor="b">
+                    <a:solidFill>
+                      <a:schemeClr val="tx1"/>
+                    </a:solidFill>
+                  </a:tcPr>
+                </a:tc>
+                <a:tc>
+                  <a:txBody>
+                    <a:bodyPr/>
+                    <a:lstStyle/>
+                    <a:p>
+                      <a:pPr lvl="1" algn="l" fontAlgn="b"/>
+                      <a:r>
+                        <a:rPr lang="en-US" sz="2800" u="none" strike="noStrike" dirty="0">
+                          <a:solidFill>
+                            <a:schemeClr val="bg1"/>
+                          </a:solidFill>
+                          <a:effectLst/>
+                        </a:rPr>
+                        <a:t>case</a:t>
+                      </a:r>
+                      <a:endParaRPr lang="en-US" sz="2800" b="0" i="0" u="none" strike="noStrike" dirty="0">
+                        <a:solidFill>
+                          <a:schemeClr val="bg1"/>
+                        </a:solidFill>
+                        <a:effectLst/>
+                        <a:latin typeface="Calibri"/>
+                      </a:endParaRPr>
+                    </a:p>
+                  </a:txBody>
+                  <a:tcPr marL="7620" marR="7620" marT="7620" marB="0" anchor="b">
+                    <a:solidFill>
+                      <a:schemeClr val="tx1"/>
+                    </a:solidFill>
+                  </a:tcPr>
+                </a:tc>
+                <a:tc>
+                  <a:txBody>
+                    <a:bodyPr/>
+                    <a:lstStyle/>
+                    <a:p>
+                      <a:pPr lvl="1" algn="l" fontAlgn="b"/>
+                      <a:r>
+                        <a:rPr lang="en-US" sz="2800" u="none" strike="noStrike">
+                          <a:solidFill>
+                            <a:schemeClr val="bg1"/>
+                          </a:solidFill>
+                          <a:effectLst/>
+                        </a:rPr>
+                        <a:t>of</a:t>
+                      </a:r>
+                      <a:endParaRPr lang="en-US" sz="2800" b="0" i="0" u="none" strike="noStrike">
+                        <a:solidFill>
+                          <a:schemeClr val="bg1"/>
+                        </a:solidFill>
+                        <a:effectLst/>
+                        <a:latin typeface="Calibri"/>
+                      </a:endParaRPr>
+                    </a:p>
+                  </a:txBody>
+                  <a:tcPr marL="7620" marR="7620" marT="7620" marB="0" anchor="b">
+                    <a:solidFill>
+                      <a:schemeClr val="tx1"/>
+                    </a:solidFill>
+                  </a:tcPr>
+                </a:tc>
+              </a:tr>
+              <a:tr h="431800">
+                <a:tc>
+                  <a:txBody>
+                    <a:bodyPr/>
+                    <a:lstStyle/>
+                    <a:p>
+                      <a:pPr lvl="1" algn="l" fontAlgn="b"/>
+                      <a:r>
+                        <a:rPr lang="en-US" sz="2800" u="none" strike="noStrike">
+                          <a:solidFill>
+                            <a:schemeClr val="bg1"/>
+                          </a:solidFill>
+                          <a:effectLst/>
+                        </a:rPr>
+                        <a:t>andalso</a:t>
+                      </a:r>
+                      <a:endParaRPr lang="en-US" sz="2800" b="0" i="0" u="none" strike="noStrike">
+                        <a:solidFill>
+                          <a:schemeClr val="bg1"/>
+                        </a:solidFill>
+                        <a:effectLst/>
+                        <a:latin typeface="Calibri"/>
+                      </a:endParaRPr>
+                    </a:p>
+                  </a:txBody>
+                  <a:tcPr marL="7620" marR="7620" marT="7620" marB="0" anchor="b">
+                    <a:solidFill>
+                      <a:schemeClr val="tx1"/>
+                    </a:solidFill>
+                  </a:tcPr>
+                </a:tc>
+                <a:tc>
+                  <a:txBody>
+                    <a:bodyPr/>
+                    <a:lstStyle/>
+                    <a:p>
+                      <a:pPr lvl="1" algn="l" fontAlgn="b"/>
+                      <a:r>
+                        <a:rPr lang="en-US" sz="2800" u="none" strike="noStrike" dirty="0">
+                          <a:solidFill>
+                            <a:schemeClr val="bg1"/>
+                          </a:solidFill>
+                          <a:effectLst/>
+                        </a:rPr>
+                        <a:t>catch</a:t>
+                      </a:r>
+                      <a:endParaRPr lang="en-US" sz="2800" b="0" i="0" u="none" strike="noStrike" dirty="0">
+                        <a:solidFill>
+                          <a:schemeClr val="bg1"/>
+                        </a:solidFill>
+                        <a:effectLst/>
+                        <a:latin typeface="Calibri"/>
+                      </a:endParaRPr>
+                    </a:p>
+                  </a:txBody>
+                  <a:tcPr marL="7620" marR="7620" marT="7620" marB="0" anchor="b">
+                    <a:solidFill>
+                      <a:schemeClr val="tx1"/>
+                    </a:solidFill>
+                  </a:tcPr>
+                </a:tc>
+                <a:tc>
+                  <a:txBody>
+                    <a:bodyPr/>
+                    <a:lstStyle/>
+                    <a:p>
+                      <a:pPr lvl="1" algn="l" fontAlgn="b"/>
+                      <a:r>
+                        <a:rPr lang="en-US" sz="2800" u="none" strike="noStrike">
+                          <a:solidFill>
+                            <a:schemeClr val="bg1"/>
+                          </a:solidFill>
+                          <a:effectLst/>
+                        </a:rPr>
+                        <a:t>or</a:t>
+                      </a:r>
+                      <a:endParaRPr lang="en-US" sz="2800" b="0" i="0" u="none" strike="noStrike">
+                        <a:solidFill>
+                          <a:schemeClr val="bg1"/>
+                        </a:solidFill>
+                        <a:effectLst/>
+                        <a:latin typeface="Calibri"/>
+                      </a:endParaRPr>
+                    </a:p>
+                  </a:txBody>
+                  <a:tcPr marL="7620" marR="7620" marT="7620" marB="0" anchor="b">
+                    <a:solidFill>
+                      <a:schemeClr val="tx1"/>
+                    </a:solidFill>
+                  </a:tcPr>
+                </a:tc>
+              </a:tr>
+              <a:tr h="431800">
+                <a:tc>
+                  <a:txBody>
+                    <a:bodyPr/>
+                    <a:lstStyle/>
+                    <a:p>
+                      <a:pPr lvl="1" algn="l" fontAlgn="b"/>
+                      <a:r>
+                        <a:rPr lang="en-US" sz="2800" u="none" strike="noStrike">
+                          <a:solidFill>
+                            <a:schemeClr val="bg1"/>
+                          </a:solidFill>
+                          <a:effectLst/>
+                        </a:rPr>
+                        <a:t>band</a:t>
+                      </a:r>
+                      <a:endParaRPr lang="en-US" sz="2800" b="0" i="0" u="none" strike="noStrike">
+                        <a:solidFill>
+                          <a:schemeClr val="bg1"/>
+                        </a:solidFill>
+                        <a:effectLst/>
+                        <a:latin typeface="Calibri"/>
+                      </a:endParaRPr>
+                    </a:p>
+                  </a:txBody>
+                  <a:tcPr marL="7620" marR="7620" marT="7620" marB="0" anchor="b">
+                    <a:solidFill>
+                      <a:schemeClr val="tx1"/>
+                    </a:solidFill>
+                  </a:tcPr>
+                </a:tc>
+                <a:tc>
+                  <a:txBody>
+                    <a:bodyPr/>
+                    <a:lstStyle/>
+                    <a:p>
+                      <a:pPr lvl="1" algn="l" fontAlgn="b"/>
+                      <a:r>
+                        <a:rPr lang="en-US" sz="2800" u="none" strike="noStrike" dirty="0" err="1">
+                          <a:solidFill>
+                            <a:schemeClr val="bg1"/>
+                          </a:solidFill>
+                          <a:effectLst/>
+                        </a:rPr>
+                        <a:t>cond</a:t>
+                      </a:r>
+                      <a:endParaRPr lang="en-US" sz="2800" b="0" i="0" u="none" strike="noStrike" dirty="0">
+                        <a:solidFill>
+                          <a:schemeClr val="bg1"/>
+                        </a:solidFill>
+                        <a:effectLst/>
+                        <a:latin typeface="Calibri"/>
+                      </a:endParaRPr>
+                    </a:p>
+                  </a:txBody>
+                  <a:tcPr marL="7620" marR="7620" marT="7620" marB="0" anchor="b">
+                    <a:solidFill>
+                      <a:schemeClr val="tx1"/>
+                    </a:solidFill>
+                  </a:tcPr>
+                </a:tc>
+                <a:tc>
+                  <a:txBody>
+                    <a:bodyPr/>
+                    <a:lstStyle/>
+                    <a:p>
+                      <a:pPr lvl="1" algn="l" fontAlgn="b"/>
+                      <a:r>
+                        <a:rPr lang="en-US" sz="2800" u="none" strike="noStrike" dirty="0" err="1">
+                          <a:solidFill>
+                            <a:schemeClr val="bg1"/>
+                          </a:solidFill>
+                          <a:effectLst/>
+                        </a:rPr>
+                        <a:t>orelse</a:t>
+                      </a:r>
+                      <a:endParaRPr lang="en-US" sz="2800" b="0" i="0" u="none" strike="noStrike" dirty="0">
+                        <a:solidFill>
+                          <a:schemeClr val="bg1"/>
+                        </a:solidFill>
+                        <a:effectLst/>
+                        <a:latin typeface="Calibri"/>
+                      </a:endParaRPr>
+                    </a:p>
+                  </a:txBody>
+                  <a:tcPr marL="7620" marR="7620" marT="7620" marB="0" anchor="b">
+                    <a:solidFill>
+                      <a:schemeClr val="tx1"/>
+                    </a:solidFill>
+                  </a:tcPr>
+                </a:tc>
+              </a:tr>
+              <a:tr h="431800">
+                <a:tc>
+                  <a:txBody>
+                    <a:bodyPr/>
+                    <a:lstStyle/>
+                    <a:p>
+                      <a:pPr lvl="1" algn="l" fontAlgn="b"/>
+                      <a:r>
+                        <a:rPr lang="en-US" sz="2800" u="none" strike="noStrike">
+                          <a:solidFill>
+                            <a:schemeClr val="bg1"/>
+                          </a:solidFill>
+                          <a:effectLst/>
+                        </a:rPr>
+                        <a:t>begin</a:t>
+                      </a:r>
+                      <a:endParaRPr lang="en-US" sz="2800" b="0" i="0" u="none" strike="noStrike">
+                        <a:solidFill>
+                          <a:schemeClr val="bg1"/>
+                        </a:solidFill>
+                        <a:effectLst/>
+                        <a:latin typeface="Calibri"/>
+                      </a:endParaRPr>
+                    </a:p>
+                  </a:txBody>
+                  <a:tcPr marL="7620" marR="7620" marT="7620" marB="0" anchor="b">
+                    <a:solidFill>
+                      <a:schemeClr val="tx1"/>
+                    </a:solidFill>
+                  </a:tcPr>
+                </a:tc>
+                <a:tc>
+                  <a:txBody>
+                    <a:bodyPr/>
+                    <a:lstStyle/>
+                    <a:p>
+                      <a:pPr lvl="1" algn="l" fontAlgn="b"/>
+                      <a:r>
+                        <a:rPr lang="en-US" sz="2800" u="none" strike="noStrike" dirty="0">
+                          <a:solidFill>
+                            <a:schemeClr val="bg1"/>
+                          </a:solidFill>
+                          <a:effectLst/>
+                        </a:rPr>
+                        <a:t>div</a:t>
+                      </a:r>
+                      <a:endParaRPr lang="en-US" sz="2800" b="0" i="0" u="none" strike="noStrike" dirty="0">
+                        <a:solidFill>
+                          <a:schemeClr val="bg1"/>
+                        </a:solidFill>
+                        <a:effectLst/>
+                        <a:latin typeface="Calibri"/>
+                      </a:endParaRPr>
+                    </a:p>
+                  </a:txBody>
+                  <a:tcPr marL="7620" marR="7620" marT="7620" marB="0" anchor="b">
+                    <a:solidFill>
+                      <a:schemeClr val="tx1"/>
+                    </a:solidFill>
+                  </a:tcPr>
+                </a:tc>
+                <a:tc>
+                  <a:txBody>
+                    <a:bodyPr/>
+                    <a:lstStyle/>
+                    <a:p>
+                      <a:pPr lvl="1" algn="l" fontAlgn="b"/>
+                      <a:r>
+                        <a:rPr lang="en-US" sz="2800" u="none" strike="noStrike" dirty="0">
+                          <a:solidFill>
+                            <a:schemeClr val="bg1"/>
+                          </a:solidFill>
+                          <a:effectLst/>
+                        </a:rPr>
+                        <a:t>receive</a:t>
+                      </a:r>
+                      <a:endParaRPr lang="en-US" sz="2800" b="0" i="0" u="none" strike="noStrike" dirty="0">
+                        <a:solidFill>
+                          <a:schemeClr val="bg1"/>
+                        </a:solidFill>
+                        <a:effectLst/>
+                        <a:latin typeface="Calibri"/>
+                      </a:endParaRPr>
+                    </a:p>
+                  </a:txBody>
+                  <a:tcPr marL="7620" marR="7620" marT="7620" marB="0" anchor="b">
+                    <a:solidFill>
+                      <a:schemeClr val="tx1"/>
+                    </a:solidFill>
+                  </a:tcPr>
+                </a:tc>
+              </a:tr>
+              <a:tr h="431800">
+                <a:tc>
+                  <a:txBody>
+                    <a:bodyPr/>
+                    <a:lstStyle/>
+                    <a:p>
+                      <a:pPr lvl="1" algn="l" fontAlgn="b"/>
+                      <a:r>
+                        <a:rPr lang="en-US" sz="2800" u="none" strike="noStrike">
+                          <a:solidFill>
+                            <a:schemeClr val="bg1"/>
+                          </a:solidFill>
+                          <a:effectLst/>
+                        </a:rPr>
+                        <a:t>bnot</a:t>
+                      </a:r>
+                      <a:endParaRPr lang="en-US" sz="2800" b="0" i="0" u="none" strike="noStrike">
+                        <a:solidFill>
+                          <a:schemeClr val="bg1"/>
+                        </a:solidFill>
+                        <a:effectLst/>
+                        <a:latin typeface="Calibri"/>
+                      </a:endParaRPr>
+                    </a:p>
+                  </a:txBody>
+                  <a:tcPr marL="7620" marR="7620" marT="7620" marB="0" anchor="b">
+                    <a:solidFill>
+                      <a:schemeClr val="tx1"/>
+                    </a:solidFill>
+                  </a:tcPr>
+                </a:tc>
+                <a:tc>
+                  <a:txBody>
+                    <a:bodyPr/>
+                    <a:lstStyle/>
+                    <a:p>
+                      <a:pPr lvl="1" algn="l" fontAlgn="b"/>
+                      <a:r>
+                        <a:rPr lang="en-US" sz="2800" u="none" strike="noStrike" dirty="0">
+                          <a:solidFill>
+                            <a:schemeClr val="bg1"/>
+                          </a:solidFill>
+                          <a:effectLst/>
+                        </a:rPr>
+                        <a:t>end</a:t>
+                      </a:r>
+                      <a:endParaRPr lang="en-US" sz="2800" b="0" i="0" u="none" strike="noStrike" dirty="0">
+                        <a:solidFill>
+                          <a:schemeClr val="bg1"/>
+                        </a:solidFill>
+                        <a:effectLst/>
+                        <a:latin typeface="Calibri"/>
+                      </a:endParaRPr>
+                    </a:p>
+                  </a:txBody>
+                  <a:tcPr marL="7620" marR="7620" marT="7620" marB="0" anchor="b">
+                    <a:solidFill>
+                      <a:schemeClr val="tx1"/>
+                    </a:solidFill>
+                  </a:tcPr>
+                </a:tc>
+                <a:tc>
+                  <a:txBody>
+                    <a:bodyPr/>
+                    <a:lstStyle/>
+                    <a:p>
+                      <a:pPr lvl="1" algn="l" fontAlgn="b"/>
+                      <a:r>
+                        <a:rPr lang="en-US" sz="2800" u="none" strike="noStrike" dirty="0">
+                          <a:solidFill>
+                            <a:schemeClr val="bg1"/>
+                          </a:solidFill>
+                          <a:effectLst/>
+                        </a:rPr>
+                        <a:t>rem</a:t>
+                      </a:r>
+                      <a:endParaRPr lang="en-US" sz="2800" b="0" i="0" u="none" strike="noStrike" dirty="0">
+                        <a:solidFill>
+                          <a:schemeClr val="bg1"/>
+                        </a:solidFill>
+                        <a:effectLst/>
+                        <a:latin typeface="Calibri"/>
+                      </a:endParaRPr>
+                    </a:p>
+                  </a:txBody>
+                  <a:tcPr marL="7620" marR="7620" marT="7620" marB="0" anchor="b">
+                    <a:solidFill>
+                      <a:schemeClr val="tx1"/>
+                    </a:solidFill>
+                  </a:tcPr>
+                </a:tc>
+              </a:tr>
+              <a:tr h="431800">
+                <a:tc>
+                  <a:txBody>
+                    <a:bodyPr/>
+                    <a:lstStyle/>
+                    <a:p>
+                      <a:pPr lvl="1" algn="l" fontAlgn="b"/>
+                      <a:r>
+                        <a:rPr lang="en-US" sz="2800" u="none" strike="noStrike">
+                          <a:solidFill>
+                            <a:schemeClr val="bg1"/>
+                          </a:solidFill>
+                          <a:effectLst/>
+                        </a:rPr>
+                        <a:t>bor</a:t>
+                      </a:r>
+                      <a:endParaRPr lang="en-US" sz="2800" b="0" i="0" u="none" strike="noStrike">
+                        <a:solidFill>
+                          <a:schemeClr val="bg1"/>
+                        </a:solidFill>
+                        <a:effectLst/>
+                        <a:latin typeface="Calibri"/>
+                      </a:endParaRPr>
+                    </a:p>
+                  </a:txBody>
+                  <a:tcPr marL="7620" marR="7620" marT="7620" marB="0" anchor="b">
+                    <a:solidFill>
+                      <a:schemeClr val="tx1"/>
+                    </a:solidFill>
+                  </a:tcPr>
+                </a:tc>
+                <a:tc>
+                  <a:txBody>
+                    <a:bodyPr/>
+                    <a:lstStyle/>
+                    <a:p>
+                      <a:pPr lvl="1" algn="l" fontAlgn="b"/>
+                      <a:r>
+                        <a:rPr lang="en-US" sz="2800" u="none" strike="noStrike">
+                          <a:solidFill>
+                            <a:schemeClr val="bg1"/>
+                          </a:solidFill>
+                          <a:effectLst/>
+                        </a:rPr>
+                        <a:t>fun</a:t>
+                      </a:r>
+                      <a:endParaRPr lang="en-US" sz="2800" b="0" i="0" u="none" strike="noStrike">
+                        <a:solidFill>
+                          <a:schemeClr val="bg1"/>
+                        </a:solidFill>
+                        <a:effectLst/>
+                        <a:latin typeface="Calibri"/>
+                      </a:endParaRPr>
+                    </a:p>
+                  </a:txBody>
+                  <a:tcPr marL="7620" marR="7620" marT="7620" marB="0" anchor="b">
+                    <a:solidFill>
+                      <a:schemeClr val="tx1"/>
+                    </a:solidFill>
+                  </a:tcPr>
+                </a:tc>
+                <a:tc>
+                  <a:txBody>
+                    <a:bodyPr/>
+                    <a:lstStyle/>
+                    <a:p>
+                      <a:pPr lvl="1" algn="l" fontAlgn="b"/>
+                      <a:r>
+                        <a:rPr lang="en-US" sz="2800" u="none" strike="noStrike" dirty="0">
+                          <a:solidFill>
+                            <a:schemeClr val="bg1"/>
+                          </a:solidFill>
+                          <a:effectLst/>
+                        </a:rPr>
+                        <a:t>try</a:t>
+                      </a:r>
+                      <a:endParaRPr lang="en-US" sz="2800" b="0" i="0" u="none" strike="noStrike" dirty="0">
+                        <a:solidFill>
+                          <a:schemeClr val="bg1"/>
+                        </a:solidFill>
+                        <a:effectLst/>
+                        <a:latin typeface="Calibri"/>
+                      </a:endParaRPr>
+                    </a:p>
+                  </a:txBody>
+                  <a:tcPr marL="7620" marR="7620" marT="7620" marB="0" anchor="b">
+                    <a:solidFill>
+                      <a:schemeClr val="tx1"/>
+                    </a:solidFill>
+                  </a:tcPr>
+                </a:tc>
+              </a:tr>
+              <a:tr h="431800">
+                <a:tc>
+                  <a:txBody>
+                    <a:bodyPr/>
+                    <a:lstStyle/>
+                    <a:p>
+                      <a:pPr lvl="1" algn="l" fontAlgn="b"/>
+                      <a:r>
+                        <a:rPr lang="en-US" sz="2800" u="none" strike="noStrike">
+                          <a:solidFill>
+                            <a:schemeClr val="bg1"/>
+                          </a:solidFill>
+                          <a:effectLst/>
+                        </a:rPr>
+                        <a:t>bsl</a:t>
+                      </a:r>
+                      <a:endParaRPr lang="en-US" sz="2800" b="0" i="0" u="none" strike="noStrike">
+                        <a:solidFill>
+                          <a:schemeClr val="bg1"/>
+                        </a:solidFill>
+                        <a:effectLst/>
+                        <a:latin typeface="Calibri"/>
+                      </a:endParaRPr>
+                    </a:p>
+                  </a:txBody>
+                  <a:tcPr marL="7620" marR="7620" marT="7620" marB="0" anchor="b">
+                    <a:solidFill>
+                      <a:schemeClr val="tx1"/>
+                    </a:solidFill>
+                  </a:tcPr>
+                </a:tc>
+                <a:tc>
+                  <a:txBody>
+                    <a:bodyPr/>
+                    <a:lstStyle/>
+                    <a:p>
+                      <a:pPr lvl="1" algn="l" fontAlgn="b"/>
+                      <a:r>
+                        <a:rPr lang="en-US" sz="2800" u="none" strike="noStrike">
+                          <a:solidFill>
+                            <a:schemeClr val="bg1"/>
+                          </a:solidFill>
+                          <a:effectLst/>
+                        </a:rPr>
+                        <a:t>if</a:t>
+                      </a:r>
+                      <a:endParaRPr lang="en-US" sz="2800" b="0" i="0" u="none" strike="noStrike">
+                        <a:solidFill>
+                          <a:schemeClr val="bg1"/>
+                        </a:solidFill>
+                        <a:effectLst/>
+                        <a:latin typeface="Calibri"/>
+                      </a:endParaRPr>
+                    </a:p>
+                  </a:txBody>
+                  <a:tcPr marL="7620" marR="7620" marT="7620" marB="0" anchor="b">
+                    <a:solidFill>
+                      <a:schemeClr val="tx1"/>
+                    </a:solidFill>
+                  </a:tcPr>
+                </a:tc>
+                <a:tc>
+                  <a:txBody>
+                    <a:bodyPr/>
+                    <a:lstStyle/>
+                    <a:p>
+                      <a:pPr lvl="1" algn="l" fontAlgn="b"/>
+                      <a:r>
+                        <a:rPr lang="en-US" sz="2800" u="none" strike="noStrike" dirty="0">
+                          <a:solidFill>
+                            <a:schemeClr val="bg1"/>
+                          </a:solidFill>
+                          <a:effectLst/>
+                        </a:rPr>
+                        <a:t>when</a:t>
+                      </a:r>
+                      <a:endParaRPr lang="en-US" sz="2800" b="0" i="0" u="none" strike="noStrike" dirty="0">
+                        <a:solidFill>
+                          <a:schemeClr val="bg1"/>
+                        </a:solidFill>
+                        <a:effectLst/>
+                        <a:latin typeface="Calibri"/>
+                      </a:endParaRPr>
+                    </a:p>
+                  </a:txBody>
+                  <a:tcPr marL="7620" marR="7620" marT="7620" marB="0" anchor="b">
+                    <a:solidFill>
+                      <a:schemeClr val="tx1"/>
+                    </a:solidFill>
+                  </a:tcPr>
+                </a:tc>
+              </a:tr>
+              <a:tr h="431800">
+                <a:tc>
+                  <a:txBody>
+                    <a:bodyPr/>
+                    <a:lstStyle/>
+                    <a:p>
+                      <a:pPr lvl="1" algn="l" fontAlgn="b"/>
+                      <a:r>
+                        <a:rPr lang="en-US" sz="2800" u="none" strike="noStrike">
+                          <a:solidFill>
+                            <a:schemeClr val="bg1"/>
+                          </a:solidFill>
+                          <a:effectLst/>
+                        </a:rPr>
+                        <a:t>bsr</a:t>
+                      </a:r>
+                      <a:endParaRPr lang="en-US" sz="2800" b="0" i="0" u="none" strike="noStrike">
+                        <a:solidFill>
+                          <a:schemeClr val="bg1"/>
+                        </a:solidFill>
+                        <a:effectLst/>
+                        <a:latin typeface="Calibri"/>
+                      </a:endParaRPr>
+                    </a:p>
+                  </a:txBody>
+                  <a:tcPr marL="7620" marR="7620" marT="7620" marB="0" anchor="b">
+                    <a:solidFill>
+                      <a:schemeClr val="tx1"/>
+                    </a:solidFill>
+                  </a:tcPr>
+                </a:tc>
+                <a:tc>
+                  <a:txBody>
+                    <a:bodyPr/>
+                    <a:lstStyle/>
+                    <a:p>
+                      <a:pPr lvl="1" algn="l" fontAlgn="b"/>
+                      <a:r>
+                        <a:rPr lang="en-US" sz="2800" u="none" strike="noStrike">
+                          <a:solidFill>
+                            <a:schemeClr val="bg1"/>
+                          </a:solidFill>
+                          <a:effectLst/>
+                        </a:rPr>
+                        <a:t>let</a:t>
+                      </a:r>
+                      <a:endParaRPr lang="en-US" sz="2800" b="0" i="0" u="none" strike="noStrike">
+                        <a:solidFill>
+                          <a:schemeClr val="bg1"/>
+                        </a:solidFill>
+                        <a:effectLst/>
+                        <a:latin typeface="Calibri"/>
+                      </a:endParaRPr>
+                    </a:p>
+                  </a:txBody>
+                  <a:tcPr marL="7620" marR="7620" marT="7620" marB="0" anchor="b">
+                    <a:solidFill>
+                      <a:schemeClr val="tx1"/>
+                    </a:solidFill>
+                  </a:tcPr>
+                </a:tc>
+                <a:tc>
+                  <a:txBody>
+                    <a:bodyPr/>
+                    <a:lstStyle/>
+                    <a:p>
+                      <a:pPr lvl="1" algn="l" fontAlgn="b"/>
+                      <a:r>
+                        <a:rPr lang="en-US" sz="2800" u="none" strike="noStrike" dirty="0" err="1">
+                          <a:solidFill>
+                            <a:schemeClr val="bg1"/>
+                          </a:solidFill>
+                          <a:effectLst/>
+                        </a:rPr>
+                        <a:t>xor</a:t>
+                      </a:r>
+                      <a:endParaRPr lang="en-US" sz="2800" b="0" i="0" u="none" strike="noStrike" dirty="0">
+                        <a:solidFill>
+                          <a:schemeClr val="bg1"/>
+                        </a:solidFill>
+                        <a:effectLst/>
+                        <a:latin typeface="Calibri"/>
+                      </a:endParaRPr>
+                    </a:p>
+                  </a:txBody>
+                  <a:tcPr marL="7620" marR="7620" marT="7620" marB="0" anchor="b">
+                    <a:solidFill>
+                      <a:schemeClr val="tx1"/>
+                    </a:solidFill>
+                  </a:tcPr>
+                </a:tc>
+              </a:tr>
+            </a:tbl>
+          </a:graphicData>
+        </a:graphic>
+      </p:graphicFrame>
+      <p:sp>
+        <p:nvSpPr>
+          <p:cNvPr id="6" name="Rectangle 5"/>
+          <p:cNvSpPr/>
+          <p:nvPr/>
+        </p:nvSpPr>
+        <p:spPr>
+          <a:xfrm>
+            <a:off x="952500" y="6172200"/>
+            <a:ext cx="7239000" cy="369332"/>
+          </a:xfrm>
+          <a:prstGeom prst="rect">
+            <a:avLst/>
+          </a:prstGeom>
+        </p:spPr>
+        <p:txBody>
+          <a:bodyPr wrap="square">
+            <a:spAutoFit/>
+          </a:bodyPr>
+          <a:lstStyle/>
+          <a:p>
+            <a:pPr algn="ctr"/>
+            <a:r>
+              <a:rPr lang="en-US" dirty="0"/>
+              <a:t>http://erlang.org/doc/reference_manual/introduction.html</a:t>
+            </a:r>
+          </a:p>
+        </p:txBody>
+      </p:sp>
+    </p:spTree>
+    <p:extLst>
+      <p:ext uri="{BB962C8B-B14F-4D97-AF65-F5344CB8AC3E}">
+        <p14:creationId xmlns:p14="http://schemas.microsoft.com/office/powerpoint/2010/main" val="3440041175"/>
+      </p:ext>
+    </p:extLst>
+  </p:cSld>
+  <p:clrMapOvr>
+    <a:masterClrMapping/>
+  </p:clrMapOvr>
+</p:sld>
+</file>
+
+<file path=ppt/slides/slide14.xml><?xml version="1.0" encoding="utf-8"?>
+<p:sld xmlns:a="http://schemas.openxmlformats.org/drawingml/2006/main" xmlns:r="http://schemas.openxmlformats.org/officeDocument/2006/relationships" xmlns:p="http://schemas.openxmlformats.org/presentationml/2006/main">
+  <p:cSld>
+    <p:spTree>
+      <p:nvGrpSpPr>
+        <p:cNvPr id="1" name=""/>
+        <p:cNvGrpSpPr/>
+        <p:nvPr/>
+      </p:nvGrpSpPr>
+      <p:grpSpPr>
+        <a:xfrm>
+          <a:off x="0" y="0"/>
+          <a:ext cx="0" cy="0"/>
+          <a:chOff x="0" y="0"/>
+          <a:chExt cx="0" cy="0"/>
+        </a:xfrm>
+      </p:grpSpPr>
+      <p:sp>
+        <p:nvSpPr>
+          <p:cNvPr id="2" name="Title 1"/>
+          <p:cNvSpPr>
+            <a:spLocks noGrp="1"/>
+          </p:cNvSpPr>
+          <p:nvPr>
+            <p:ph type="title"/>
+          </p:nvPr>
+        </p:nvSpPr>
+        <p:spPr>
+          <a:xfrm>
+            <a:off x="457200" y="274638"/>
+            <a:ext cx="8229600" cy="563562"/>
+          </a:xfrm>
+        </p:spPr>
+        <p:txBody>
+          <a:bodyPr>
+            <a:noAutofit/>
+          </a:bodyPr>
+          <a:lstStyle/>
+          <a:p>
+            <a:r>
+              <a:rPr lang="en-US" sz="4800" dirty="0"/>
+              <a:t>The Language</a:t>
+            </a:r>
+            <a:endParaRPr lang="en-US" sz="4800" dirty="0"/>
+          </a:p>
+        </p:txBody>
+      </p:sp>
+      <p:sp>
+        <p:nvSpPr>
+          <p:cNvPr id="3" name="Content Placeholder 2"/>
+          <p:cNvSpPr>
+            <a:spLocks noGrp="1"/>
+          </p:cNvSpPr>
+          <p:nvPr>
+            <p:ph idx="1"/>
+          </p:nvPr>
+        </p:nvSpPr>
+        <p:spPr/>
+        <p:txBody>
+          <a:bodyPr>
+            <a:normAutofit/>
+          </a:bodyPr>
+          <a:lstStyle/>
+          <a:p>
+            <a:r>
+              <a:rPr lang="en-US" sz="3600" dirty="0" smtClean="0"/>
+              <a:t>Number	</a:t>
+            </a:r>
+            <a:r>
+              <a:rPr lang="en-US" sz="3600" dirty="0" smtClean="0">
+                <a:latin typeface="Courier New" panose="02070309020205020404" pitchFamily="49" charset="0"/>
+                <a:cs typeface="Courier New" panose="02070309020205020404" pitchFamily="49" charset="0"/>
+              </a:rPr>
+              <a:t>1</a:t>
+            </a:r>
+            <a:r>
+              <a:rPr lang="en-US" sz="3600" dirty="0">
+                <a:latin typeface="Courier New" panose="02070309020205020404" pitchFamily="49" charset="0"/>
+                <a:cs typeface="Courier New" panose="02070309020205020404" pitchFamily="49" charset="0"/>
+              </a:rPr>
+              <a:t>, 3.14, -41</a:t>
+            </a:r>
+          </a:p>
+          <a:p>
+            <a:r>
+              <a:rPr lang="en-US" sz="3600" dirty="0" smtClean="0"/>
+              <a:t>Atom		</a:t>
+            </a:r>
+            <a:r>
+              <a:rPr lang="en-US" sz="3600" dirty="0">
+                <a:latin typeface="Courier New" panose="02070309020205020404" pitchFamily="49" charset="0"/>
+                <a:cs typeface="Courier New" panose="02070309020205020404" pitchFamily="49" charset="0"/>
+              </a:rPr>
+              <a:t>inch, </a:t>
+            </a:r>
+            <a:r>
+              <a:rPr lang="en-US" sz="3600" dirty="0" err="1">
+                <a:latin typeface="Courier New" panose="02070309020205020404" pitchFamily="49" charset="0"/>
+                <a:cs typeface="Courier New" panose="02070309020205020404" pitchFamily="49" charset="0"/>
+              </a:rPr>
+              <a:t>monday</a:t>
+            </a:r>
+            <a:r>
+              <a:rPr lang="en-US" sz="3600" dirty="0">
+                <a:latin typeface="Courier New" panose="02070309020205020404" pitchFamily="49" charset="0"/>
+                <a:cs typeface="Courier New" panose="02070309020205020404" pitchFamily="49" charset="0"/>
+              </a:rPr>
+              <a:t>, bob</a:t>
+            </a:r>
+          </a:p>
+          <a:p>
+            <a:r>
+              <a:rPr lang="en-US" sz="3600" dirty="0" smtClean="0"/>
+              <a:t>Tuple		</a:t>
+            </a:r>
+            <a:r>
+              <a:rPr lang="en-US" sz="3600" dirty="0">
+                <a:latin typeface="Courier New" panose="02070309020205020404" pitchFamily="49" charset="0"/>
+                <a:cs typeface="Courier New" panose="02070309020205020404" pitchFamily="49" charset="0"/>
+              </a:rPr>
+              <a:t>{inch, 1, </a:t>
+            </a:r>
+            <a:r>
+              <a:rPr lang="en-US" sz="3600" dirty="0" smtClean="0">
+                <a:latin typeface="Courier New" panose="02070309020205020404" pitchFamily="49" charset="0"/>
+                <a:cs typeface="Courier New" panose="02070309020205020404" pitchFamily="49" charset="0"/>
+              </a:rPr>
+              <a:t>“</a:t>
+            </a:r>
+            <a:r>
+              <a:rPr lang="en-US" sz="3600" dirty="0" err="1" smtClean="0">
+                <a:latin typeface="Courier New" panose="02070309020205020404" pitchFamily="49" charset="0"/>
+                <a:cs typeface="Courier New" panose="02070309020205020404" pitchFamily="49" charset="0"/>
+              </a:rPr>
+              <a:t>abc</a:t>
+            </a:r>
+            <a:r>
+              <a:rPr lang="en-US" sz="3600" dirty="0" smtClean="0">
+                <a:latin typeface="Courier New" panose="02070309020205020404" pitchFamily="49" charset="0"/>
+                <a:cs typeface="Courier New" panose="02070309020205020404" pitchFamily="49" charset="0"/>
+              </a:rPr>
+              <a:t>”}</a:t>
+            </a:r>
+          </a:p>
+          <a:p>
+            <a:r>
+              <a:rPr lang="en-US" sz="3600" dirty="0" smtClean="0"/>
+              <a:t>List		</a:t>
+            </a:r>
+            <a:r>
+              <a:rPr lang="en-US" sz="3600" dirty="0" smtClean="0">
+                <a:latin typeface="Courier New" panose="02070309020205020404" pitchFamily="49" charset="0"/>
+                <a:cs typeface="Courier New" panose="02070309020205020404" pitchFamily="49" charset="0"/>
+              </a:rPr>
+              <a:t>[</a:t>
+            </a:r>
+            <a:r>
+              <a:rPr lang="en-US" sz="3600" dirty="0">
+                <a:latin typeface="Courier New" panose="02070309020205020404" pitchFamily="49" charset="0"/>
+                <a:cs typeface="Courier New" panose="02070309020205020404" pitchFamily="49" charset="0"/>
+              </a:rPr>
+              <a:t>1, 1, 2, 3, 5, 7]</a:t>
+            </a:r>
+          </a:p>
+          <a:p>
+            <a:r>
+              <a:rPr lang="en-US" sz="3600" dirty="0" smtClean="0"/>
+              <a:t>Map		</a:t>
+            </a:r>
+            <a:r>
+              <a:rPr lang="en-US" sz="3600" dirty="0">
+                <a:latin typeface="Courier New" panose="02070309020205020404" pitchFamily="49" charset="0"/>
+                <a:cs typeface="Courier New" panose="02070309020205020404" pitchFamily="49" charset="0"/>
+              </a:rPr>
+              <a:t>#{name =&gt; “Bob”}</a:t>
+            </a:r>
+          </a:p>
+          <a:p>
+            <a:r>
+              <a:rPr lang="en-US" sz="3600" dirty="0" smtClean="0"/>
+              <a:t>Functions</a:t>
+            </a:r>
+            <a:endParaRPr lang="en-US" dirty="0"/>
+          </a:p>
+          <a:p>
+            <a:pPr lvl="1"/>
+            <a:endParaRPr lang="en-US" dirty="0" smtClean="0"/>
+          </a:p>
+          <a:p>
+            <a:endParaRPr lang="en-US" dirty="0" smtClean="0"/>
+          </a:p>
+          <a:p>
+            <a:endParaRPr lang="en-US" dirty="0" smtClean="0"/>
+          </a:p>
+          <a:p>
+            <a:endParaRPr lang="en-US" dirty="0" smtClean="0"/>
+          </a:p>
+        </p:txBody>
+      </p:sp>
+      <p:sp>
+        <p:nvSpPr>
+          <p:cNvPr id="4" name="Title 1"/>
+          <p:cNvSpPr txBox="1">
+            <a:spLocks/>
+          </p:cNvSpPr>
+          <p:nvPr/>
+        </p:nvSpPr>
+        <p:spPr>
+          <a:xfrm>
+            <a:off x="457200" y="914400"/>
+            <a:ext cx="8229600" cy="457200"/>
+          </a:xfrm>
+          <a:prstGeom prst="rect">
+            <a:avLst/>
+          </a:prstGeom>
+        </p:spPr>
+        <p:txBody>
+          <a:bodyPr vert="horz" lIns="91440" tIns="45720" rIns="91440" bIns="45720" rtlCol="0" anchor="ctr">
+            <a:noAutofit/>
+          </a:bodyPr>
+          <a:lstStyle>
+            <a:lvl1pPr algn="ctr" defTabSz="914400" rtl="0" eaLnBrk="1" latinLnBrk="0" hangingPunct="1">
+              <a:spcBef>
+                <a:spcPct val="0"/>
+              </a:spcBef>
+              <a:buNone/>
+              <a:defRPr sz="4400" kern="1200">
+                <a:solidFill>
+                  <a:schemeClr val="tx1"/>
+                </a:solidFill>
+                <a:latin typeface="+mj-lt"/>
+                <a:ea typeface="+mj-ea"/>
+                <a:cs typeface="+mj-cs"/>
+              </a:defRPr>
+            </a:lvl1pPr>
+          </a:lstStyle>
+          <a:p>
+            <a:pPr algn="l"/>
+            <a:r>
+              <a:rPr lang="en-US" sz="3600" dirty="0" smtClean="0"/>
+              <a:t>Common Data Types</a:t>
+            </a:r>
+            <a:endParaRPr lang="en-US" sz="3600" dirty="0"/>
+          </a:p>
+        </p:txBody>
+      </p:sp>
+    </p:spTree>
+    <p:extLst>
+      <p:ext uri="{BB962C8B-B14F-4D97-AF65-F5344CB8AC3E}">
+        <p14:creationId xmlns:p14="http://schemas.microsoft.com/office/powerpoint/2010/main" val="907966501"/>
+      </p:ext>
+    </p:extLst>
+  </p:cSld>
+  <p:clrMapOvr>
+    <a:masterClrMapping/>
+  </p:clrMapOvr>
+</p:sld>
+</file>
+
+<file path=ppt/slides/slide15.xml><?xml version="1.0" encoding="utf-8"?>
+<p:sld xmlns:a="http://schemas.openxmlformats.org/drawingml/2006/main" xmlns:r="http://schemas.openxmlformats.org/officeDocument/2006/relationships" xmlns:p="http://schemas.openxmlformats.org/presentationml/2006/main">
+  <p:cSld>
+    <p:spTree>
+      <p:nvGrpSpPr>
+        <p:cNvPr id="1" name=""/>
+        <p:cNvGrpSpPr/>
+        <p:nvPr/>
+      </p:nvGrpSpPr>
+      <p:grpSpPr>
+        <a:xfrm>
+          <a:off x="0" y="0"/>
+          <a:ext cx="0" cy="0"/>
+          <a:chOff x="0" y="0"/>
+          <a:chExt cx="0" cy="0"/>
+        </a:xfrm>
+      </p:grpSpPr>
+      <p:sp>
+        <p:nvSpPr>
+          <p:cNvPr id="2" name="Title 1"/>
+          <p:cNvSpPr>
+            <a:spLocks noGrp="1"/>
+          </p:cNvSpPr>
+          <p:nvPr>
+            <p:ph type="title"/>
+          </p:nvPr>
+        </p:nvSpPr>
+        <p:spPr>
+          <a:xfrm>
+            <a:off x="457200" y="274638"/>
+            <a:ext cx="8229600" cy="563562"/>
+          </a:xfrm>
+        </p:spPr>
+        <p:txBody>
+          <a:bodyPr>
+            <a:noAutofit/>
+          </a:bodyPr>
+          <a:lstStyle/>
+          <a:p>
+            <a:r>
+              <a:rPr lang="en-US" sz="4800" dirty="0"/>
+              <a:t>The Language</a:t>
+            </a:r>
+            <a:endParaRPr lang="en-US" sz="4800" dirty="0"/>
+          </a:p>
+        </p:txBody>
+      </p:sp>
+      <p:sp>
+        <p:nvSpPr>
+          <p:cNvPr id="3" name="Content Placeholder 2"/>
+          <p:cNvSpPr>
+            <a:spLocks noGrp="1"/>
+          </p:cNvSpPr>
+          <p:nvPr>
+            <p:ph idx="1"/>
+          </p:nvPr>
+        </p:nvSpPr>
+        <p:spPr/>
+        <p:txBody>
+          <a:bodyPr>
+            <a:normAutofit/>
+          </a:bodyPr>
+          <a:lstStyle/>
+          <a:p>
+            <a:r>
+              <a:rPr lang="en-US" dirty="0"/>
+              <a:t>Variables begin with a </a:t>
+            </a:r>
+            <a:r>
+              <a:rPr lang="en-US" dirty="0">
+                <a:solidFill>
+                  <a:srgbClr val="990000"/>
+                </a:solidFill>
+              </a:rPr>
+              <a:t>capital</a:t>
+            </a:r>
+            <a:r>
+              <a:rPr lang="en-US" dirty="0"/>
+              <a:t> letter or _</a:t>
+            </a:r>
+          </a:p>
+          <a:p>
+            <a:r>
+              <a:rPr lang="en-US" dirty="0" smtClean="0"/>
+              <a:t>Variables can only be bound once per scope</a:t>
+            </a:r>
+          </a:p>
+          <a:p>
+            <a:r>
+              <a:rPr lang="en-US" dirty="0" smtClean="0"/>
+              <a:t>Assignment operator, =, is better though of as a matching assertion</a:t>
+            </a:r>
+          </a:p>
+          <a:p>
+            <a:r>
+              <a:rPr lang="en-US" dirty="0" smtClean="0"/>
+              <a:t>Lists can be split with the | operator</a:t>
+            </a:r>
+          </a:p>
+          <a:p>
+            <a:r>
+              <a:rPr lang="en-US" dirty="0" smtClean="0"/>
+              <a:t>Pattern matching is used in parameter passing and “assignment”</a:t>
+            </a:r>
+            <a:endParaRPr lang="en-US" dirty="0"/>
+          </a:p>
+          <a:p>
+            <a:endParaRPr lang="en-US" dirty="0"/>
+          </a:p>
+          <a:p>
+            <a:pPr lvl="1"/>
+            <a:endParaRPr lang="en-US" dirty="0" smtClean="0"/>
+          </a:p>
+          <a:p>
+            <a:endParaRPr lang="en-US" dirty="0" smtClean="0"/>
+          </a:p>
+          <a:p>
+            <a:endParaRPr lang="en-US" dirty="0" smtClean="0"/>
+          </a:p>
+          <a:p>
+            <a:endParaRPr lang="en-US" dirty="0" smtClean="0"/>
+          </a:p>
+        </p:txBody>
+      </p:sp>
+      <p:sp>
+        <p:nvSpPr>
+          <p:cNvPr id="4" name="Title 1"/>
+          <p:cNvSpPr txBox="1">
+            <a:spLocks/>
+          </p:cNvSpPr>
+          <p:nvPr/>
+        </p:nvSpPr>
+        <p:spPr>
+          <a:xfrm>
+            <a:off x="457200" y="914400"/>
+            <a:ext cx="8229600" cy="457200"/>
+          </a:xfrm>
+          <a:prstGeom prst="rect">
+            <a:avLst/>
+          </a:prstGeom>
+        </p:spPr>
+        <p:txBody>
+          <a:bodyPr vert="horz" lIns="91440" tIns="45720" rIns="91440" bIns="45720" rtlCol="0" anchor="ctr">
+            <a:noAutofit/>
+          </a:bodyPr>
+          <a:lstStyle>
+            <a:lvl1pPr algn="ctr" defTabSz="914400" rtl="0" eaLnBrk="1" latinLnBrk="0" hangingPunct="1">
+              <a:spcBef>
+                <a:spcPct val="0"/>
+              </a:spcBef>
+              <a:buNone/>
+              <a:defRPr sz="4400" kern="1200">
+                <a:solidFill>
+                  <a:schemeClr val="tx1"/>
+                </a:solidFill>
+                <a:latin typeface="+mj-lt"/>
+                <a:ea typeface="+mj-ea"/>
+                <a:cs typeface="+mj-cs"/>
+              </a:defRPr>
+            </a:lvl1pPr>
+          </a:lstStyle>
+          <a:p>
+            <a:pPr algn="l"/>
+            <a:r>
+              <a:rPr lang="en-US" sz="3600" dirty="0" smtClean="0"/>
+              <a:t>Of Note</a:t>
+            </a:r>
+            <a:endParaRPr lang="en-US" sz="3600" dirty="0"/>
+          </a:p>
+        </p:txBody>
+      </p:sp>
+    </p:spTree>
+    <p:extLst>
+      <p:ext uri="{BB962C8B-B14F-4D97-AF65-F5344CB8AC3E}">
+        <p14:creationId xmlns:p14="http://schemas.microsoft.com/office/powerpoint/2010/main" val="828917487"/>
+      </p:ext>
+    </p:extLst>
+  </p:cSld>
+  <p:clrMapOvr>
+    <a:masterClrMapping/>
+  </p:clrMapOvr>
+</p:sld>
+</file>
+
+<file path=ppt/slides/slide16.xml><?xml version="1.0" encoding="utf-8"?>
+<p:sld xmlns:a="http://schemas.openxmlformats.org/drawingml/2006/main" xmlns:r="http://schemas.openxmlformats.org/officeDocument/2006/relationships" xmlns:p="http://schemas.openxmlformats.org/presentationml/2006/main">
+  <p:cSld>
+    <p:spTree>
+      <p:nvGrpSpPr>
+        <p:cNvPr id="1" name=""/>
+        <p:cNvGrpSpPr/>
+        <p:nvPr/>
+      </p:nvGrpSpPr>
+      <p:grpSpPr>
+        <a:xfrm>
+          <a:off x="0" y="0"/>
+          <a:ext cx="0" cy="0"/>
+          <a:chOff x="0" y="0"/>
+          <a:chExt cx="0" cy="0"/>
+        </a:xfrm>
+      </p:grpSpPr>
+      <p:sp>
+        <p:nvSpPr>
+          <p:cNvPr id="2" name="Title 1"/>
+          <p:cNvSpPr>
+            <a:spLocks noGrp="1"/>
+          </p:cNvSpPr>
+          <p:nvPr>
+            <p:ph type="title"/>
+          </p:nvPr>
+        </p:nvSpPr>
+        <p:spPr>
+          <a:xfrm>
+            <a:off x="457200" y="274638"/>
+            <a:ext cx="8229600" cy="563562"/>
+          </a:xfrm>
+        </p:spPr>
+        <p:txBody>
+          <a:bodyPr>
+            <a:noAutofit/>
+          </a:bodyPr>
+          <a:lstStyle/>
+          <a:p>
+            <a:r>
+              <a:rPr lang="en-US" sz="4800" dirty="0"/>
+              <a:t>The Language</a:t>
+            </a:r>
+            <a:endParaRPr lang="en-US" sz="4800" dirty="0"/>
+          </a:p>
+        </p:txBody>
+      </p:sp>
+      <p:sp>
+        <p:nvSpPr>
+          <p:cNvPr id="4" name="Title 1"/>
+          <p:cNvSpPr txBox="1">
+            <a:spLocks/>
+          </p:cNvSpPr>
+          <p:nvPr/>
+        </p:nvSpPr>
+        <p:spPr>
+          <a:xfrm>
+            <a:off x="457200" y="914400"/>
+            <a:ext cx="8229600" cy="457200"/>
+          </a:xfrm>
+          <a:prstGeom prst="rect">
+            <a:avLst/>
+          </a:prstGeom>
+        </p:spPr>
+        <p:txBody>
+          <a:bodyPr vert="horz" lIns="91440" tIns="45720" rIns="91440" bIns="45720" rtlCol="0" anchor="ctr">
+            <a:noAutofit/>
+          </a:bodyPr>
+          <a:lstStyle>
+            <a:lvl1pPr algn="ctr" defTabSz="914400" rtl="0" eaLnBrk="1" latinLnBrk="0" hangingPunct="1">
+              <a:spcBef>
+                <a:spcPct val="0"/>
+              </a:spcBef>
+              <a:buNone/>
+              <a:defRPr sz="4400" kern="1200">
+                <a:solidFill>
+                  <a:schemeClr val="tx1"/>
+                </a:solidFill>
+                <a:latin typeface="+mj-lt"/>
+                <a:ea typeface="+mj-ea"/>
+                <a:cs typeface="+mj-cs"/>
+              </a:defRPr>
+            </a:lvl1pPr>
+          </a:lstStyle>
+          <a:p>
+            <a:pPr algn="l"/>
+            <a:r>
+              <a:rPr lang="en-US" sz="3600" dirty="0" smtClean="0"/>
+              <a:t>Samples</a:t>
+            </a:r>
+            <a:endParaRPr lang="en-US" sz="3600" dirty="0"/>
+          </a:p>
+        </p:txBody>
+      </p:sp>
+      <p:sp>
+        <p:nvSpPr>
+          <p:cNvPr id="6" name="Rectangle 5"/>
+          <p:cNvSpPr/>
+          <p:nvPr/>
+        </p:nvSpPr>
+        <p:spPr>
+          <a:xfrm>
+            <a:off x="440675" y="1524000"/>
+            <a:ext cx="8246125" cy="3046988"/>
+          </a:xfrm>
+          <a:prstGeom prst="rect">
+            <a:avLst/>
+          </a:prstGeom>
+        </p:spPr>
+        <p:txBody>
+          <a:bodyPr wrap="square">
+            <a:spAutoFit/>
+          </a:bodyPr>
+          <a:lstStyle/>
+          <a:p>
+            <a:r>
+              <a:rPr lang="en-US" sz="2400" dirty="0" smtClean="0">
+                <a:latin typeface="Courier New" panose="02070309020205020404" pitchFamily="49" charset="0"/>
+                <a:cs typeface="Courier New" panose="02070309020205020404" pitchFamily="49" charset="0"/>
+              </a:rPr>
+              <a:t>&gt;&gt; </a:t>
+            </a:r>
+            <a:r>
+              <a:rPr lang="en-US" sz="2400" dirty="0" err="1">
+                <a:latin typeface="Courier New" panose="02070309020205020404" pitchFamily="49" charset="0"/>
+                <a:cs typeface="Courier New" panose="02070309020205020404" pitchFamily="49" charset="0"/>
+              </a:rPr>
+              <a:t>io:fwrite</a:t>
+            </a:r>
+            <a:r>
+              <a:rPr lang="en-US" sz="2400" dirty="0">
+                <a:latin typeface="Courier New" panose="02070309020205020404" pitchFamily="49" charset="0"/>
+                <a:cs typeface="Courier New" panose="02070309020205020404" pitchFamily="49" charset="0"/>
+              </a:rPr>
+              <a:t>("Hello World</a:t>
+            </a:r>
+            <a:r>
+              <a:rPr lang="en-US" sz="2400" dirty="0" smtClean="0">
+                <a:latin typeface="Courier New" panose="02070309020205020404" pitchFamily="49" charset="0"/>
+                <a:cs typeface="Courier New" panose="02070309020205020404" pitchFamily="49" charset="0"/>
+              </a:rPr>
+              <a:t>!~n").</a:t>
+            </a:r>
+            <a:endParaRPr lang="en-US" sz="2400" dirty="0">
+              <a:latin typeface="Courier New" panose="02070309020205020404" pitchFamily="49" charset="0"/>
+              <a:cs typeface="Courier New" panose="02070309020205020404" pitchFamily="49" charset="0"/>
+            </a:endParaRPr>
+          </a:p>
+          <a:p>
+            <a:r>
+              <a:rPr lang="en-US" sz="2400" dirty="0">
+                <a:latin typeface="Courier New" panose="02070309020205020404" pitchFamily="49" charset="0"/>
+                <a:cs typeface="Courier New" panose="02070309020205020404" pitchFamily="49" charset="0"/>
+              </a:rPr>
+              <a:t>Hello World</a:t>
+            </a:r>
+            <a:r>
+              <a:rPr lang="en-US" sz="2400" dirty="0" smtClean="0">
+                <a:latin typeface="Courier New" panose="02070309020205020404" pitchFamily="49" charset="0"/>
+                <a:cs typeface="Courier New" panose="02070309020205020404" pitchFamily="49" charset="0"/>
+              </a:rPr>
+              <a:t>!</a:t>
+            </a:r>
+          </a:p>
+          <a:p>
+            <a:r>
+              <a:rPr lang="en-US" sz="2400" dirty="0" smtClean="0">
+                <a:latin typeface="Courier New" panose="02070309020205020404" pitchFamily="49" charset="0"/>
+                <a:cs typeface="Courier New" panose="02070309020205020404" pitchFamily="49" charset="0"/>
+              </a:rPr>
+              <a:t>ok</a:t>
+            </a:r>
+          </a:p>
+          <a:p>
+            <a:r>
+              <a:rPr lang="en-US" sz="2400" dirty="0" smtClean="0">
+                <a:latin typeface="Courier New" panose="02070309020205020404" pitchFamily="49" charset="0"/>
+                <a:cs typeface="Courier New" panose="02070309020205020404" pitchFamily="49" charset="0"/>
+              </a:rPr>
+              <a:t>&gt;&gt;</a:t>
+            </a:r>
+            <a:endParaRPr lang="en-US" sz="2400" dirty="0">
+              <a:latin typeface="Courier New" panose="02070309020205020404" pitchFamily="49" charset="0"/>
+              <a:cs typeface="Courier New" panose="02070309020205020404" pitchFamily="49" charset="0"/>
+            </a:endParaRPr>
+          </a:p>
+          <a:p>
+            <a:r>
+              <a:rPr lang="pl-PL" sz="2400" dirty="0" smtClean="0">
+                <a:latin typeface="Courier New" panose="02070309020205020404" pitchFamily="49" charset="0"/>
+                <a:cs typeface="Courier New" panose="02070309020205020404" pitchFamily="49" charset="0"/>
+              </a:rPr>
+              <a:t>&gt;&gt; </a:t>
+            </a:r>
+            <a:r>
+              <a:rPr lang="pl-PL" sz="2400" dirty="0">
+                <a:latin typeface="Courier New" panose="02070309020205020404" pitchFamily="49" charset="0"/>
+                <a:cs typeface="Courier New" panose="02070309020205020404" pitchFamily="49" charset="0"/>
+              </a:rPr>
+              <a:t>L = [1, 2, 3, "go"].</a:t>
+            </a:r>
+          </a:p>
+          <a:p>
+            <a:r>
+              <a:rPr lang="pl-PL" sz="2400" dirty="0" smtClean="0">
+                <a:latin typeface="Courier New" panose="02070309020205020404" pitchFamily="49" charset="0"/>
+                <a:cs typeface="Courier New" panose="02070309020205020404" pitchFamily="49" charset="0"/>
+              </a:rPr>
+              <a:t>&gt;&gt; </a:t>
+            </a:r>
+            <a:r>
+              <a:rPr lang="pl-PL" sz="2400" dirty="0">
+                <a:latin typeface="Courier New" panose="02070309020205020404" pitchFamily="49" charset="0"/>
+                <a:cs typeface="Courier New" panose="02070309020205020404" pitchFamily="49" charset="0"/>
+              </a:rPr>
+              <a:t>[S | T] = L</a:t>
+            </a:r>
+            <a:r>
+              <a:rPr lang="pl-PL" sz="2400" dirty="0" smtClean="0">
+                <a:latin typeface="Courier New" panose="02070309020205020404" pitchFamily="49" charset="0"/>
+                <a:cs typeface="Courier New" panose="02070309020205020404" pitchFamily="49" charset="0"/>
+              </a:rPr>
+              <a:t>.</a:t>
+            </a:r>
+            <a:r>
+              <a:rPr lang="en-US" sz="2400" dirty="0">
+                <a:latin typeface="Courier New" panose="02070309020205020404" pitchFamily="49" charset="0"/>
+                <a:cs typeface="Courier New" panose="02070309020205020404" pitchFamily="49" charset="0"/>
+              </a:rPr>
+              <a:t>	</a:t>
+            </a:r>
+            <a:r>
+              <a:rPr lang="en-US" sz="2400" dirty="0" smtClean="0">
+                <a:latin typeface="Courier New" panose="02070309020205020404" pitchFamily="49" charset="0"/>
+                <a:cs typeface="Courier New" panose="02070309020205020404" pitchFamily="49" charset="0"/>
+              </a:rPr>
+              <a:t>	</a:t>
+            </a:r>
+            <a:r>
+              <a:rPr lang="en-US" dirty="0" smtClean="0">
+                <a:latin typeface="Courier New" panose="02070309020205020404" pitchFamily="49" charset="0"/>
+                <a:cs typeface="Courier New" panose="02070309020205020404" pitchFamily="49" charset="0"/>
+              </a:rPr>
+              <a:t>% S = 1, T = [2,3,”go”]</a:t>
+            </a:r>
+            <a:endParaRPr lang="pl-PL" sz="2400" dirty="0">
+              <a:latin typeface="Courier New" panose="02070309020205020404" pitchFamily="49" charset="0"/>
+              <a:cs typeface="Courier New" panose="02070309020205020404" pitchFamily="49" charset="0"/>
+            </a:endParaRPr>
+          </a:p>
+          <a:p>
+            <a:r>
+              <a:rPr lang="pl-PL" sz="2400" dirty="0" smtClean="0">
+                <a:latin typeface="Courier New" panose="02070309020205020404" pitchFamily="49" charset="0"/>
+                <a:cs typeface="Courier New" panose="02070309020205020404" pitchFamily="49" charset="0"/>
+              </a:rPr>
+              <a:t>&gt;&gt;</a:t>
+            </a:r>
+            <a:endParaRPr lang="pl-PL" sz="2400" dirty="0">
+              <a:latin typeface="Courier New" panose="02070309020205020404" pitchFamily="49" charset="0"/>
+              <a:cs typeface="Courier New" panose="02070309020205020404" pitchFamily="49" charset="0"/>
+            </a:endParaRPr>
+          </a:p>
+          <a:p>
+            <a:r>
+              <a:rPr lang="pl-PL" sz="2400" dirty="0">
+                <a:latin typeface="Courier New" panose="02070309020205020404" pitchFamily="49" charset="0"/>
+                <a:cs typeface="Courier New" panose="02070309020205020404" pitchFamily="49" charset="0"/>
+              </a:rPr>
+              <a:t>&gt;&gt; [A, B | R] = L</a:t>
+            </a:r>
+            <a:r>
+              <a:rPr lang="pl-PL" sz="2400" dirty="0" smtClean="0">
+                <a:latin typeface="Courier New" panose="02070309020205020404" pitchFamily="49" charset="0"/>
+                <a:cs typeface="Courier New" panose="02070309020205020404" pitchFamily="49" charset="0"/>
+              </a:rPr>
+              <a:t>.</a:t>
+            </a:r>
+            <a:r>
+              <a:rPr lang="en-US" sz="2400" dirty="0" smtClean="0">
+                <a:latin typeface="Courier New" panose="02070309020205020404" pitchFamily="49" charset="0"/>
+                <a:cs typeface="Courier New" panose="02070309020205020404" pitchFamily="49" charset="0"/>
+              </a:rPr>
+              <a:t>	</a:t>
+            </a:r>
+            <a:r>
+              <a:rPr lang="en-US" dirty="0" smtClean="0">
+                <a:latin typeface="Courier New" panose="02070309020205020404" pitchFamily="49" charset="0"/>
+                <a:cs typeface="Courier New" panose="02070309020205020404" pitchFamily="49" charset="0"/>
+              </a:rPr>
+              <a:t>% A = 1, B = 2, R = [3, “go”]</a:t>
+            </a:r>
+            <a:endParaRPr lang="pl-PL" sz="2400" dirty="0">
+              <a:latin typeface="Courier New" panose="02070309020205020404" pitchFamily="49" charset="0"/>
+              <a:cs typeface="Courier New" panose="02070309020205020404" pitchFamily="49" charset="0"/>
+            </a:endParaRPr>
+          </a:p>
+        </p:txBody>
+      </p:sp>
+    </p:spTree>
+    <p:extLst>
+      <p:ext uri="{BB962C8B-B14F-4D97-AF65-F5344CB8AC3E}">
+        <p14:creationId xmlns:p14="http://schemas.microsoft.com/office/powerpoint/2010/main" val="2649340953"/>
+      </p:ext>
+    </p:extLst>
+  </p:cSld>
+  <p:clrMapOvr>
+    <a:masterClrMapping/>
+  </p:clrMapOvr>
+</p:sld>
+</file>
+
+<file path=ppt/slides/slide17.xml><?xml version="1.0" encoding="utf-8"?>
+<p:sld xmlns:a="http://schemas.openxmlformats.org/drawingml/2006/main" xmlns:r="http://schemas.openxmlformats.org/officeDocument/2006/relationships" xmlns:p="http://schemas.openxmlformats.org/presentationml/2006/main">
+  <p:cSld>
+    <p:spTree>
+      <p:nvGrpSpPr>
+        <p:cNvPr id="1" name=""/>
+        <p:cNvGrpSpPr/>
+        <p:nvPr/>
+      </p:nvGrpSpPr>
+      <p:grpSpPr>
+        <a:xfrm>
+          <a:off x="0" y="0"/>
+          <a:ext cx="0" cy="0"/>
+          <a:chOff x="0" y="0"/>
+          <a:chExt cx="0" cy="0"/>
+        </a:xfrm>
+      </p:grpSpPr>
+      <p:sp>
+        <p:nvSpPr>
+          <p:cNvPr id="2" name="Title 1"/>
+          <p:cNvSpPr>
+            <a:spLocks noGrp="1"/>
+          </p:cNvSpPr>
+          <p:nvPr>
+            <p:ph type="title"/>
+          </p:nvPr>
+        </p:nvSpPr>
+        <p:spPr>
+          <a:xfrm>
+            <a:off x="457200" y="274638"/>
+            <a:ext cx="8229600" cy="563562"/>
+          </a:xfrm>
+        </p:spPr>
+        <p:txBody>
+          <a:bodyPr>
+            <a:noAutofit/>
+          </a:bodyPr>
+          <a:lstStyle/>
+          <a:p>
+            <a:r>
+              <a:rPr lang="en-US" sz="4800" dirty="0"/>
+              <a:t>The Language</a:t>
+            </a:r>
+            <a:endParaRPr lang="en-US" sz="4800" dirty="0"/>
+          </a:p>
+        </p:txBody>
+      </p:sp>
+      <p:sp>
+        <p:nvSpPr>
+          <p:cNvPr id="4" name="Title 1"/>
+          <p:cNvSpPr txBox="1">
+            <a:spLocks/>
+          </p:cNvSpPr>
+          <p:nvPr/>
+        </p:nvSpPr>
+        <p:spPr>
+          <a:xfrm>
+            <a:off x="457200" y="914400"/>
+            <a:ext cx="8229600" cy="457200"/>
+          </a:xfrm>
+          <a:prstGeom prst="rect">
+            <a:avLst/>
+          </a:prstGeom>
+        </p:spPr>
+        <p:txBody>
+          <a:bodyPr vert="horz" lIns="91440" tIns="45720" rIns="91440" bIns="45720" rtlCol="0" anchor="ctr">
+            <a:noAutofit/>
+          </a:bodyPr>
+          <a:lstStyle>
+            <a:lvl1pPr algn="ctr" defTabSz="914400" rtl="0" eaLnBrk="1" latinLnBrk="0" hangingPunct="1">
+              <a:spcBef>
+                <a:spcPct val="0"/>
+              </a:spcBef>
+              <a:buNone/>
+              <a:defRPr sz="4400" kern="1200">
+                <a:solidFill>
+                  <a:schemeClr val="tx1"/>
+                </a:solidFill>
+                <a:latin typeface="+mj-lt"/>
+                <a:ea typeface="+mj-ea"/>
+                <a:cs typeface="+mj-cs"/>
+              </a:defRPr>
+            </a:lvl1pPr>
+          </a:lstStyle>
+          <a:p>
+            <a:pPr algn="l"/>
+            <a:r>
+              <a:rPr lang="en-US" sz="3600" dirty="0" smtClean="0"/>
+              <a:t>Samples</a:t>
+            </a:r>
+            <a:endParaRPr lang="en-US" sz="3600" dirty="0"/>
+          </a:p>
+        </p:txBody>
+      </p:sp>
+      <p:pic>
+        <p:nvPicPr>
+          <p:cNvPr id="2051" name="Picture 3"/>
+          <p:cNvPicPr>
+            <a:picLocks noChangeAspect="1" noChangeArrowheads="1"/>
+          </p:cNvPicPr>
+          <p:nvPr/>
+        </p:nvPicPr>
+        <p:blipFill>
+          <a:blip r:embed="rId3">
+            <a:extLst>
+              <a:ext uri="{28A0092B-C50C-407E-A947-70E740481C1C}">
+                <a14:useLocalDpi xmlns:a14="http://schemas.microsoft.com/office/drawing/2010/main" val="0"/>
+              </a:ext>
+            </a:extLst>
+          </a:blip>
+          <a:srcRect/>
+          <a:stretch>
+            <a:fillRect/>
+          </a:stretch>
+        </p:blipFill>
+        <p:spPr bwMode="auto">
+          <a:xfrm>
+            <a:off x="546253" y="1447800"/>
+            <a:ext cx="8051494" cy="5082044"/>
+          </a:xfrm>
+          <a:prstGeom prst="rect">
+            <a:avLst/>
+          </a:prstGeom>
+          <a:noFill/>
+          <a:ln>
+            <a:noFill/>
+          </a:ln>
+          <a:extLst>
+            <a:ext uri="{909E8E84-426E-40DD-AFC4-6F175D3DCCD1}">
+              <a14:hiddenFill xmlns:a14="http://schemas.microsoft.com/office/drawing/2010/main">
+                <a:solidFill>
+                  <a:schemeClr val="accent1"/>
+                </a:solidFill>
+              </a14:hiddenFill>
+            </a:ext>
+            <a:ext uri="{91240B29-F687-4F45-9708-019B960494DF}">
+              <a14:hiddenLine xmlns:a14="http://schemas.microsoft.com/office/drawing/2010/main" w="9525">
+                <a:solidFill>
+                  <a:schemeClr val="tx1"/>
+                </a:solidFill>
+                <a:miter lim="800000"/>
+                <a:headEnd/>
+                <a:tailEnd/>
+              </a14:hiddenLine>
+            </a:ext>
+          </a:extLst>
+        </p:spPr>
+      </p:pic>
+    </p:spTree>
+    <p:extLst>
+      <p:ext uri="{BB962C8B-B14F-4D97-AF65-F5344CB8AC3E}">
+        <p14:creationId xmlns:p14="http://schemas.microsoft.com/office/powerpoint/2010/main" val="3142724116"/>
+      </p:ext>
+    </p:extLst>
+  </p:cSld>
+  <p:clrMapOvr>
+    <a:masterClrMapping/>
+  </p:clrMapOvr>
+</p:sld>
+</file>
+
+<file path=ppt/slides/slide18.xml><?xml version="1.0" encoding="utf-8"?>
+<p:sld xmlns:a="http://schemas.openxmlformats.org/drawingml/2006/main" xmlns:r="http://schemas.openxmlformats.org/officeDocument/2006/relationships" xmlns:p="http://schemas.openxmlformats.org/presentationml/2006/main">
+  <p:cSld>
+    <p:spTree>
+      <p:nvGrpSpPr>
+        <p:cNvPr id="1" name=""/>
+        <p:cNvGrpSpPr/>
+        <p:nvPr/>
+      </p:nvGrpSpPr>
+      <p:grpSpPr>
+        <a:xfrm>
+          <a:off x="0" y="0"/>
+          <a:ext cx="0" cy="0"/>
+          <a:chOff x="0" y="0"/>
+          <a:chExt cx="0" cy="0"/>
+        </a:xfrm>
+      </p:grpSpPr>
+      <p:sp>
+        <p:nvSpPr>
+          <p:cNvPr id="2" name="Title 1"/>
+          <p:cNvSpPr>
+            <a:spLocks noGrp="1"/>
+          </p:cNvSpPr>
+          <p:nvPr>
+            <p:ph type="title"/>
+          </p:nvPr>
+        </p:nvSpPr>
+        <p:spPr>
+          <a:xfrm>
+            <a:off x="457200" y="274638"/>
+            <a:ext cx="8229600" cy="563562"/>
+          </a:xfrm>
+        </p:spPr>
+        <p:txBody>
+          <a:bodyPr>
+            <a:noAutofit/>
+          </a:bodyPr>
+          <a:lstStyle/>
+          <a:p>
+            <a:r>
+              <a:rPr lang="en-US" sz="4800" dirty="0"/>
+              <a:t>The Language</a:t>
+            </a:r>
+            <a:endParaRPr lang="en-US" sz="4800" dirty="0"/>
+          </a:p>
+        </p:txBody>
+      </p:sp>
+      <p:sp>
+        <p:nvSpPr>
+          <p:cNvPr id="4" name="Title 1"/>
+          <p:cNvSpPr txBox="1">
+            <a:spLocks/>
+          </p:cNvSpPr>
+          <p:nvPr/>
+        </p:nvSpPr>
+        <p:spPr>
+          <a:xfrm>
+            <a:off x="457200" y="914400"/>
+            <a:ext cx="8229600" cy="457200"/>
+          </a:xfrm>
+          <a:prstGeom prst="rect">
+            <a:avLst/>
+          </a:prstGeom>
+        </p:spPr>
+        <p:txBody>
+          <a:bodyPr vert="horz" lIns="91440" tIns="45720" rIns="91440" bIns="45720" rtlCol="0" anchor="ctr">
+            <a:noAutofit/>
+          </a:bodyPr>
+          <a:lstStyle>
+            <a:lvl1pPr algn="ctr" defTabSz="914400" rtl="0" eaLnBrk="1" latinLnBrk="0" hangingPunct="1">
+              <a:spcBef>
+                <a:spcPct val="0"/>
+              </a:spcBef>
+              <a:buNone/>
+              <a:defRPr sz="4400" kern="1200">
+                <a:solidFill>
+                  <a:schemeClr val="tx1"/>
+                </a:solidFill>
+                <a:latin typeface="+mj-lt"/>
+                <a:ea typeface="+mj-ea"/>
+                <a:cs typeface="+mj-cs"/>
+              </a:defRPr>
+            </a:lvl1pPr>
+          </a:lstStyle>
+          <a:p>
+            <a:pPr algn="l"/>
+            <a:r>
+              <a:rPr lang="en-US" sz="3600" dirty="0" smtClean="0"/>
+              <a:t>Samples</a:t>
+            </a:r>
+            <a:endParaRPr lang="en-US" sz="3600" dirty="0"/>
+          </a:p>
+        </p:txBody>
+      </p:sp>
+      <p:pic>
+        <p:nvPicPr>
+          <p:cNvPr id="3074" name="Picture 2"/>
+          <p:cNvPicPr>
+            <a:picLocks noChangeArrowheads="1"/>
+          </p:cNvPicPr>
+          <p:nvPr/>
+        </p:nvPicPr>
+        <p:blipFill rotWithShape="1">
+          <a:blip r:embed="rId3">
+            <a:extLst>
+              <a:ext uri="{28A0092B-C50C-407E-A947-70E740481C1C}">
+                <a14:useLocalDpi xmlns:a14="http://schemas.microsoft.com/office/drawing/2010/main" val="0"/>
+              </a:ext>
+            </a:extLst>
+          </a:blip>
+          <a:srcRect b="11286"/>
+          <a:stretch/>
+        </p:blipFill>
+        <p:spPr bwMode="auto">
+          <a:xfrm>
+            <a:off x="266700" y="2286000"/>
+            <a:ext cx="8610600" cy="4343400"/>
+          </a:xfrm>
+          <a:prstGeom prst="rect">
+            <a:avLst/>
+          </a:prstGeom>
+          <a:noFill/>
+          <a:ln>
+            <a:noFill/>
+          </a:ln>
+          <a:extLst>
+            <a:ext uri="{909E8E84-426E-40DD-AFC4-6F175D3DCCD1}">
+              <a14:hiddenFill xmlns:a14="http://schemas.microsoft.com/office/drawing/2010/main">
+                <a:solidFill>
+                  <a:schemeClr val="accent1"/>
+                </a:solidFill>
+              </a14:hiddenFill>
+            </a:ext>
+            <a:ext uri="{91240B29-F687-4F45-9708-019B960494DF}">
+              <a14:hiddenLine xmlns:a14="http://schemas.microsoft.com/office/drawing/2010/main" w="9525">
+                <a:solidFill>
+                  <a:schemeClr val="tx1"/>
+                </a:solidFill>
+                <a:miter lim="800000"/>
+                <a:headEnd/>
+                <a:tailEnd/>
+              </a14:hiddenLine>
+            </a:ext>
+          </a:extLst>
+        </p:spPr>
+      </p:pic>
+      <p:sp>
+        <p:nvSpPr>
+          <p:cNvPr id="3" name="Rectangle 2"/>
+          <p:cNvSpPr/>
+          <p:nvPr/>
+        </p:nvSpPr>
+        <p:spPr>
+          <a:xfrm>
+            <a:off x="76200" y="1447800"/>
+            <a:ext cx="8801100" cy="646331"/>
+          </a:xfrm>
+          <a:prstGeom prst="rect">
+            <a:avLst/>
+          </a:prstGeom>
+        </p:spPr>
+        <p:txBody>
+          <a:bodyPr wrap="square">
+            <a:spAutoFit/>
+          </a:bodyPr>
+          <a:lstStyle/>
+          <a:p>
+            <a:r>
+              <a:rPr lang="en-US" dirty="0" smtClean="0"/>
+              <a:t>Parameter: </a:t>
+            </a:r>
+            <a:r>
+              <a:rPr lang="en-US" dirty="0" smtClean="0">
+                <a:latin typeface="Courier New" panose="02070309020205020404" pitchFamily="49" charset="0"/>
+                <a:cs typeface="Courier New" panose="02070309020205020404" pitchFamily="49" charset="0"/>
+              </a:rPr>
+              <a:t>[{"</a:t>
+            </a:r>
+            <a:r>
+              <a:rPr lang="en-US" dirty="0">
+                <a:latin typeface="Courier New" panose="02070309020205020404" pitchFamily="49" charset="0"/>
+                <a:cs typeface="Courier New" panose="02070309020205020404" pitchFamily="49" charset="0"/>
+              </a:rPr>
+              <a:t>Denver",{f,70}},{"Seattle",{f,65}},{"London",{c,20}}]</a:t>
+            </a:r>
+          </a:p>
+        </p:txBody>
+      </p:sp>
+    </p:spTree>
+    <p:extLst>
+      <p:ext uri="{BB962C8B-B14F-4D97-AF65-F5344CB8AC3E}">
+        <p14:creationId xmlns:p14="http://schemas.microsoft.com/office/powerpoint/2010/main" val="578991349"/>
+      </p:ext>
+    </p:extLst>
+  </p:cSld>
+  <p:clrMapOvr>
+    <a:masterClrMapping/>
+  </p:clrMapOvr>
+</p:sld>
+</file>
+
+<file path=ppt/slides/slide19.xml><?xml version="1.0" encoding="utf-8"?>
+<p:sld xmlns:a="http://schemas.openxmlformats.org/drawingml/2006/main" xmlns:r="http://schemas.openxmlformats.org/officeDocument/2006/relationships" xmlns:p="http://schemas.openxmlformats.org/presentationml/2006/main">
+  <p:cSld>
+    <p:spTree>
+      <p:nvGrpSpPr>
+        <p:cNvPr id="1" name=""/>
+        <p:cNvGrpSpPr/>
+        <p:nvPr/>
+      </p:nvGrpSpPr>
+      <p:grpSpPr>
+        <a:xfrm>
+          <a:off x="0" y="0"/>
+          <a:ext cx="0" cy="0"/>
+          <a:chOff x="0" y="0"/>
+          <a:chExt cx="0" cy="0"/>
+        </a:xfrm>
+      </p:grpSpPr>
+      <p:sp>
+        <p:nvSpPr>
+          <p:cNvPr id="2" name="Title 1"/>
+          <p:cNvSpPr>
+            <a:spLocks noGrp="1"/>
+          </p:cNvSpPr>
+          <p:nvPr>
+            <p:ph type="title"/>
+          </p:nvPr>
+        </p:nvSpPr>
+        <p:spPr>
+          <a:xfrm>
+            <a:off x="457200" y="274638"/>
+            <a:ext cx="8229600" cy="563562"/>
+          </a:xfrm>
+        </p:spPr>
+        <p:txBody>
+          <a:bodyPr>
+            <a:noAutofit/>
+          </a:bodyPr>
+          <a:lstStyle/>
+          <a:p>
+            <a:r>
+              <a:rPr lang="en-US" sz="4800" dirty="0"/>
+              <a:t>The Language</a:t>
+            </a:r>
+            <a:endParaRPr lang="en-US" sz="4800" dirty="0"/>
+          </a:p>
+        </p:txBody>
+      </p:sp>
+      <p:sp>
+        <p:nvSpPr>
+          <p:cNvPr id="4" name="Title 1"/>
+          <p:cNvSpPr txBox="1">
+            <a:spLocks/>
+          </p:cNvSpPr>
+          <p:nvPr/>
+        </p:nvSpPr>
+        <p:spPr>
+          <a:xfrm>
+            <a:off x="457200" y="914400"/>
+            <a:ext cx="8229600" cy="457200"/>
+          </a:xfrm>
+          <a:prstGeom prst="rect">
+            <a:avLst/>
+          </a:prstGeom>
+        </p:spPr>
+        <p:txBody>
+          <a:bodyPr vert="horz" lIns="91440" tIns="45720" rIns="91440" bIns="45720" rtlCol="0" anchor="ctr">
+            <a:noAutofit/>
+          </a:bodyPr>
+          <a:lstStyle>
+            <a:lvl1pPr algn="ctr" defTabSz="914400" rtl="0" eaLnBrk="1" latinLnBrk="0" hangingPunct="1">
+              <a:spcBef>
+                <a:spcPct val="0"/>
+              </a:spcBef>
+              <a:buNone/>
+              <a:defRPr sz="4400" kern="1200">
+                <a:solidFill>
+                  <a:schemeClr val="tx1"/>
+                </a:solidFill>
+                <a:latin typeface="+mj-lt"/>
+                <a:ea typeface="+mj-ea"/>
+                <a:cs typeface="+mj-cs"/>
+              </a:defRPr>
+            </a:lvl1pPr>
+          </a:lstStyle>
+          <a:p>
+            <a:pPr algn="l"/>
+            <a:r>
+              <a:rPr lang="en-US" sz="3600" dirty="0" smtClean="0"/>
+              <a:t>Samples</a:t>
+            </a:r>
+            <a:endParaRPr lang="en-US" sz="3600" dirty="0"/>
+          </a:p>
+        </p:txBody>
+      </p:sp>
+      <p:pic>
+        <p:nvPicPr>
+          <p:cNvPr id="4098" name="Picture 2"/>
+          <p:cNvPicPr>
+            <a:picLocks noChangeAspect="1" noChangeArrowheads="1"/>
+          </p:cNvPicPr>
+          <p:nvPr/>
+        </p:nvPicPr>
+        <p:blipFill>
+          <a:blip r:embed="rId3">
+            <a:extLst>
+              <a:ext uri="{28A0092B-C50C-407E-A947-70E740481C1C}">
+                <a14:useLocalDpi xmlns:a14="http://schemas.microsoft.com/office/drawing/2010/main" val="0"/>
+              </a:ext>
+            </a:extLst>
+          </a:blip>
+          <a:srcRect/>
+          <a:stretch>
+            <a:fillRect/>
+          </a:stretch>
+        </p:blipFill>
+        <p:spPr bwMode="auto">
+          <a:xfrm>
+            <a:off x="646953" y="1485900"/>
+            <a:ext cx="7850094" cy="2705100"/>
+          </a:xfrm>
+          <a:prstGeom prst="rect">
+            <a:avLst/>
+          </a:prstGeom>
+          <a:noFill/>
+          <a:ln>
+            <a:noFill/>
+          </a:ln>
+          <a:extLst>
+            <a:ext uri="{909E8E84-426E-40DD-AFC4-6F175D3DCCD1}">
+              <a14:hiddenFill xmlns:a14="http://schemas.microsoft.com/office/drawing/2010/main">
+                <a:solidFill>
+                  <a:schemeClr val="accent1"/>
+                </a:solidFill>
+              </a14:hiddenFill>
+            </a:ext>
+            <a:ext uri="{91240B29-F687-4F45-9708-019B960494DF}">
+              <a14:hiddenLine xmlns:a14="http://schemas.microsoft.com/office/drawing/2010/main" w="9525">
+                <a:solidFill>
+                  <a:schemeClr val="tx1"/>
+                </a:solidFill>
+                <a:miter lim="800000"/>
+                <a:headEnd/>
+                <a:tailEnd/>
+              </a14:hiddenLine>
+            </a:ext>
+          </a:extLst>
+        </p:spPr>
+      </p:pic>
+      <p:pic>
+        <p:nvPicPr>
+          <p:cNvPr id="4099" name="Picture 3"/>
+          <p:cNvPicPr>
+            <a:picLocks noChangeAspect="1" noChangeArrowheads="1"/>
+          </p:cNvPicPr>
+          <p:nvPr/>
+        </p:nvPicPr>
+        <p:blipFill>
+          <a:blip r:embed="rId4">
+            <a:extLst>
+              <a:ext uri="{28A0092B-C50C-407E-A947-70E740481C1C}">
+                <a14:useLocalDpi xmlns:a14="http://schemas.microsoft.com/office/drawing/2010/main" val="0"/>
+              </a:ext>
+            </a:extLst>
+          </a:blip>
+          <a:srcRect/>
+          <a:stretch>
+            <a:fillRect/>
+          </a:stretch>
+        </p:blipFill>
+        <p:spPr bwMode="auto">
+          <a:xfrm>
+            <a:off x="2499452" y="4343399"/>
+            <a:ext cx="4145096" cy="2234045"/>
+          </a:xfrm>
+          <a:prstGeom prst="rect">
+            <a:avLst/>
+          </a:prstGeom>
+          <a:noFill/>
+          <a:ln>
+            <a:noFill/>
+          </a:ln>
+          <a:extLst>
+            <a:ext uri="{909E8E84-426E-40DD-AFC4-6F175D3DCCD1}">
+              <a14:hiddenFill xmlns:a14="http://schemas.microsoft.com/office/drawing/2010/main">
+                <a:solidFill>
+                  <a:schemeClr val="accent1"/>
+                </a:solidFill>
+              </a14:hiddenFill>
+            </a:ext>
+            <a:ext uri="{91240B29-F687-4F45-9708-019B960494DF}">
+              <a14:hiddenLine xmlns:a14="http://schemas.microsoft.com/office/drawing/2010/main" w="9525">
+                <a:solidFill>
+                  <a:schemeClr val="tx1"/>
+                </a:solidFill>
+                <a:miter lim="800000"/>
+                <a:headEnd/>
+                <a:tailEnd/>
+              </a14:hiddenLine>
+            </a:ext>
+          </a:extLst>
+        </p:spPr>
+      </p:pic>
+    </p:spTree>
+    <p:extLst>
+      <p:ext uri="{BB962C8B-B14F-4D97-AF65-F5344CB8AC3E}">
+        <p14:creationId xmlns:p14="http://schemas.microsoft.com/office/powerpoint/2010/main" val="2073629747"/>
+      </p:ext>
+    </p:extLst>
+  </p:cSld>
+  <p:clrMapOvr>
+    <a:masterClrMapping/>
+  </p:clrMapOvr>
+</p:sld>
+</file>
+
 <file path=ppt/slides/slide2.xml><?xml version="1.0" encoding="utf-8"?>
 <p:sld xmlns:a="http://schemas.openxmlformats.org/drawingml/2006/main" xmlns:r="http://schemas.openxmlformats.org/officeDocument/2006/relationships" xmlns:p="http://schemas.openxmlformats.org/presentationml/2006/main">
   <p:cSld>
@@ -4514,6 +8794,934 @@
     <p:extLst>
       <p:ext uri="{BB962C8B-B14F-4D97-AF65-F5344CB8AC3E}">
         <p14:creationId xmlns:p14="http://schemas.microsoft.com/office/powerpoint/2010/main" val="1251093088"/>
+      </p:ext>
+    </p:extLst>
+  </p:cSld>
+  <p:clrMapOvr>
+    <a:masterClrMapping/>
+  </p:clrMapOvr>
+</p:sld>
+</file>
+
+<file path=ppt/slides/slide20.xml><?xml version="1.0" encoding="utf-8"?>
+<p:sld xmlns:a="http://schemas.openxmlformats.org/drawingml/2006/main" xmlns:r="http://schemas.openxmlformats.org/officeDocument/2006/relationships" xmlns:p="http://schemas.openxmlformats.org/presentationml/2006/main">
+  <p:cSld>
+    <p:spTree>
+      <p:nvGrpSpPr>
+        <p:cNvPr id="1" name=""/>
+        <p:cNvGrpSpPr/>
+        <p:nvPr/>
+      </p:nvGrpSpPr>
+      <p:grpSpPr>
+        <a:xfrm>
+          <a:off x="0" y="0"/>
+          <a:ext cx="0" cy="0"/>
+          <a:chOff x="0" y="0"/>
+          <a:chExt cx="0" cy="0"/>
+        </a:xfrm>
+      </p:grpSpPr>
+      <p:sp>
+        <p:nvSpPr>
+          <p:cNvPr id="2" name="Title 1"/>
+          <p:cNvSpPr>
+            <a:spLocks noGrp="1"/>
+          </p:cNvSpPr>
+          <p:nvPr>
+            <p:ph type="title"/>
+          </p:nvPr>
+        </p:nvSpPr>
+        <p:spPr>
+          <a:xfrm>
+            <a:off x="457200" y="274638"/>
+            <a:ext cx="8229600" cy="563562"/>
+          </a:xfrm>
+        </p:spPr>
+        <p:txBody>
+          <a:bodyPr>
+            <a:noAutofit/>
+          </a:bodyPr>
+          <a:lstStyle/>
+          <a:p>
+            <a:r>
+              <a:rPr lang="en-US" sz="4800" dirty="0"/>
+              <a:t>The Language</a:t>
+            </a:r>
+            <a:endParaRPr lang="en-US" sz="4800" dirty="0"/>
+          </a:p>
+        </p:txBody>
+      </p:sp>
+      <p:sp>
+        <p:nvSpPr>
+          <p:cNvPr id="4" name="Title 1"/>
+          <p:cNvSpPr txBox="1">
+            <a:spLocks/>
+          </p:cNvSpPr>
+          <p:nvPr/>
+        </p:nvSpPr>
+        <p:spPr>
+          <a:xfrm>
+            <a:off x="457200" y="914400"/>
+            <a:ext cx="8229600" cy="457200"/>
+          </a:xfrm>
+          <a:prstGeom prst="rect">
+            <a:avLst/>
+          </a:prstGeom>
+        </p:spPr>
+        <p:txBody>
+          <a:bodyPr vert="horz" lIns="91440" tIns="45720" rIns="91440" bIns="45720" rtlCol="0" anchor="ctr">
+            <a:noAutofit/>
+          </a:bodyPr>
+          <a:lstStyle>
+            <a:lvl1pPr algn="ctr" defTabSz="914400" rtl="0" eaLnBrk="1" latinLnBrk="0" hangingPunct="1">
+              <a:spcBef>
+                <a:spcPct val="0"/>
+              </a:spcBef>
+              <a:buNone/>
+              <a:defRPr sz="4400" kern="1200">
+                <a:solidFill>
+                  <a:schemeClr val="tx1"/>
+                </a:solidFill>
+                <a:latin typeface="+mj-lt"/>
+                <a:ea typeface="+mj-ea"/>
+                <a:cs typeface="+mj-cs"/>
+              </a:defRPr>
+            </a:lvl1pPr>
+          </a:lstStyle>
+          <a:p>
+            <a:pPr algn="l"/>
+            <a:r>
+              <a:rPr lang="en-US" sz="3600" dirty="0" smtClean="0"/>
+              <a:t>Samples</a:t>
+            </a:r>
+            <a:endParaRPr lang="en-US" sz="3600" dirty="0"/>
+          </a:p>
+        </p:txBody>
+      </p:sp>
+      <p:pic>
+        <p:nvPicPr>
+          <p:cNvPr id="5122" name="Picture 2"/>
+          <p:cNvPicPr>
+            <a:picLocks noChangeAspect="1" noChangeArrowheads="1"/>
+          </p:cNvPicPr>
+          <p:nvPr/>
+        </p:nvPicPr>
+        <p:blipFill>
+          <a:blip r:embed="rId3">
+            <a:extLst>
+              <a:ext uri="{28A0092B-C50C-407E-A947-70E740481C1C}">
+                <a14:useLocalDpi xmlns:a14="http://schemas.microsoft.com/office/drawing/2010/main" val="0"/>
+              </a:ext>
+            </a:extLst>
+          </a:blip>
+          <a:srcRect/>
+          <a:stretch>
+            <a:fillRect/>
+          </a:stretch>
+        </p:blipFill>
+        <p:spPr bwMode="auto">
+          <a:xfrm>
+            <a:off x="838200" y="1524000"/>
+            <a:ext cx="7467600" cy="5136252"/>
+          </a:xfrm>
+          <a:prstGeom prst="rect">
+            <a:avLst/>
+          </a:prstGeom>
+          <a:noFill/>
+          <a:ln>
+            <a:noFill/>
+          </a:ln>
+          <a:extLst>
+            <a:ext uri="{909E8E84-426E-40DD-AFC4-6F175D3DCCD1}">
+              <a14:hiddenFill xmlns:a14="http://schemas.microsoft.com/office/drawing/2010/main">
+                <a:solidFill>
+                  <a:schemeClr val="accent1"/>
+                </a:solidFill>
+              </a14:hiddenFill>
+            </a:ext>
+            <a:ext uri="{91240B29-F687-4F45-9708-019B960494DF}">
+              <a14:hiddenLine xmlns:a14="http://schemas.microsoft.com/office/drawing/2010/main" w="9525">
+                <a:solidFill>
+                  <a:schemeClr val="tx1"/>
+                </a:solidFill>
+                <a:miter lim="800000"/>
+                <a:headEnd/>
+                <a:tailEnd/>
+              </a14:hiddenLine>
+            </a:ext>
+          </a:extLst>
+        </p:spPr>
+      </p:pic>
+    </p:spTree>
+    <p:extLst>
+      <p:ext uri="{BB962C8B-B14F-4D97-AF65-F5344CB8AC3E}">
+        <p14:creationId xmlns:p14="http://schemas.microsoft.com/office/powerpoint/2010/main" val="540281198"/>
+      </p:ext>
+    </p:extLst>
+  </p:cSld>
+  <p:clrMapOvr>
+    <a:masterClrMapping/>
+  </p:clrMapOvr>
+</p:sld>
+</file>
+
+<file path=ppt/slides/slide21.xml><?xml version="1.0" encoding="utf-8"?>
+<p:sld xmlns:a="http://schemas.openxmlformats.org/drawingml/2006/main" xmlns:r="http://schemas.openxmlformats.org/officeDocument/2006/relationships" xmlns:p="http://schemas.openxmlformats.org/presentationml/2006/main">
+  <p:cSld>
+    <p:spTree>
+      <p:nvGrpSpPr>
+        <p:cNvPr id="1" name=""/>
+        <p:cNvGrpSpPr/>
+        <p:nvPr/>
+      </p:nvGrpSpPr>
+      <p:grpSpPr>
+        <a:xfrm>
+          <a:off x="0" y="0"/>
+          <a:ext cx="0" cy="0"/>
+          <a:chOff x="0" y="0"/>
+          <a:chExt cx="0" cy="0"/>
+        </a:xfrm>
+      </p:grpSpPr>
+      <p:sp>
+        <p:nvSpPr>
+          <p:cNvPr id="2" name="Title 1"/>
+          <p:cNvSpPr>
+            <a:spLocks noGrp="1"/>
+          </p:cNvSpPr>
+          <p:nvPr>
+            <p:ph type="title"/>
+          </p:nvPr>
+        </p:nvSpPr>
+        <p:spPr>
+          <a:xfrm>
+            <a:off x="457200" y="274638"/>
+            <a:ext cx="8229600" cy="563562"/>
+          </a:xfrm>
+        </p:spPr>
+        <p:txBody>
+          <a:bodyPr>
+            <a:noAutofit/>
+          </a:bodyPr>
+          <a:lstStyle/>
+          <a:p>
+            <a:r>
+              <a:rPr lang="en-US" sz="4800" dirty="0"/>
+              <a:t>The Language</a:t>
+            </a:r>
+            <a:endParaRPr lang="en-US" sz="4800" dirty="0"/>
+          </a:p>
+        </p:txBody>
+      </p:sp>
+      <p:sp>
+        <p:nvSpPr>
+          <p:cNvPr id="4" name="Title 1"/>
+          <p:cNvSpPr txBox="1">
+            <a:spLocks/>
+          </p:cNvSpPr>
+          <p:nvPr/>
+        </p:nvSpPr>
+        <p:spPr>
+          <a:xfrm>
+            <a:off x="457200" y="914400"/>
+            <a:ext cx="8229600" cy="457200"/>
+          </a:xfrm>
+          <a:prstGeom prst="rect">
+            <a:avLst/>
+          </a:prstGeom>
+        </p:spPr>
+        <p:txBody>
+          <a:bodyPr vert="horz" lIns="91440" tIns="45720" rIns="91440" bIns="45720" rtlCol="0" anchor="ctr">
+            <a:noAutofit/>
+          </a:bodyPr>
+          <a:lstStyle>
+            <a:lvl1pPr algn="ctr" defTabSz="914400" rtl="0" eaLnBrk="1" latinLnBrk="0" hangingPunct="1">
+              <a:spcBef>
+                <a:spcPct val="0"/>
+              </a:spcBef>
+              <a:buNone/>
+              <a:defRPr sz="4400" kern="1200">
+                <a:solidFill>
+                  <a:schemeClr val="tx1"/>
+                </a:solidFill>
+                <a:latin typeface="+mj-lt"/>
+                <a:ea typeface="+mj-ea"/>
+                <a:cs typeface="+mj-cs"/>
+              </a:defRPr>
+            </a:lvl1pPr>
+          </a:lstStyle>
+          <a:p>
+            <a:pPr algn="l"/>
+            <a:r>
+              <a:rPr lang="en-US" sz="3600" dirty="0" smtClean="0"/>
+              <a:t>Error Handling</a:t>
+            </a:r>
+            <a:endParaRPr lang="en-US" sz="3600" dirty="0"/>
+          </a:p>
+        </p:txBody>
+      </p:sp>
+      <p:pic>
+        <p:nvPicPr>
+          <p:cNvPr id="6146" name="Picture 2" descr="Process that traps exit stops propagation"/>
+          <p:cNvPicPr>
+            <a:picLocks noChangeAspect="1" noChangeArrowheads="1"/>
+          </p:cNvPicPr>
+          <p:nvPr/>
+        </p:nvPicPr>
+        <p:blipFill>
+          <a:blip r:embed="rId3">
+            <a:extLst>
+              <a:ext uri="{28A0092B-C50C-407E-A947-70E740481C1C}">
+                <a14:useLocalDpi xmlns:a14="http://schemas.microsoft.com/office/drawing/2010/main" val="0"/>
+              </a:ext>
+            </a:extLst>
+          </a:blip>
+          <a:srcRect/>
+          <a:stretch>
+            <a:fillRect/>
+          </a:stretch>
+        </p:blipFill>
+        <p:spPr bwMode="auto">
+          <a:xfrm>
+            <a:off x="2476500" y="3583928"/>
+            <a:ext cx="4191000" cy="3197872"/>
+          </a:xfrm>
+          <a:prstGeom prst="rect">
+            <a:avLst/>
+          </a:prstGeom>
+          <a:noFill/>
+          <a:extLst>
+            <a:ext uri="{909E8E84-426E-40DD-AFC4-6F175D3DCCD1}">
+              <a14:hiddenFill xmlns:a14="http://schemas.microsoft.com/office/drawing/2010/main">
+                <a:solidFill>
+                  <a:srgbClr val="FFFFFF"/>
+                </a:solidFill>
+              </a14:hiddenFill>
+            </a:ext>
+          </a:extLst>
+        </p:spPr>
+      </p:pic>
+      <p:pic>
+        <p:nvPicPr>
+          <p:cNvPr id="6148" name="Picture 4" descr="Bidirectional links in chain of processes"/>
+          <p:cNvPicPr>
+            <a:picLocks noChangeAspect="1" noChangeArrowheads="1"/>
+          </p:cNvPicPr>
+          <p:nvPr/>
+        </p:nvPicPr>
+        <p:blipFill>
+          <a:blip r:embed="rId4">
+            <a:extLst>
+              <a:ext uri="{28A0092B-C50C-407E-A947-70E740481C1C}">
+                <a14:useLocalDpi xmlns:a14="http://schemas.microsoft.com/office/drawing/2010/main" val="0"/>
+              </a:ext>
+            </a:extLst>
+          </a:blip>
+          <a:srcRect/>
+          <a:stretch>
+            <a:fillRect/>
+          </a:stretch>
+        </p:blipFill>
+        <p:spPr bwMode="auto">
+          <a:xfrm>
+            <a:off x="2590800" y="1428427"/>
+            <a:ext cx="3962400" cy="2249837"/>
+          </a:xfrm>
+          <a:prstGeom prst="rect">
+            <a:avLst/>
+          </a:prstGeom>
+          <a:noFill/>
+          <a:extLst>
+            <a:ext uri="{909E8E84-426E-40DD-AFC4-6F175D3DCCD1}">
+              <a14:hiddenFill xmlns:a14="http://schemas.microsoft.com/office/drawing/2010/main">
+                <a:solidFill>
+                  <a:srgbClr val="FFFFFF"/>
+                </a:solidFill>
+              </a14:hiddenFill>
+            </a:ext>
+          </a:extLst>
+        </p:spPr>
+      </p:pic>
+    </p:spTree>
+    <p:extLst>
+      <p:ext uri="{BB962C8B-B14F-4D97-AF65-F5344CB8AC3E}">
+        <p14:creationId xmlns:p14="http://schemas.microsoft.com/office/powerpoint/2010/main" val="2441957737"/>
+      </p:ext>
+    </p:extLst>
+  </p:cSld>
+  <p:clrMapOvr>
+    <a:masterClrMapping/>
+  </p:clrMapOvr>
+</p:sld>
+</file>
+
+<file path=ppt/slides/slide22.xml><?xml version="1.0" encoding="utf-8"?>
+<p:sld xmlns:a="http://schemas.openxmlformats.org/drawingml/2006/main" xmlns:r="http://schemas.openxmlformats.org/officeDocument/2006/relationships" xmlns:p="http://schemas.openxmlformats.org/presentationml/2006/main">
+  <p:cSld>
+    <p:spTree>
+      <p:nvGrpSpPr>
+        <p:cNvPr id="1" name=""/>
+        <p:cNvGrpSpPr/>
+        <p:nvPr/>
+      </p:nvGrpSpPr>
+      <p:grpSpPr>
+        <a:xfrm>
+          <a:off x="0" y="0"/>
+          <a:ext cx="0" cy="0"/>
+          <a:chOff x="0" y="0"/>
+          <a:chExt cx="0" cy="0"/>
+        </a:xfrm>
+      </p:grpSpPr>
+      <p:sp>
+        <p:nvSpPr>
+          <p:cNvPr id="2" name="Title 1"/>
+          <p:cNvSpPr>
+            <a:spLocks noGrp="1"/>
+          </p:cNvSpPr>
+          <p:nvPr>
+            <p:ph type="title"/>
+          </p:nvPr>
+        </p:nvSpPr>
+        <p:spPr>
+          <a:xfrm>
+            <a:off x="457200" y="274638"/>
+            <a:ext cx="8229600" cy="563562"/>
+          </a:xfrm>
+        </p:spPr>
+        <p:txBody>
+          <a:bodyPr>
+            <a:noAutofit/>
+          </a:bodyPr>
+          <a:lstStyle/>
+          <a:p>
+            <a:r>
+              <a:rPr lang="en-US" sz="4800" dirty="0" smtClean="0"/>
+              <a:t>Language Evaluation</a:t>
+            </a:r>
+            <a:endParaRPr lang="en-US" sz="4800" dirty="0"/>
+          </a:p>
+        </p:txBody>
+      </p:sp>
+      <p:sp>
+        <p:nvSpPr>
+          <p:cNvPr id="3" name="Content Placeholder 2"/>
+          <p:cNvSpPr>
+            <a:spLocks noGrp="1"/>
+          </p:cNvSpPr>
+          <p:nvPr>
+            <p:ph idx="1"/>
+          </p:nvPr>
+        </p:nvSpPr>
+        <p:spPr/>
+        <p:txBody>
+          <a:bodyPr>
+            <a:normAutofit/>
+          </a:bodyPr>
+          <a:lstStyle/>
+          <a:p>
+            <a:r>
+              <a:rPr lang="en-US" sz="3600" dirty="0" smtClean="0"/>
+              <a:t>Strengths</a:t>
+            </a:r>
+          </a:p>
+          <a:p>
+            <a:pPr lvl="1"/>
+            <a:r>
+              <a:rPr lang="en-US" dirty="0" smtClean="0"/>
+              <a:t>Small size of language</a:t>
+            </a:r>
+          </a:p>
+          <a:p>
+            <a:pPr lvl="1"/>
+            <a:r>
+              <a:rPr lang="en-US" dirty="0" smtClean="0"/>
+              <a:t>Typically one best way to accomplish something</a:t>
+            </a:r>
+          </a:p>
+          <a:p>
+            <a:pPr lvl="1"/>
+            <a:r>
+              <a:rPr lang="en-US" dirty="0" smtClean="0"/>
+              <a:t>Language encourages standard structure</a:t>
+            </a:r>
+            <a:endParaRPr lang="en-US" dirty="0" smtClean="0"/>
+          </a:p>
+          <a:p>
+            <a:r>
+              <a:rPr lang="en-US" dirty="0" smtClean="0"/>
+              <a:t>Weaknesses</a:t>
+            </a:r>
+            <a:endParaRPr lang="en-US" dirty="0" smtClean="0"/>
+          </a:p>
+          <a:p>
+            <a:pPr lvl="1"/>
+            <a:r>
+              <a:rPr lang="en-US" dirty="0" smtClean="0"/>
+              <a:t>No or limited type checking</a:t>
+            </a:r>
+          </a:p>
+          <a:p>
+            <a:pPr lvl="1"/>
+            <a:r>
+              <a:rPr lang="en-US" dirty="0" smtClean="0"/>
+              <a:t>Data structures can look very complex</a:t>
+            </a:r>
+          </a:p>
+          <a:p>
+            <a:pPr lvl="1"/>
+            <a:r>
+              <a:rPr lang="en-US" dirty="0" smtClean="0"/>
+              <a:t>Piecewise function definition can be abused</a:t>
+            </a:r>
+            <a:endParaRPr lang="en-US" dirty="0" smtClean="0"/>
+          </a:p>
+          <a:p>
+            <a:endParaRPr lang="en-US" dirty="0" smtClean="0"/>
+          </a:p>
+        </p:txBody>
+      </p:sp>
+      <p:sp>
+        <p:nvSpPr>
+          <p:cNvPr id="4" name="Title 1"/>
+          <p:cNvSpPr txBox="1">
+            <a:spLocks/>
+          </p:cNvSpPr>
+          <p:nvPr/>
+        </p:nvSpPr>
+        <p:spPr>
+          <a:xfrm>
+            <a:off x="457200" y="914400"/>
+            <a:ext cx="8229600" cy="457200"/>
+          </a:xfrm>
+          <a:prstGeom prst="rect">
+            <a:avLst/>
+          </a:prstGeom>
+        </p:spPr>
+        <p:txBody>
+          <a:bodyPr vert="horz" lIns="91440" tIns="45720" rIns="91440" bIns="45720" rtlCol="0" anchor="ctr">
+            <a:noAutofit/>
+          </a:bodyPr>
+          <a:lstStyle>
+            <a:lvl1pPr algn="ctr" defTabSz="914400" rtl="0" eaLnBrk="1" latinLnBrk="0" hangingPunct="1">
+              <a:spcBef>
+                <a:spcPct val="0"/>
+              </a:spcBef>
+              <a:buNone/>
+              <a:defRPr sz="4400" kern="1200">
+                <a:solidFill>
+                  <a:schemeClr val="tx1"/>
+                </a:solidFill>
+                <a:latin typeface="+mj-lt"/>
+                <a:ea typeface="+mj-ea"/>
+                <a:cs typeface="+mj-cs"/>
+              </a:defRPr>
+            </a:lvl1pPr>
+          </a:lstStyle>
+          <a:p>
+            <a:pPr algn="l"/>
+            <a:r>
+              <a:rPr lang="en-US" sz="3600" dirty="0"/>
+              <a:t>Readability / Writability</a:t>
+            </a:r>
+            <a:endParaRPr lang="en-US" sz="3600" dirty="0"/>
+          </a:p>
+        </p:txBody>
+      </p:sp>
+    </p:spTree>
+    <p:extLst>
+      <p:ext uri="{BB962C8B-B14F-4D97-AF65-F5344CB8AC3E}">
+        <p14:creationId xmlns:p14="http://schemas.microsoft.com/office/powerpoint/2010/main" val="2061800139"/>
+      </p:ext>
+    </p:extLst>
+  </p:cSld>
+  <p:clrMapOvr>
+    <a:masterClrMapping/>
+  </p:clrMapOvr>
+</p:sld>
+</file>
+
+<file path=ppt/slides/slide23.xml><?xml version="1.0" encoding="utf-8"?>
+<p:sld xmlns:a="http://schemas.openxmlformats.org/drawingml/2006/main" xmlns:r="http://schemas.openxmlformats.org/officeDocument/2006/relationships" xmlns:p="http://schemas.openxmlformats.org/presentationml/2006/main">
+  <p:cSld>
+    <p:spTree>
+      <p:nvGrpSpPr>
+        <p:cNvPr id="1" name=""/>
+        <p:cNvGrpSpPr/>
+        <p:nvPr/>
+      </p:nvGrpSpPr>
+      <p:grpSpPr>
+        <a:xfrm>
+          <a:off x="0" y="0"/>
+          <a:ext cx="0" cy="0"/>
+          <a:chOff x="0" y="0"/>
+          <a:chExt cx="0" cy="0"/>
+        </a:xfrm>
+      </p:grpSpPr>
+      <p:sp>
+        <p:nvSpPr>
+          <p:cNvPr id="2" name="Title 1"/>
+          <p:cNvSpPr>
+            <a:spLocks noGrp="1"/>
+          </p:cNvSpPr>
+          <p:nvPr>
+            <p:ph type="title"/>
+          </p:nvPr>
+        </p:nvSpPr>
+        <p:spPr>
+          <a:xfrm>
+            <a:off x="457200" y="274638"/>
+            <a:ext cx="8229600" cy="563562"/>
+          </a:xfrm>
+        </p:spPr>
+        <p:txBody>
+          <a:bodyPr>
+            <a:noAutofit/>
+          </a:bodyPr>
+          <a:lstStyle/>
+          <a:p>
+            <a:r>
+              <a:rPr lang="en-US" sz="4800" dirty="0" smtClean="0"/>
+              <a:t>Language Evaluation</a:t>
+            </a:r>
+            <a:endParaRPr lang="en-US" sz="4800" dirty="0"/>
+          </a:p>
+        </p:txBody>
+      </p:sp>
+      <p:sp>
+        <p:nvSpPr>
+          <p:cNvPr id="3" name="Content Placeholder 2"/>
+          <p:cNvSpPr>
+            <a:spLocks noGrp="1"/>
+          </p:cNvSpPr>
+          <p:nvPr>
+            <p:ph idx="1"/>
+          </p:nvPr>
+        </p:nvSpPr>
+        <p:spPr/>
+        <p:txBody>
+          <a:bodyPr>
+            <a:normAutofit/>
+          </a:bodyPr>
+          <a:lstStyle/>
+          <a:p>
+            <a:r>
+              <a:rPr lang="en-US" sz="3600" dirty="0" smtClean="0"/>
+              <a:t>Strengths</a:t>
+            </a:r>
+          </a:p>
+          <a:p>
+            <a:pPr lvl="1"/>
+            <a:r>
+              <a:rPr lang="en-US" dirty="0" smtClean="0"/>
+              <a:t>Immutable data and no references</a:t>
+            </a:r>
+          </a:p>
+          <a:p>
+            <a:pPr lvl="1"/>
+            <a:r>
+              <a:rPr lang="en-US" dirty="0" smtClean="0"/>
+              <a:t>Processes to do work and processes to supervise</a:t>
+            </a:r>
+          </a:p>
+          <a:p>
+            <a:pPr lvl="1"/>
+            <a:r>
+              <a:rPr lang="en-US" dirty="0" smtClean="0"/>
+              <a:t>Message passing uses mailboxes</a:t>
+            </a:r>
+          </a:p>
+          <a:p>
+            <a:pPr lvl="1"/>
+            <a:r>
+              <a:rPr lang="en-US" dirty="0" smtClean="0"/>
+              <a:t>Error handling approach</a:t>
+            </a:r>
+            <a:endParaRPr lang="en-US" dirty="0" smtClean="0"/>
+          </a:p>
+          <a:p>
+            <a:r>
+              <a:rPr lang="en-US" dirty="0" smtClean="0"/>
+              <a:t>Weaknesses</a:t>
+            </a:r>
+            <a:endParaRPr lang="en-US" dirty="0" smtClean="0"/>
+          </a:p>
+          <a:p>
+            <a:pPr lvl="1"/>
+            <a:r>
+              <a:rPr lang="en-US" dirty="0" smtClean="0"/>
+              <a:t>Lack of type checking can cause runtime errors</a:t>
+            </a:r>
+          </a:p>
+          <a:p>
+            <a:pPr lvl="1"/>
+            <a:r>
+              <a:rPr lang="en-US" dirty="0" smtClean="0"/>
+              <a:t>All or nothing security</a:t>
+            </a:r>
+            <a:endParaRPr lang="en-US" dirty="0" smtClean="0"/>
+          </a:p>
+          <a:p>
+            <a:pPr lvl="1"/>
+            <a:endParaRPr lang="en-US" dirty="0" smtClean="0"/>
+          </a:p>
+          <a:p>
+            <a:pPr lvl="1"/>
+            <a:endParaRPr lang="en-US" dirty="0" smtClean="0"/>
+          </a:p>
+          <a:p>
+            <a:pPr lvl="1"/>
+            <a:endParaRPr lang="en-US" dirty="0" smtClean="0"/>
+          </a:p>
+          <a:p>
+            <a:endParaRPr lang="en-US" dirty="0" smtClean="0"/>
+          </a:p>
+        </p:txBody>
+      </p:sp>
+      <p:sp>
+        <p:nvSpPr>
+          <p:cNvPr id="4" name="Title 1"/>
+          <p:cNvSpPr txBox="1">
+            <a:spLocks/>
+          </p:cNvSpPr>
+          <p:nvPr/>
+        </p:nvSpPr>
+        <p:spPr>
+          <a:xfrm>
+            <a:off x="457200" y="914400"/>
+            <a:ext cx="8229600" cy="457200"/>
+          </a:xfrm>
+          <a:prstGeom prst="rect">
+            <a:avLst/>
+          </a:prstGeom>
+        </p:spPr>
+        <p:txBody>
+          <a:bodyPr vert="horz" lIns="91440" tIns="45720" rIns="91440" bIns="45720" rtlCol="0" anchor="ctr">
+            <a:noAutofit/>
+          </a:bodyPr>
+          <a:lstStyle>
+            <a:lvl1pPr algn="ctr" defTabSz="914400" rtl="0" eaLnBrk="1" latinLnBrk="0" hangingPunct="1">
+              <a:spcBef>
+                <a:spcPct val="0"/>
+              </a:spcBef>
+              <a:buNone/>
+              <a:defRPr sz="4400" kern="1200">
+                <a:solidFill>
+                  <a:schemeClr val="tx1"/>
+                </a:solidFill>
+                <a:latin typeface="+mj-lt"/>
+                <a:ea typeface="+mj-ea"/>
+                <a:cs typeface="+mj-cs"/>
+              </a:defRPr>
+            </a:lvl1pPr>
+          </a:lstStyle>
+          <a:p>
+            <a:pPr algn="l"/>
+            <a:r>
+              <a:rPr lang="en-US" sz="3600" dirty="0" smtClean="0"/>
+              <a:t>Reliability</a:t>
+            </a:r>
+            <a:endParaRPr lang="en-US" sz="3600" dirty="0"/>
+          </a:p>
+        </p:txBody>
+      </p:sp>
+    </p:spTree>
+    <p:extLst>
+      <p:ext uri="{BB962C8B-B14F-4D97-AF65-F5344CB8AC3E}">
+        <p14:creationId xmlns:p14="http://schemas.microsoft.com/office/powerpoint/2010/main" val="3331624000"/>
+      </p:ext>
+    </p:extLst>
+  </p:cSld>
+  <p:clrMapOvr>
+    <a:masterClrMapping/>
+  </p:clrMapOvr>
+</p:sld>
+</file>
+
+<file path=ppt/slides/slide24.xml><?xml version="1.0" encoding="utf-8"?>
+<p:sld xmlns:a="http://schemas.openxmlformats.org/drawingml/2006/main" xmlns:r="http://schemas.openxmlformats.org/officeDocument/2006/relationships" xmlns:p="http://schemas.openxmlformats.org/presentationml/2006/main">
+  <p:cSld>
+    <p:spTree>
+      <p:nvGrpSpPr>
+        <p:cNvPr id="1" name=""/>
+        <p:cNvGrpSpPr/>
+        <p:nvPr/>
+      </p:nvGrpSpPr>
+      <p:grpSpPr>
+        <a:xfrm>
+          <a:off x="0" y="0"/>
+          <a:ext cx="0" cy="0"/>
+          <a:chOff x="0" y="0"/>
+          <a:chExt cx="0" cy="0"/>
+        </a:xfrm>
+      </p:grpSpPr>
+      <p:sp>
+        <p:nvSpPr>
+          <p:cNvPr id="2" name="Title 1"/>
+          <p:cNvSpPr>
+            <a:spLocks noGrp="1"/>
+          </p:cNvSpPr>
+          <p:nvPr>
+            <p:ph type="title"/>
+          </p:nvPr>
+        </p:nvSpPr>
+        <p:spPr>
+          <a:xfrm>
+            <a:off x="457200" y="274638"/>
+            <a:ext cx="8229600" cy="563562"/>
+          </a:xfrm>
+        </p:spPr>
+        <p:txBody>
+          <a:bodyPr>
+            <a:noAutofit/>
+          </a:bodyPr>
+          <a:lstStyle/>
+          <a:p>
+            <a:r>
+              <a:rPr lang="en-US" sz="4800" dirty="0" smtClean="0"/>
+              <a:t>Language Evaluation</a:t>
+            </a:r>
+            <a:endParaRPr lang="en-US" sz="4800" dirty="0"/>
+          </a:p>
+        </p:txBody>
+      </p:sp>
+      <p:sp>
+        <p:nvSpPr>
+          <p:cNvPr id="3" name="Content Placeholder 2"/>
+          <p:cNvSpPr>
+            <a:spLocks noGrp="1"/>
+          </p:cNvSpPr>
+          <p:nvPr>
+            <p:ph idx="1"/>
+          </p:nvPr>
+        </p:nvSpPr>
+        <p:spPr/>
+        <p:txBody>
+          <a:bodyPr>
+            <a:normAutofit lnSpcReduction="10000"/>
+          </a:bodyPr>
+          <a:lstStyle/>
+          <a:p>
+            <a:r>
+              <a:rPr lang="en-US" sz="3600" dirty="0" smtClean="0"/>
+              <a:t>Strengths</a:t>
+            </a:r>
+          </a:p>
+          <a:p>
+            <a:pPr lvl="1"/>
+            <a:r>
+              <a:rPr lang="en-US" dirty="0" smtClean="0"/>
+              <a:t>Small language reduces learning curve</a:t>
+            </a:r>
+          </a:p>
+          <a:p>
+            <a:pPr lvl="1"/>
+            <a:r>
+              <a:rPr lang="en-US" dirty="0" smtClean="0"/>
+              <a:t>Reliability directly reduces maintenance cost</a:t>
+            </a:r>
+          </a:p>
+          <a:p>
+            <a:pPr lvl="1"/>
+            <a:r>
+              <a:rPr lang="en-US" dirty="0" smtClean="0"/>
+              <a:t>Code changes can be applied “on the fly”</a:t>
+            </a:r>
+          </a:p>
+          <a:p>
+            <a:pPr lvl="1"/>
+            <a:r>
+              <a:rPr lang="en-US" dirty="0" smtClean="0"/>
+              <a:t>Concurrency + distributed = massively scalable</a:t>
+            </a:r>
+            <a:endParaRPr lang="en-US" dirty="0" smtClean="0"/>
+          </a:p>
+          <a:p>
+            <a:r>
+              <a:rPr lang="en-US" dirty="0" smtClean="0"/>
+              <a:t>Weaknesses</a:t>
+            </a:r>
+            <a:endParaRPr lang="en-US" dirty="0" smtClean="0"/>
+          </a:p>
+          <a:p>
+            <a:pPr lvl="1"/>
+            <a:r>
+              <a:rPr lang="en-US" dirty="0" smtClean="0"/>
+              <a:t>Smaller language community</a:t>
+            </a:r>
+          </a:p>
+          <a:p>
+            <a:pPr lvl="1"/>
+            <a:r>
+              <a:rPr lang="en-US" dirty="0" smtClean="0"/>
+              <a:t>Slower than alternatives for serial operations with high CPU use</a:t>
+            </a:r>
+          </a:p>
+          <a:p>
+            <a:pPr lvl="1"/>
+            <a:endParaRPr lang="en-US" dirty="0" smtClean="0"/>
+          </a:p>
+          <a:p>
+            <a:pPr lvl="1"/>
+            <a:endParaRPr lang="en-US" dirty="0" smtClean="0"/>
+          </a:p>
+          <a:p>
+            <a:pPr lvl="1"/>
+            <a:endParaRPr lang="en-US" dirty="0" smtClean="0"/>
+          </a:p>
+          <a:p>
+            <a:endParaRPr lang="en-US" dirty="0" smtClean="0"/>
+          </a:p>
+        </p:txBody>
+      </p:sp>
+      <p:sp>
+        <p:nvSpPr>
+          <p:cNvPr id="4" name="Title 1"/>
+          <p:cNvSpPr txBox="1">
+            <a:spLocks/>
+          </p:cNvSpPr>
+          <p:nvPr/>
+        </p:nvSpPr>
+        <p:spPr>
+          <a:xfrm>
+            <a:off x="457200" y="914400"/>
+            <a:ext cx="8229600" cy="457200"/>
+          </a:xfrm>
+          <a:prstGeom prst="rect">
+            <a:avLst/>
+          </a:prstGeom>
+        </p:spPr>
+        <p:txBody>
+          <a:bodyPr vert="horz" lIns="91440" tIns="45720" rIns="91440" bIns="45720" rtlCol="0" anchor="ctr">
+            <a:noAutofit/>
+          </a:bodyPr>
+          <a:lstStyle>
+            <a:lvl1pPr algn="ctr" defTabSz="914400" rtl="0" eaLnBrk="1" latinLnBrk="0" hangingPunct="1">
+              <a:spcBef>
+                <a:spcPct val="0"/>
+              </a:spcBef>
+              <a:buNone/>
+              <a:defRPr sz="4400" kern="1200">
+                <a:solidFill>
+                  <a:schemeClr val="tx1"/>
+                </a:solidFill>
+                <a:latin typeface="+mj-lt"/>
+                <a:ea typeface="+mj-ea"/>
+                <a:cs typeface="+mj-cs"/>
+              </a:defRPr>
+            </a:lvl1pPr>
+          </a:lstStyle>
+          <a:p>
+            <a:pPr algn="l"/>
+            <a:r>
+              <a:rPr lang="en-US" sz="3600" dirty="0" smtClean="0"/>
+              <a:t>Cost</a:t>
+            </a:r>
+            <a:endParaRPr lang="en-US" sz="3600" dirty="0"/>
+          </a:p>
+        </p:txBody>
+      </p:sp>
+    </p:spTree>
+    <p:extLst>
+      <p:ext uri="{BB962C8B-B14F-4D97-AF65-F5344CB8AC3E}">
+        <p14:creationId xmlns:p14="http://schemas.microsoft.com/office/powerpoint/2010/main" val="2292143024"/>
       </p:ext>
     </p:extLst>
   </p:cSld>
@@ -4965,7 +10173,6 @@
               <a:rPr lang="en-US" sz="2800" dirty="0" smtClean="0"/>
               <a:t>1988: Rapid change from user feedback results in stabilization by year end</a:t>
             </a:r>
-            <a:endParaRPr lang="en-US" sz="2800" dirty="0" smtClean="0"/>
           </a:p>
           <a:p>
             <a:endParaRPr lang="en-US" sz="2800" dirty="0"/>
@@ -5317,14 +10524,12 @@
               <a:rPr lang="en-US" dirty="0" smtClean="0"/>
               <a:t>conclusions</a:t>
             </a:r>
-            <a:endParaRPr lang="en-US" dirty="0" smtClean="0"/>
           </a:p>
           <a:p>
             <a:r>
               <a:rPr lang="en-US" dirty="0" smtClean="0"/>
               <a:t>=&gt; Make Erlang faster</a:t>
             </a:r>
-            <a:endParaRPr lang="en-US" dirty="0" smtClean="0"/>
           </a:p>
           <a:p>
             <a:pPr marL="457200" lvl="1" indent="0">

--- a/teamProj/slides.pptx
+++ b/teamProj/slides.pptx
@@ -5,7 +5,7 @@
     <p:sldMasterId id="2147483648" r:id="rId1"/>
   </p:sldMasterIdLst>
   <p:notesMasterIdLst>
-    <p:notesMasterId r:id="rId26"/>
+    <p:notesMasterId r:id="rId27"/>
   </p:notesMasterIdLst>
   <p:sldIdLst>
     <p:sldId id="256" r:id="rId2"/>
@@ -32,6 +32,7 @@
     <p:sldId id="278" r:id="rId23"/>
     <p:sldId id="281" r:id="rId24"/>
     <p:sldId id="282" r:id="rId25"/>
+    <p:sldId id="283" r:id="rId26"/>
   </p:sldIdLst>
   <p:sldSz cx="9144000" cy="6858000" type="screen4x3"/>
   <p:notesSz cx="6858000" cy="9144000"/>
@@ -215,7 +216,7 @@
           <a:p>
             <a:fld id="{75862928-B471-4252-8FDB-190DFBD60404}" type="datetimeFigureOut">
               <a:rPr lang="en-US" smtClean="0"/>
-              <a:t>4/21/2018</a:t>
+              <a:t>4/24/2018</a:t>
             </a:fld>
             <a:endParaRPr lang="en-US"/>
           </a:p>
@@ -778,7 +779,6 @@
               <a:rPr lang="en-US" baseline="0" dirty="0" smtClean="0"/>
               <a:t>- Note the absence of strings</a:t>
             </a:r>
-            <a:endParaRPr lang="en-US" baseline="0" dirty="0" smtClean="0"/>
           </a:p>
         </p:txBody>
       </p:sp>
@@ -1846,6 +1846,94 @@
             <a:fld id="{48F5F6DF-9BE4-4641-AC70-C633D8EF56D7}" type="slidenum">
               <a:rPr lang="en-US" smtClean="0"/>
               <a:t>24</a:t>
+            </a:fld>
+            <a:endParaRPr lang="en-US"/>
+          </a:p>
+        </p:txBody>
+      </p:sp>
+    </p:spTree>
+    <p:extLst>
+      <p:ext uri="{BB962C8B-B14F-4D97-AF65-F5344CB8AC3E}">
+        <p14:creationId xmlns:p14="http://schemas.microsoft.com/office/powerpoint/2010/main" val="3050551614"/>
+      </p:ext>
+    </p:extLst>
+  </p:cSld>
+  <p:clrMapOvr>
+    <a:masterClrMapping/>
+  </p:clrMapOvr>
+</p:notes>
+</file>
+
+<file path=ppt/notesSlides/notesSlide21.xml><?xml version="1.0" encoding="utf-8"?>
+<p:notes xmlns:a="http://schemas.openxmlformats.org/drawingml/2006/main" xmlns:r="http://schemas.openxmlformats.org/officeDocument/2006/relationships" xmlns:p="http://schemas.openxmlformats.org/presentationml/2006/main">
+  <p:cSld>
+    <p:spTree>
+      <p:nvGrpSpPr>
+        <p:cNvPr id="1" name=""/>
+        <p:cNvGrpSpPr/>
+        <p:nvPr/>
+      </p:nvGrpSpPr>
+      <p:grpSpPr>
+        <a:xfrm>
+          <a:off x="0" y="0"/>
+          <a:ext cx="0" cy="0"/>
+          <a:chOff x="0" y="0"/>
+          <a:chExt cx="0" cy="0"/>
+        </a:xfrm>
+      </p:grpSpPr>
+      <p:sp>
+        <p:nvSpPr>
+          <p:cNvPr id="2" name="Slide Image Placeholder 1"/>
+          <p:cNvSpPr>
+            <a:spLocks noGrp="1" noRot="1" noChangeAspect="1"/>
+          </p:cNvSpPr>
+          <p:nvPr>
+            <p:ph type="sldImg"/>
+          </p:nvPr>
+        </p:nvSpPr>
+        <p:spPr/>
+      </p:sp>
+      <p:sp>
+        <p:nvSpPr>
+          <p:cNvPr id="3" name="Notes Placeholder 2"/>
+          <p:cNvSpPr>
+            <a:spLocks noGrp="1"/>
+          </p:cNvSpPr>
+          <p:nvPr>
+            <p:ph type="body" idx="1"/>
+          </p:nvPr>
+        </p:nvSpPr>
+        <p:spPr/>
+        <p:txBody>
+          <a:bodyPr/>
+          <a:lstStyle/>
+          <a:p>
+            <a:pPr marL="0" indent="0">
+              <a:buFontTx/>
+              <a:buNone/>
+            </a:pPr>
+            <a:endParaRPr lang="en-US" baseline="0" dirty="0" smtClean="0"/>
+          </a:p>
+        </p:txBody>
+      </p:sp>
+      <p:sp>
+        <p:nvSpPr>
+          <p:cNvPr id="4" name="Slide Number Placeholder 3"/>
+          <p:cNvSpPr>
+            <a:spLocks noGrp="1"/>
+          </p:cNvSpPr>
+          <p:nvPr>
+            <p:ph type="sldNum" sz="quarter" idx="10"/>
+          </p:nvPr>
+        </p:nvSpPr>
+        <p:spPr/>
+        <p:txBody>
+          <a:bodyPr/>
+          <a:lstStyle/>
+          <a:p>
+            <a:fld id="{48F5F6DF-9BE4-4641-AC70-C633D8EF56D7}" type="slidenum">
+              <a:rPr lang="en-US" smtClean="0"/>
+              <a:t>25</a:t>
             </a:fld>
             <a:endParaRPr lang="en-US"/>
           </a:p>
@@ -2900,7 +2988,7 @@
           <a:p>
             <a:fld id="{03F65E02-F4FE-41A5-B9C5-4E8AE5AF45AA}" type="datetimeFigureOut">
               <a:rPr lang="en-US" smtClean="0"/>
-              <a:t>4/21/2018</a:t>
+              <a:t>4/24/2018</a:t>
             </a:fld>
             <a:endParaRPr lang="en-US"/>
           </a:p>
@@ -3070,7 +3158,7 @@
           <a:p>
             <a:fld id="{03F65E02-F4FE-41A5-B9C5-4E8AE5AF45AA}" type="datetimeFigureOut">
               <a:rPr lang="en-US" smtClean="0"/>
-              <a:t>4/21/2018</a:t>
+              <a:t>4/24/2018</a:t>
             </a:fld>
             <a:endParaRPr lang="en-US"/>
           </a:p>
@@ -3250,7 +3338,7 @@
           <a:p>
             <a:fld id="{03F65E02-F4FE-41A5-B9C5-4E8AE5AF45AA}" type="datetimeFigureOut">
               <a:rPr lang="en-US" smtClean="0"/>
-              <a:t>4/21/2018</a:t>
+              <a:t>4/24/2018</a:t>
             </a:fld>
             <a:endParaRPr lang="en-US"/>
           </a:p>
@@ -3420,7 +3508,7 @@
           <a:p>
             <a:fld id="{03F65E02-F4FE-41A5-B9C5-4E8AE5AF45AA}" type="datetimeFigureOut">
               <a:rPr lang="en-US" smtClean="0"/>
-              <a:t>4/21/2018</a:t>
+              <a:t>4/24/2018</a:t>
             </a:fld>
             <a:endParaRPr lang="en-US"/>
           </a:p>
@@ -3666,7 +3754,7 @@
           <a:p>
             <a:fld id="{03F65E02-F4FE-41A5-B9C5-4E8AE5AF45AA}" type="datetimeFigureOut">
               <a:rPr lang="en-US" smtClean="0"/>
-              <a:t>4/21/2018</a:t>
+              <a:t>4/24/2018</a:t>
             </a:fld>
             <a:endParaRPr lang="en-US"/>
           </a:p>
@@ -3954,7 +4042,7 @@
           <a:p>
             <a:fld id="{03F65E02-F4FE-41A5-B9C5-4E8AE5AF45AA}" type="datetimeFigureOut">
               <a:rPr lang="en-US" smtClean="0"/>
-              <a:t>4/21/2018</a:t>
+              <a:t>4/24/2018</a:t>
             </a:fld>
             <a:endParaRPr lang="en-US"/>
           </a:p>
@@ -4376,7 +4464,7 @@
           <a:p>
             <a:fld id="{03F65E02-F4FE-41A5-B9C5-4E8AE5AF45AA}" type="datetimeFigureOut">
               <a:rPr lang="en-US" smtClean="0"/>
-              <a:t>4/21/2018</a:t>
+              <a:t>4/24/2018</a:t>
             </a:fld>
             <a:endParaRPr lang="en-US"/>
           </a:p>
@@ -4494,7 +4582,7 @@
           <a:p>
             <a:fld id="{03F65E02-F4FE-41A5-B9C5-4E8AE5AF45AA}" type="datetimeFigureOut">
               <a:rPr lang="en-US" smtClean="0"/>
-              <a:t>4/21/2018</a:t>
+              <a:t>4/24/2018</a:t>
             </a:fld>
             <a:endParaRPr lang="en-US"/>
           </a:p>
@@ -4589,7 +4677,7 @@
           <a:p>
             <a:fld id="{03F65E02-F4FE-41A5-B9C5-4E8AE5AF45AA}" type="datetimeFigureOut">
               <a:rPr lang="en-US" smtClean="0"/>
-              <a:t>4/21/2018</a:t>
+              <a:t>4/24/2018</a:t>
             </a:fld>
             <a:endParaRPr lang="en-US"/>
           </a:p>
@@ -4866,7 +4954,7 @@
           <a:p>
             <a:fld id="{03F65E02-F4FE-41A5-B9C5-4E8AE5AF45AA}" type="datetimeFigureOut">
               <a:rPr lang="en-US" smtClean="0"/>
-              <a:t>4/21/2018</a:t>
+              <a:t>4/24/2018</a:t>
             </a:fld>
             <a:endParaRPr lang="en-US"/>
           </a:p>
@@ -5119,7 +5207,7 @@
           <a:p>
             <a:fld id="{03F65E02-F4FE-41A5-B9C5-4E8AE5AF45AA}" type="datetimeFigureOut">
               <a:rPr lang="en-US" smtClean="0"/>
-              <a:t>4/21/2018</a:t>
+              <a:t>4/24/2018</a:t>
             </a:fld>
             <a:endParaRPr lang="en-US"/>
           </a:p>
@@ -5332,7 +5420,7 @@
           <a:p>
             <a:fld id="{03F65E02-F4FE-41A5-B9C5-4E8AE5AF45AA}" type="datetimeFigureOut">
               <a:rPr lang="en-US" smtClean="0"/>
-              <a:t>4/21/2018</a:t>
+              <a:t>4/24/2018</a:t>
             </a:fld>
             <a:endParaRPr lang="en-US"/>
           </a:p>
@@ -6168,7 +6256,6 @@
               <a:rPr lang="en-US" sz="4800" dirty="0"/>
               <a:t>The Language</a:t>
             </a:r>
-            <a:endParaRPr lang="en-US" sz="4800" dirty="0"/>
           </a:p>
         </p:txBody>
       </p:sp>
@@ -7424,7 +7511,6 @@
               <a:rPr lang="en-US" sz="4800" dirty="0"/>
               <a:t>The Language</a:t>
             </a:r>
-            <a:endParaRPr lang="en-US" sz="4800" dirty="0"/>
           </a:p>
         </p:txBody>
       </p:sp>
@@ -7683,7 +7769,6 @@
               <a:rPr lang="en-US" sz="4800" dirty="0"/>
               <a:t>The Language</a:t>
             </a:r>
-            <a:endParaRPr lang="en-US" sz="4800" dirty="0"/>
           </a:p>
         </p:txBody>
       </p:sp>
@@ -7867,7 +7952,6 @@
               <a:rPr lang="en-US" sz="4800" dirty="0"/>
               <a:t>The Language</a:t>
             </a:r>
-            <a:endParaRPr lang="en-US" sz="4800" dirty="0"/>
           </a:p>
         </p:txBody>
       </p:sp>
@@ -8179,7 +8263,6 @@
               <a:rPr lang="en-US" sz="4800" dirty="0"/>
               <a:t>The Language</a:t>
             </a:r>
-            <a:endParaRPr lang="en-US" sz="4800" dirty="0"/>
           </a:p>
         </p:txBody>
       </p:sp>
@@ -8340,7 +8423,6 @@
               <a:rPr lang="en-US" sz="4800" dirty="0"/>
               <a:t>The Language</a:t>
             </a:r>
-            <a:endParaRPr lang="en-US" sz="4800" dirty="0"/>
           </a:p>
         </p:txBody>
       </p:sp>
@@ -8541,7 +8623,6 @@
               <a:rPr lang="en-US" sz="4800" dirty="0"/>
               <a:t>The Language</a:t>
             </a:r>
-            <a:endParaRPr lang="en-US" sz="4800" dirty="0"/>
           </a:p>
         </p:txBody>
       </p:sp>
@@ -8846,7 +8927,6 @@
               <a:rPr lang="en-US" sz="4800" dirty="0"/>
               <a:t>The Language</a:t>
             </a:r>
-            <a:endParaRPr lang="en-US" sz="4800" dirty="0"/>
           </a:p>
         </p:txBody>
       </p:sp>
@@ -9007,7 +9087,6 @@
               <a:rPr lang="en-US" sz="4800" dirty="0"/>
               <a:t>The Language</a:t>
             </a:r>
-            <a:endParaRPr lang="en-US" sz="4800" dirty="0"/>
           </a:p>
         </p:txBody>
       </p:sp>
@@ -9242,14 +9321,12 @@
               <a:rPr lang="en-US" dirty="0" smtClean="0"/>
               <a:t>Language encourages standard structure</a:t>
             </a:r>
-            <a:endParaRPr lang="en-US" dirty="0" smtClean="0"/>
           </a:p>
           <a:p>
             <a:r>
               <a:rPr lang="en-US" dirty="0" smtClean="0"/>
               <a:t>Weaknesses</a:t>
             </a:r>
-            <a:endParaRPr lang="en-US" dirty="0" smtClean="0"/>
           </a:p>
           <a:p>
             <a:pPr lvl="1"/>
@@ -9271,7 +9348,6 @@
               <a:rPr lang="en-US" dirty="0" smtClean="0"/>
               <a:t>Piecewise function definition can be abused</a:t>
             </a:r>
-            <a:endParaRPr lang="en-US" dirty="0" smtClean="0"/>
           </a:p>
           <a:p>
             <a:endParaRPr lang="en-US" dirty="0" smtClean="0"/>
@@ -9321,7 +9397,6 @@
               <a:rPr lang="en-US" sz="3600" dirty="0"/>
               <a:t>Readability / Writability</a:t>
             </a:r>
-            <a:endParaRPr lang="en-US" sz="3600" dirty="0"/>
           </a:p>
         </p:txBody>
       </p:sp>
@@ -9434,14 +9509,12 @@
               <a:rPr lang="en-US" dirty="0" smtClean="0"/>
               <a:t>Error handling approach</a:t>
             </a:r>
-            <a:endParaRPr lang="en-US" dirty="0" smtClean="0"/>
           </a:p>
           <a:p>
             <a:r>
               <a:rPr lang="en-US" dirty="0" smtClean="0"/>
               <a:t>Weaknesses</a:t>
             </a:r>
-            <a:endParaRPr lang="en-US" dirty="0" smtClean="0"/>
           </a:p>
           <a:p>
             <a:pPr lvl="1"/>
@@ -9456,7 +9529,6 @@
               <a:rPr lang="en-US" dirty="0" smtClean="0"/>
               <a:t>All or nothing security</a:t>
             </a:r>
-            <a:endParaRPr lang="en-US" dirty="0" smtClean="0"/>
           </a:p>
           <a:p>
             <a:pPr lvl="1"/>
@@ -9631,14 +9703,12 @@
               <a:rPr lang="en-US" dirty="0" smtClean="0"/>
               <a:t>Concurrency + distributed = massively scalable</a:t>
             </a:r>
-            <a:endParaRPr lang="en-US" dirty="0" smtClean="0"/>
           </a:p>
           <a:p>
             <a:r>
               <a:rPr lang="en-US" dirty="0" smtClean="0"/>
               <a:t>Weaknesses</a:t>
             </a:r>
-            <a:endParaRPr lang="en-US" dirty="0" smtClean="0"/>
           </a:p>
           <a:p>
             <a:pPr lvl="1"/>
@@ -9722,6 +9792,157 @@
     <p:extLst>
       <p:ext uri="{BB962C8B-B14F-4D97-AF65-F5344CB8AC3E}">
         <p14:creationId xmlns:p14="http://schemas.microsoft.com/office/powerpoint/2010/main" val="2292143024"/>
+      </p:ext>
+    </p:extLst>
+  </p:cSld>
+  <p:clrMapOvr>
+    <a:masterClrMapping/>
+  </p:clrMapOvr>
+</p:sld>
+</file>
+
+<file path=ppt/slides/slide25.xml><?xml version="1.0" encoding="utf-8"?>
+<p:sld xmlns:a="http://schemas.openxmlformats.org/drawingml/2006/main" xmlns:r="http://schemas.openxmlformats.org/officeDocument/2006/relationships" xmlns:p="http://schemas.openxmlformats.org/presentationml/2006/main">
+  <p:cSld>
+    <p:spTree>
+      <p:nvGrpSpPr>
+        <p:cNvPr id="1" name=""/>
+        <p:cNvGrpSpPr/>
+        <p:nvPr/>
+      </p:nvGrpSpPr>
+      <p:grpSpPr>
+        <a:xfrm>
+          <a:off x="0" y="0"/>
+          <a:ext cx="0" cy="0"/>
+          <a:chOff x="0" y="0"/>
+          <a:chExt cx="0" cy="0"/>
+        </a:xfrm>
+      </p:grpSpPr>
+      <p:sp>
+        <p:nvSpPr>
+          <p:cNvPr id="2" name="Title 1"/>
+          <p:cNvSpPr>
+            <a:spLocks noGrp="1"/>
+          </p:cNvSpPr>
+          <p:nvPr>
+            <p:ph type="title"/>
+          </p:nvPr>
+        </p:nvSpPr>
+        <p:spPr>
+          <a:xfrm>
+            <a:off x="457200" y="274638"/>
+            <a:ext cx="8229600" cy="563562"/>
+          </a:xfrm>
+        </p:spPr>
+        <p:txBody>
+          <a:bodyPr>
+            <a:noAutofit/>
+          </a:bodyPr>
+          <a:lstStyle/>
+          <a:p>
+            <a:r>
+              <a:rPr lang="en-US" sz="4800" dirty="0" smtClean="0"/>
+              <a:t>Standard References</a:t>
+            </a:r>
+            <a:endParaRPr lang="en-US" sz="4800" dirty="0"/>
+          </a:p>
+        </p:txBody>
+      </p:sp>
+      <p:sp>
+        <p:nvSpPr>
+          <p:cNvPr id="3" name="Content Placeholder 2"/>
+          <p:cNvSpPr>
+            <a:spLocks noGrp="1"/>
+          </p:cNvSpPr>
+          <p:nvPr>
+            <p:ph idx="1"/>
+          </p:nvPr>
+        </p:nvSpPr>
+        <p:spPr>
+          <a:xfrm>
+            <a:off x="457200" y="990600"/>
+            <a:ext cx="8229600" cy="5135563"/>
+          </a:xfrm>
+        </p:spPr>
+        <p:txBody>
+          <a:bodyPr>
+            <a:normAutofit/>
+          </a:bodyPr>
+          <a:lstStyle/>
+          <a:p>
+            <a:pPr lvl="0"/>
+            <a:r>
+              <a:rPr lang="en-US" sz="2000" dirty="0"/>
+              <a:t>Joe Armstrong. </a:t>
+            </a:r>
+            <a:r>
+              <a:rPr lang="en-US" sz="2000" i="1" dirty="0"/>
+              <a:t>Programming Erlang: Software for a Concurrent World</a:t>
+            </a:r>
+            <a:r>
+              <a:rPr lang="en-US" sz="2000" dirty="0"/>
+              <a:t>. Pragmatic Programmers LLC, 2013.</a:t>
+            </a:r>
+          </a:p>
+          <a:p>
+            <a:pPr lvl="0"/>
+            <a:r>
+              <a:rPr lang="en-US" sz="2000" dirty="0"/>
+              <a:t>Joe Armstrong. “A History of Erlang.” 19 Mar. 2018, http://webcem01.cem.itesm.mx:8005/erlang/cd/downloads/hopl_erlang.pdf.</a:t>
+            </a:r>
+          </a:p>
+          <a:p>
+            <a:pPr lvl="0"/>
+            <a:r>
+              <a:rPr lang="en-US" sz="2000" dirty="0"/>
+              <a:t>“An Erlang Course.” Erlang/OTP unit at Ericsson, 2 Apr. 2018, https://www.erlang.org/course.</a:t>
+            </a:r>
+          </a:p>
+          <a:p>
+            <a:pPr lvl="0"/>
+            <a:r>
+              <a:rPr lang="en-US" sz="2000" dirty="0"/>
+              <a:t>Erlang Homepage. Erlang/OTP unit at Ericsson, 2 Apr. 2018, https://www.erlang.org.</a:t>
+            </a:r>
+          </a:p>
+          <a:p>
+            <a:pPr lvl="0"/>
+            <a:r>
+              <a:rPr lang="en-US" sz="2000" dirty="0"/>
+              <a:t>“Documentation.” Erlang/OTP unit at Ericsson, 2 Apr. 2018, https://www.erlang.org/docs</a:t>
+            </a:r>
+          </a:p>
+          <a:p>
+            <a:pPr lvl="0"/>
+            <a:r>
+              <a:rPr lang="en-US" sz="2000" dirty="0"/>
+              <a:t>“Erlang (programming language).” Wikipedia, 11 Mar. 2018, https://en.wikipedia.org/wiki/Erlang_(programming_language).</a:t>
+            </a:r>
+          </a:p>
+          <a:p>
+            <a:r>
+              <a:rPr lang="en-US" sz="2000" dirty="0"/>
+              <a:t>“History of Erlang.” Wikipedia, 12 Mar. 2018, https://www.erlang.org/course/history.</a:t>
+            </a:r>
+            <a:endParaRPr lang="en-US" sz="2000" dirty="0" smtClean="0"/>
+          </a:p>
+          <a:p>
+            <a:pPr lvl="1"/>
+            <a:endParaRPr lang="en-US" dirty="0" smtClean="0"/>
+          </a:p>
+          <a:p>
+            <a:pPr lvl="1"/>
+            <a:endParaRPr lang="en-US" dirty="0" smtClean="0"/>
+          </a:p>
+          <a:p>
+            <a:endParaRPr lang="en-US" dirty="0" smtClean="0"/>
+          </a:p>
+        </p:txBody>
+      </p:sp>
+    </p:spTree>
+    <p:extLst>
+      <p:ext uri="{BB962C8B-B14F-4D97-AF65-F5344CB8AC3E}">
+        <p14:creationId xmlns:p14="http://schemas.microsoft.com/office/powerpoint/2010/main" val="1080479391"/>
       </p:ext>
     </p:extLst>
   </p:cSld>

--- a/teamProj/slides.pptx
+++ b/teamProj/slides.pptx
@@ -8979,7 +8979,7 @@
       </p:sp>
       <p:pic>
         <p:nvPicPr>
-          <p:cNvPr id="5122" name="Picture 2"/>
+          <p:cNvPr id="1026" name="Picture 2"/>
           <p:cNvPicPr>
             <a:picLocks noChangeAspect="1" noChangeArrowheads="1"/>
           </p:cNvPicPr>
@@ -9000,8 +9000,8 @@
         </p:blipFill>
         <p:spPr bwMode="auto">
           <a:xfrm>
-            <a:off x="838200" y="1524000"/>
-            <a:ext cx="7467600" cy="5136252"/>
+            <a:off x="647700" y="1558894"/>
+            <a:ext cx="7848600" cy="5070506"/>
           </a:xfrm>
           <a:prstGeom prst="rect">
             <a:avLst/>
@@ -9872,8 +9872,8 @@
           <a:p>
             <a:pPr lvl="0"/>
             <a:r>
-              <a:rPr lang="en-US" sz="2000" dirty="0"/>
-              <a:t>Joe Armstrong. </a:t>
+              <a:rPr lang="en-US" sz="2000" dirty="0" smtClean="0"/>
+              <a:t>Armstrong, Joe. </a:t>
             </a:r>
             <a:r>
               <a:rPr lang="en-US" sz="2000" i="1" dirty="0"/>
@@ -9881,14 +9881,69 @@
             </a:r>
             <a:r>
               <a:rPr lang="en-US" sz="2000" dirty="0"/>
-              <a:t>. Pragmatic Programmers LLC, 2013.</a:t>
+              <a:t>. Pragmatic Programmers LLC, 2013</a:t>
+            </a:r>
+            <a:r>
+              <a:rPr lang="en-US" sz="2000" dirty="0" smtClean="0"/>
+              <a:t>.</a:t>
             </a:r>
           </a:p>
           <a:p>
             <a:pPr lvl="0"/>
             <a:r>
               <a:rPr lang="en-US" sz="2000" dirty="0"/>
-              <a:t>Joe Armstrong. “A History of Erlang.” 19 Mar. 2018, http://webcem01.cem.itesm.mx:8005/erlang/cd/downloads/hopl_erlang.pdf.</a:t>
+              <a:t>St. Laurent, Simon. </a:t>
+            </a:r>
+            <a:r>
+              <a:rPr lang="en-US" sz="2000" i="1" dirty="0"/>
+              <a:t>Introducing Erlang: Getting Started in Functional </a:t>
+            </a:r>
+            <a:r>
+              <a:rPr lang="en-US" sz="2000" i="1" dirty="0" smtClean="0"/>
+              <a:t>Programming 2</a:t>
+            </a:r>
+            <a:r>
+              <a:rPr lang="en-US" sz="2000" i="1" baseline="30000" dirty="0" smtClean="0"/>
+              <a:t>nd</a:t>
+            </a:r>
+            <a:r>
+              <a:rPr lang="en-US" sz="2000" i="1" dirty="0" smtClean="0"/>
+              <a:t> Ed</a:t>
+            </a:r>
+            <a:r>
+              <a:rPr lang="en-US" sz="2000" dirty="0" smtClean="0"/>
+              <a:t>. O’Reilly Media, Inc., 2017</a:t>
+            </a:r>
+          </a:p>
+          <a:p>
+            <a:pPr lvl="0"/>
+            <a:r>
+              <a:rPr lang="en-US" sz="2000" dirty="0"/>
+              <a:t>Herbert, Fred. </a:t>
+            </a:r>
+            <a:r>
+              <a:rPr lang="en-US" sz="2000" i="1" dirty="0"/>
+              <a:t>Learn You Some Erlang for Great Good!: A Beginner's </a:t>
+            </a:r>
+            <a:r>
+              <a:rPr lang="en-US" sz="2000" i="1" dirty="0" smtClean="0"/>
+              <a:t>Guide</a:t>
+            </a:r>
+            <a:r>
+              <a:rPr lang="en-US" sz="2000" dirty="0" smtClean="0"/>
+              <a:t>. No Starch Press, Inc., 2013.</a:t>
+            </a:r>
+            <a:endParaRPr lang="en-US" sz="2000" i="1" dirty="0"/>
+          </a:p>
+          <a:p>
+            <a:pPr lvl="0"/>
+            <a:r>
+              <a:rPr lang="en-US" sz="2000" dirty="0" smtClean="0"/>
+              <a:t>Armstrong, Joe. </a:t>
+            </a:r>
+            <a:r>
+              <a:rPr lang="en-US" sz="2000" dirty="0"/>
+              <a:t>“A History of Erlang.” 19 Mar. 2018, http://webcem01.cem.itesm.mx:8005/erlang/cd/downloads/hopl_erlang.pdf.</a:t>
             </a:r>
           </a:p>
           <a:p>
@@ -9911,20 +9966,6 @@
               <a:rPr lang="en-US" sz="2000" dirty="0"/>
               <a:t>“Documentation.” Erlang/OTP unit at Ericsson, 2 Apr. 2018, https://www.erlang.org/docs</a:t>
             </a:r>
-          </a:p>
-          <a:p>
-            <a:pPr lvl="0"/>
-            <a:r>
-              <a:rPr lang="en-US" sz="2000" dirty="0"/>
-              <a:t>“Erlang (programming language).” Wikipedia, 11 Mar. 2018, https://en.wikipedia.org/wiki/Erlang_(programming_language).</a:t>
-            </a:r>
-          </a:p>
-          <a:p>
-            <a:r>
-              <a:rPr lang="en-US" sz="2000" dirty="0"/>
-              <a:t>“History of Erlang.” Wikipedia, 12 Mar. 2018, https://www.erlang.org/course/history.</a:t>
-            </a:r>
-            <a:endParaRPr lang="en-US" sz="2000" dirty="0" smtClean="0"/>
           </a:p>
           <a:p>
             <a:pPr lvl="1"/>
